--- a/SCho Project on Economic Inequality.pptx
+++ b/SCho Project on Economic Inequality.pptx
@@ -5,7 +5,7 @@
     <p:sldMasterId id="2147483673" r:id="rId4"/>
   </p:sldMasterIdLst>
   <p:notesMasterIdLst>
-    <p:notesMasterId r:id="rId16"/>
+    <p:notesMasterId r:id="rId21"/>
   </p:notesMasterIdLst>
   <p:sldIdLst>
     <p:sldId id="257" r:id="rId5"/>
@@ -13,12 +13,17 @@
     <p:sldId id="261" r:id="rId7"/>
     <p:sldId id="259" r:id="rId8"/>
     <p:sldId id="267" r:id="rId9"/>
-    <p:sldId id="266" r:id="rId10"/>
-    <p:sldId id="263" r:id="rId11"/>
-    <p:sldId id="264" r:id="rId12"/>
-    <p:sldId id="265" r:id="rId13"/>
-    <p:sldId id="268" r:id="rId14"/>
-    <p:sldId id="258" r:id="rId15"/>
+    <p:sldId id="270" r:id="rId10"/>
+    <p:sldId id="272" r:id="rId11"/>
+    <p:sldId id="269" r:id="rId12"/>
+    <p:sldId id="273" r:id="rId13"/>
+    <p:sldId id="266" r:id="rId14"/>
+    <p:sldId id="271" r:id="rId15"/>
+    <p:sldId id="263" r:id="rId16"/>
+    <p:sldId id="264" r:id="rId17"/>
+    <p:sldId id="265" r:id="rId18"/>
+    <p:sldId id="268" r:id="rId19"/>
+    <p:sldId id="258" r:id="rId20"/>
   </p:sldIdLst>
   <p:sldSz cx="12192000" cy="6858000"/>
   <p:notesSz cx="6858000" cy="9144000"/>
@@ -626,108 +631,87 @@
           <a:bodyPr/>
           <a:lstStyle/>
           <a:p>
-            <a:pPr algn="l"/>
+            <a:pPr algn="l" fontAlgn="base"/>
             <a:r>
-              <a:rPr lang="en-US" b="0" dirty="0">
-                <a:solidFill>
-                  <a:srgbClr val="333333"/>
+              <a:rPr lang="en-US" b="0" i="0" dirty="0">
+                <a:solidFill>
+                  <a:srgbClr val="000000"/>
                 </a:solidFill>
                 <a:effectLst/>
-                <a:latin typeface="Lato"/>
+                <a:latin typeface="Lora"/>
               </a:rPr>
-              <a:t>2021 Poverty Projections: Assessing Four American Rescue Plan Policies- The Urban Institute</a:t>
+              <a:t>Use Bar chart- Sort by feature importance </a:t>
             </a:r>
           </a:p>
           <a:p>
-            <a:r>
-              <a:rPr lang="en-US" dirty="0">
-                <a:hlinkClick r:id="rId3"/>
-              </a:rPr>
-              <a:t>https://twitter.com/urbaninstitute/status/1369675678308794369</a:t>
-            </a:r>
-            <a:endParaRPr lang="en-US" dirty="0"/>
+            <a:pPr algn="l" fontAlgn="base"/>
+            <a:endParaRPr lang="en-US" b="0" i="0" dirty="0">
+              <a:solidFill>
+                <a:srgbClr val="000000"/>
+              </a:solidFill>
+              <a:effectLst/>
+              <a:latin typeface="Lora"/>
+            </a:endParaRPr>
           </a:p>
           <a:p>
-            <a:r>
-              <a:rPr lang="en-US" b="0" i="0">
-                <a:solidFill>
-                  <a:srgbClr val="202124"/>
-                </a:solidFill>
-                <a:effectLst/>
-                <a:latin typeface="Roboto"/>
-              </a:rPr>
-              <a:t>**2011</a:t>
-            </a:r>
+            <a:pPr algn="l" fontAlgn="base"/>
             <a:r>
               <a:rPr lang="en-US" b="0" i="0" dirty="0">
                 <a:solidFill>
-                  <a:srgbClr val="202124"/>
+                  <a:srgbClr val="000000"/>
                 </a:solidFill>
                 <a:effectLst/>
-                <a:latin typeface="Roboto"/>
+                <a:latin typeface="Lora"/>
               </a:rPr>
-              <a:t>, the U.S. Census Bureau began publishing the </a:t>
+              <a:t>Pop density note- To qualify as an urban area, the territory identified according to criteria must encompass at least 2,500 people, at least 1,500 of which reside outside institutional group quarters.  The Census Bureau identifies two types of urban areas:</a:t>
             </a:r>
-            <a:r>
-              <a:rPr lang="en-US" b="1" i="0" dirty="0">
-                <a:solidFill>
-                  <a:srgbClr val="202124"/>
-                </a:solidFill>
-                <a:effectLst/>
-                <a:latin typeface="Roboto"/>
-              </a:rPr>
-              <a:t>Supplemental Poverty Measure</a:t>
-            </a:r>
+          </a:p>
+          <a:p>
+            <a:pPr algn="l" fontAlgn="base">
+              <a:buFont typeface="Arial" panose="020B0604020202020204" pitchFamily="34" charset="0"/>
+              <a:buChar char="•"/>
+            </a:pPr>
             <a:r>
               <a:rPr lang="en-US" b="0" i="0" dirty="0">
                 <a:solidFill>
-                  <a:srgbClr val="202124"/>
+                  <a:srgbClr val="000000"/>
                 </a:solidFill>
                 <a:effectLst/>
-                <a:latin typeface="Roboto"/>
+                <a:latin typeface="Lora"/>
               </a:rPr>
-              <a:t> (SPM), which extends the official </a:t>
+              <a:t>Urbanized Areas (UAs) of 50,000 or more people;</a:t>
             </a:r>
-            <a:r>
-              <a:rPr lang="en-US" b="1" i="0" dirty="0">
-                <a:solidFill>
-                  <a:srgbClr val="202124"/>
-                </a:solidFill>
-                <a:effectLst/>
-                <a:latin typeface="Roboto"/>
-              </a:rPr>
-              <a:t>poverty measure</a:t>
-            </a:r>
+          </a:p>
+          <a:p>
+            <a:pPr algn="l" fontAlgn="base">
+              <a:buFont typeface="Arial" panose="020B0604020202020204" pitchFamily="34" charset="0"/>
+              <a:buChar char="•"/>
+            </a:pPr>
             <a:r>
               <a:rPr lang="en-US" b="0" i="0" dirty="0">
                 <a:solidFill>
-                  <a:srgbClr val="202124"/>
+                  <a:srgbClr val="000000"/>
                 </a:solidFill>
                 <a:effectLst/>
-                <a:latin typeface="Roboto"/>
+                <a:latin typeface="Lora"/>
               </a:rPr>
-              <a:t> by taking account of many of the government programs designed to assist low-income families and individuals that are not included in the official </a:t>
+              <a:t>Urban Clusters (UCs) of at least 2,500 and less than 50,000 people.</a:t>
             </a:r>
-            <a:r>
-              <a:rPr lang="en-US" b="1" i="0" dirty="0">
-                <a:solidFill>
-                  <a:srgbClr val="202124"/>
-                </a:solidFill>
-                <a:effectLst/>
-                <a:latin typeface="Roboto"/>
-              </a:rPr>
-              <a:t>poverty measure</a:t>
-            </a:r>
+          </a:p>
+          <a:p>
+            <a:pPr algn="l" fontAlgn="base"/>
             <a:r>
               <a:rPr lang="en-US" b="0" i="0" dirty="0">
                 <a:solidFill>
-                  <a:srgbClr val="202124"/>
+                  <a:srgbClr val="000000"/>
                 </a:solidFill>
                 <a:effectLst/>
-                <a:latin typeface="Roboto"/>
+                <a:latin typeface="Lora"/>
               </a:rPr>
-              <a:t>.</a:t>
+              <a:t>“Rural” encompasses all population, housing, and territory not included within an urban area.</a:t>
             </a:r>
+          </a:p>
+          <a:p>
             <a:endParaRPr lang="en-US" dirty="0"/>
           </a:p>
         </p:txBody>
@@ -758,7 +742,7 @@
     </p:spTree>
     <p:extLst>
       <p:ext uri="{BB962C8B-B14F-4D97-AF65-F5344CB8AC3E}">
-        <p14:creationId xmlns:p14="http://schemas.microsoft.com/office/powerpoint/2010/main" val="1739138236"/>
+        <p14:creationId xmlns:p14="http://schemas.microsoft.com/office/powerpoint/2010/main" val="1158951839"/>
       </p:ext>
     </p:extLst>
   </p:cSld>
@@ -812,6 +796,711 @@
           <a:bodyPr/>
           <a:lstStyle/>
           <a:p>
+            <a:pPr algn="l" fontAlgn="base"/>
+            <a:r>
+              <a:rPr lang="en-US" b="0" i="0" dirty="0">
+                <a:solidFill>
+                  <a:srgbClr val="000000"/>
+                </a:solidFill>
+                <a:effectLst/>
+                <a:latin typeface="Lora"/>
+              </a:rPr>
+              <a:t>Use Bar chart- Sort by feature importance </a:t>
+            </a:r>
+          </a:p>
+          <a:p>
+            <a:pPr algn="l" fontAlgn="base"/>
+            <a:endParaRPr lang="en-US" b="0" i="0" dirty="0">
+              <a:solidFill>
+                <a:srgbClr val="000000"/>
+              </a:solidFill>
+              <a:effectLst/>
+              <a:latin typeface="Lora"/>
+            </a:endParaRPr>
+          </a:p>
+          <a:p>
+            <a:pPr algn="l" fontAlgn="base"/>
+            <a:r>
+              <a:rPr lang="en-US" b="0" i="0" dirty="0">
+                <a:solidFill>
+                  <a:srgbClr val="000000"/>
+                </a:solidFill>
+                <a:effectLst/>
+                <a:latin typeface="Lora"/>
+              </a:rPr>
+              <a:t>Pop density note- To qualify as an urban area, the territory identified according to criteria must encompass at least 2,500 people, at least 1,500 of which reside outside institutional group quarters.  The Census Bureau identifies two types of urban areas:</a:t>
+            </a:r>
+          </a:p>
+          <a:p>
+            <a:pPr algn="l" fontAlgn="base">
+              <a:buFont typeface="Arial" panose="020B0604020202020204" pitchFamily="34" charset="0"/>
+              <a:buChar char="•"/>
+            </a:pPr>
+            <a:r>
+              <a:rPr lang="en-US" b="0" i="0" dirty="0">
+                <a:solidFill>
+                  <a:srgbClr val="000000"/>
+                </a:solidFill>
+                <a:effectLst/>
+                <a:latin typeface="Lora"/>
+              </a:rPr>
+              <a:t>Urbanized Areas (UAs) of 50,000 or more people;</a:t>
+            </a:r>
+          </a:p>
+          <a:p>
+            <a:pPr algn="l" fontAlgn="base">
+              <a:buFont typeface="Arial" panose="020B0604020202020204" pitchFamily="34" charset="0"/>
+              <a:buChar char="•"/>
+            </a:pPr>
+            <a:r>
+              <a:rPr lang="en-US" b="0" i="0" dirty="0">
+                <a:solidFill>
+                  <a:srgbClr val="000000"/>
+                </a:solidFill>
+                <a:effectLst/>
+                <a:latin typeface="Lora"/>
+              </a:rPr>
+              <a:t>Urban Clusters (UCs) of at least 2,500 and less than 50,000 people.</a:t>
+            </a:r>
+          </a:p>
+          <a:p>
+            <a:pPr algn="l" fontAlgn="base"/>
+            <a:r>
+              <a:rPr lang="en-US" b="0" i="0" dirty="0">
+                <a:solidFill>
+                  <a:srgbClr val="000000"/>
+                </a:solidFill>
+                <a:effectLst/>
+                <a:latin typeface="Lora"/>
+              </a:rPr>
+              <a:t>“Rural” encompasses all population, housing, and territory not included within an urban area.</a:t>
+            </a:r>
+          </a:p>
+          <a:p>
+            <a:endParaRPr lang="en-US" dirty="0"/>
+          </a:p>
+        </p:txBody>
+      </p:sp>
+      <p:sp>
+        <p:nvSpPr>
+          <p:cNvPr id="4" name="Slide Number Placeholder 3"/>
+          <p:cNvSpPr>
+            <a:spLocks noGrp="1"/>
+          </p:cNvSpPr>
+          <p:nvPr>
+            <p:ph type="sldNum" sz="quarter" idx="5"/>
+          </p:nvPr>
+        </p:nvSpPr>
+        <p:spPr/>
+        <p:txBody>
+          <a:bodyPr/>
+          <a:lstStyle/>
+          <a:p>
+            <a:fld id="{5B4A5A1A-5BF4-424E-B778-ED7528A4FB51}" type="slidenum">
+              <a:rPr lang="en-US" smtClean="0"/>
+              <a:t>11</a:t>
+            </a:fld>
+            <a:endParaRPr lang="en-US"/>
+          </a:p>
+        </p:txBody>
+      </p:sp>
+    </p:spTree>
+    <p:extLst>
+      <p:ext uri="{BB962C8B-B14F-4D97-AF65-F5344CB8AC3E}">
+        <p14:creationId xmlns:p14="http://schemas.microsoft.com/office/powerpoint/2010/main" val="1091008615"/>
+      </p:ext>
+    </p:extLst>
+  </p:cSld>
+  <p:clrMapOvr>
+    <a:masterClrMapping/>
+  </p:clrMapOvr>
+</p:notes>
+</file>
+
+<file path=ppt/notesSlides/notesSlide12.xml><?xml version="1.0" encoding="utf-8"?>
+<p:notes xmlns:a="http://schemas.openxmlformats.org/drawingml/2006/main" xmlns:r="http://schemas.openxmlformats.org/officeDocument/2006/relationships" xmlns:p="http://schemas.openxmlformats.org/presentationml/2006/main">
+  <p:cSld>
+    <p:spTree>
+      <p:nvGrpSpPr>
+        <p:cNvPr id="1" name=""/>
+        <p:cNvGrpSpPr/>
+        <p:nvPr/>
+      </p:nvGrpSpPr>
+      <p:grpSpPr>
+        <a:xfrm>
+          <a:off x="0" y="0"/>
+          <a:ext cx="0" cy="0"/>
+          <a:chOff x="0" y="0"/>
+          <a:chExt cx="0" cy="0"/>
+        </a:xfrm>
+      </p:grpSpPr>
+      <p:sp>
+        <p:nvSpPr>
+          <p:cNvPr id="2" name="Slide Image Placeholder 1"/>
+          <p:cNvSpPr>
+            <a:spLocks noGrp="1" noRot="1" noChangeAspect="1"/>
+          </p:cNvSpPr>
+          <p:nvPr>
+            <p:ph type="sldImg"/>
+          </p:nvPr>
+        </p:nvSpPr>
+        <p:spPr/>
+      </p:sp>
+      <p:sp>
+        <p:nvSpPr>
+          <p:cNvPr id="3" name="Notes Placeholder 2"/>
+          <p:cNvSpPr>
+            <a:spLocks noGrp="1"/>
+          </p:cNvSpPr>
+          <p:nvPr>
+            <p:ph type="body" idx="1"/>
+          </p:nvPr>
+        </p:nvSpPr>
+        <p:spPr/>
+        <p:txBody>
+          <a:bodyPr/>
+          <a:lstStyle/>
+          <a:p>
+            <a:r>
+              <a:rPr lang="en-US" dirty="0">
+                <a:hlinkClick r:id="rId3"/>
+              </a:rPr>
+              <a:t>https://www.pewresearch.org/social-trends/2020/01/09/most-americans-say-there-is-too-much-economic-inequality-in-the-u-s-but-fewer-than-half-call-it-a-top-priority/</a:t>
+            </a:r>
+            <a:r>
+              <a:rPr lang="en-US" dirty="0"/>
+              <a:t> Pew Research Jan 2020</a:t>
+            </a:r>
+          </a:p>
+        </p:txBody>
+      </p:sp>
+      <p:sp>
+        <p:nvSpPr>
+          <p:cNvPr id="4" name="Slide Number Placeholder 3"/>
+          <p:cNvSpPr>
+            <a:spLocks noGrp="1"/>
+          </p:cNvSpPr>
+          <p:nvPr>
+            <p:ph type="sldNum" sz="quarter" idx="5"/>
+          </p:nvPr>
+        </p:nvSpPr>
+        <p:spPr/>
+        <p:txBody>
+          <a:bodyPr/>
+          <a:lstStyle/>
+          <a:p>
+            <a:fld id="{5B4A5A1A-5BF4-424E-B778-ED7528A4FB51}" type="slidenum">
+              <a:rPr lang="en-US" smtClean="0"/>
+              <a:t>12</a:t>
+            </a:fld>
+            <a:endParaRPr lang="en-US"/>
+          </a:p>
+        </p:txBody>
+      </p:sp>
+    </p:spTree>
+    <p:extLst>
+      <p:ext uri="{BB962C8B-B14F-4D97-AF65-F5344CB8AC3E}">
+        <p14:creationId xmlns:p14="http://schemas.microsoft.com/office/powerpoint/2010/main" val="1553245077"/>
+      </p:ext>
+    </p:extLst>
+  </p:cSld>
+  <p:clrMapOvr>
+    <a:masterClrMapping/>
+  </p:clrMapOvr>
+</p:notes>
+</file>
+
+<file path=ppt/notesSlides/notesSlide13.xml><?xml version="1.0" encoding="utf-8"?>
+<p:notes xmlns:a="http://schemas.openxmlformats.org/drawingml/2006/main" xmlns:r="http://schemas.openxmlformats.org/officeDocument/2006/relationships" xmlns:p="http://schemas.openxmlformats.org/presentationml/2006/main">
+  <p:cSld>
+    <p:spTree>
+      <p:nvGrpSpPr>
+        <p:cNvPr id="1" name=""/>
+        <p:cNvGrpSpPr/>
+        <p:nvPr/>
+      </p:nvGrpSpPr>
+      <p:grpSpPr>
+        <a:xfrm>
+          <a:off x="0" y="0"/>
+          <a:ext cx="0" cy="0"/>
+          <a:chOff x="0" y="0"/>
+          <a:chExt cx="0" cy="0"/>
+        </a:xfrm>
+      </p:grpSpPr>
+      <p:sp>
+        <p:nvSpPr>
+          <p:cNvPr id="2" name="Slide Image Placeholder 1"/>
+          <p:cNvSpPr>
+            <a:spLocks noGrp="1" noRot="1" noChangeAspect="1"/>
+          </p:cNvSpPr>
+          <p:nvPr>
+            <p:ph type="sldImg"/>
+          </p:nvPr>
+        </p:nvSpPr>
+        <p:spPr/>
+      </p:sp>
+      <p:sp>
+        <p:nvSpPr>
+          <p:cNvPr id="3" name="Notes Placeholder 2"/>
+          <p:cNvSpPr>
+            <a:spLocks noGrp="1"/>
+          </p:cNvSpPr>
+          <p:nvPr>
+            <p:ph type="body" idx="1"/>
+          </p:nvPr>
+        </p:nvSpPr>
+        <p:spPr/>
+        <p:txBody>
+          <a:bodyPr/>
+          <a:lstStyle/>
+          <a:p>
+            <a:r>
+              <a:rPr lang="en-US" dirty="0">
+                <a:hlinkClick r:id="rId3"/>
+              </a:rPr>
+              <a:t>https://www.nytimes.com/2018/02/15/opinion/democracy-inequality-thomas-piketty.html</a:t>
+            </a:r>
+            <a:r>
+              <a:rPr lang="en-US" dirty="0"/>
+              <a:t>-</a:t>
+            </a:r>
+          </a:p>
+          <a:p>
+            <a:r>
+              <a:rPr lang="en-US" sz="1200" b="0" i="0" u="none" strike="noStrike" kern="1200" baseline="0" dirty="0">
+                <a:solidFill>
+                  <a:schemeClr val="tx1"/>
+                </a:solidFill>
+                <a:latin typeface="+mn-lt"/>
+                <a:ea typeface="+mn-ea"/>
+                <a:cs typeface="+mn-cs"/>
+              </a:rPr>
+              <a:t>https://www.researchgate.net/publication/262101269 Why Hasn't Democracy Slowed Rising Inequality?</a:t>
+            </a:r>
+          </a:p>
+          <a:p>
+            <a:r>
+              <a:rPr lang="en-US" sz="1200" b="0" i="0" u="none" strike="noStrike" kern="1200" baseline="0" dirty="0">
+                <a:solidFill>
+                  <a:schemeClr val="tx1"/>
+                </a:solidFill>
+                <a:latin typeface="+mn-lt"/>
+                <a:ea typeface="+mn-ea"/>
+                <a:cs typeface="+mn-cs"/>
+              </a:rPr>
+              <a:t>Article </a:t>
+            </a:r>
+            <a:r>
+              <a:rPr lang="en-US" sz="1200" b="0" i="1" u="none" strike="noStrike" kern="1200" baseline="0" dirty="0">
+                <a:solidFill>
+                  <a:schemeClr val="tx1"/>
+                </a:solidFill>
+                <a:latin typeface="+mn-lt"/>
+                <a:ea typeface="+mn-ea"/>
+                <a:cs typeface="+mn-cs"/>
+              </a:rPr>
+              <a:t>in </a:t>
+            </a:r>
+            <a:r>
+              <a:rPr lang="en-US" sz="1200" b="0" i="0" u="none" strike="noStrike" kern="1200" baseline="0" dirty="0">
+                <a:solidFill>
+                  <a:schemeClr val="tx1"/>
+                </a:solidFill>
+                <a:latin typeface="+mn-lt"/>
+                <a:ea typeface="+mn-ea"/>
+                <a:cs typeface="+mn-cs"/>
+              </a:rPr>
+              <a:t>Journal of Economic Perspectives · August 2013</a:t>
+            </a:r>
+            <a:endParaRPr lang="en-US" dirty="0"/>
+          </a:p>
+        </p:txBody>
+      </p:sp>
+      <p:sp>
+        <p:nvSpPr>
+          <p:cNvPr id="4" name="Slide Number Placeholder 3"/>
+          <p:cNvSpPr>
+            <a:spLocks noGrp="1"/>
+          </p:cNvSpPr>
+          <p:nvPr>
+            <p:ph type="sldNum" sz="quarter" idx="5"/>
+          </p:nvPr>
+        </p:nvSpPr>
+        <p:spPr/>
+        <p:txBody>
+          <a:bodyPr/>
+          <a:lstStyle/>
+          <a:p>
+            <a:fld id="{5B4A5A1A-5BF4-424E-B778-ED7528A4FB51}" type="slidenum">
+              <a:rPr lang="en-US" smtClean="0"/>
+              <a:t>13</a:t>
+            </a:fld>
+            <a:endParaRPr lang="en-US"/>
+          </a:p>
+        </p:txBody>
+      </p:sp>
+    </p:spTree>
+    <p:extLst>
+      <p:ext uri="{BB962C8B-B14F-4D97-AF65-F5344CB8AC3E}">
+        <p14:creationId xmlns:p14="http://schemas.microsoft.com/office/powerpoint/2010/main" val="2946816856"/>
+      </p:ext>
+    </p:extLst>
+  </p:cSld>
+  <p:clrMapOvr>
+    <a:masterClrMapping/>
+  </p:clrMapOvr>
+</p:notes>
+</file>
+
+<file path=ppt/notesSlides/notesSlide14.xml><?xml version="1.0" encoding="utf-8"?>
+<p:notes xmlns:a="http://schemas.openxmlformats.org/drawingml/2006/main" xmlns:r="http://schemas.openxmlformats.org/officeDocument/2006/relationships" xmlns:p="http://schemas.openxmlformats.org/presentationml/2006/main">
+  <p:cSld>
+    <p:spTree>
+      <p:nvGrpSpPr>
+        <p:cNvPr id="1" name=""/>
+        <p:cNvGrpSpPr/>
+        <p:nvPr/>
+      </p:nvGrpSpPr>
+      <p:grpSpPr>
+        <a:xfrm>
+          <a:off x="0" y="0"/>
+          <a:ext cx="0" cy="0"/>
+          <a:chOff x="0" y="0"/>
+          <a:chExt cx="0" cy="0"/>
+        </a:xfrm>
+      </p:grpSpPr>
+      <p:sp>
+        <p:nvSpPr>
+          <p:cNvPr id="2" name="Slide Image Placeholder 1"/>
+          <p:cNvSpPr>
+            <a:spLocks noGrp="1" noRot="1" noChangeAspect="1"/>
+          </p:cNvSpPr>
+          <p:nvPr>
+            <p:ph type="sldImg"/>
+          </p:nvPr>
+        </p:nvSpPr>
+        <p:spPr/>
+      </p:sp>
+      <p:sp>
+        <p:nvSpPr>
+          <p:cNvPr id="3" name="Notes Placeholder 2"/>
+          <p:cNvSpPr>
+            <a:spLocks noGrp="1"/>
+          </p:cNvSpPr>
+          <p:nvPr>
+            <p:ph type="body" idx="1"/>
+          </p:nvPr>
+        </p:nvSpPr>
+        <p:spPr/>
+        <p:txBody>
+          <a:bodyPr/>
+          <a:lstStyle/>
+          <a:p>
+            <a:pPr marL="0" marR="0" lvl="0" indent="0" algn="l" defTabSz="914400" rtl="0" eaLnBrk="1" fontAlgn="auto" latinLnBrk="0" hangingPunct="1">
+              <a:lnSpc>
+                <a:spcPct val="100000"/>
+              </a:lnSpc>
+              <a:spcBef>
+                <a:spcPts val="0"/>
+              </a:spcBef>
+              <a:spcAft>
+                <a:spcPts val="0"/>
+              </a:spcAft>
+              <a:buClrTx/>
+              <a:buSzTx/>
+              <a:buFontTx/>
+              <a:buNone/>
+              <a:tabLst/>
+              <a:defRPr/>
+            </a:pPr>
+            <a:r>
+              <a:rPr lang="en-US" b="1" i="0" dirty="0">
+                <a:solidFill>
+                  <a:srgbClr val="0B0B0B"/>
+                </a:solidFill>
+                <a:effectLst/>
+                <a:latin typeface="Roboto Condensed"/>
+              </a:rPr>
+              <a:t>Fundamentally Flawed 2017 Tax Law Largely Leaves Low- and Moderate-Income Americans Behind</a:t>
+            </a:r>
+          </a:p>
+          <a:p>
+            <a:r>
+              <a:rPr lang="en-US" dirty="0">
+                <a:hlinkClick r:id="rId3"/>
+              </a:rPr>
+              <a:t>https://www.cbpp.org/research/federal-tax/fundamentally-flawed-2017-tax-law-largely-leaves-low-and-moderate-income</a:t>
+            </a:r>
+            <a:endParaRPr lang="en-US" dirty="0"/>
+          </a:p>
+        </p:txBody>
+      </p:sp>
+      <p:sp>
+        <p:nvSpPr>
+          <p:cNvPr id="4" name="Slide Number Placeholder 3"/>
+          <p:cNvSpPr>
+            <a:spLocks noGrp="1"/>
+          </p:cNvSpPr>
+          <p:nvPr>
+            <p:ph type="sldNum" sz="quarter" idx="5"/>
+          </p:nvPr>
+        </p:nvSpPr>
+        <p:spPr/>
+        <p:txBody>
+          <a:bodyPr/>
+          <a:lstStyle/>
+          <a:p>
+            <a:fld id="{5B4A5A1A-5BF4-424E-B778-ED7528A4FB51}" type="slidenum">
+              <a:rPr lang="en-US" smtClean="0"/>
+              <a:t>14</a:t>
+            </a:fld>
+            <a:endParaRPr lang="en-US"/>
+          </a:p>
+        </p:txBody>
+      </p:sp>
+    </p:spTree>
+    <p:extLst>
+      <p:ext uri="{BB962C8B-B14F-4D97-AF65-F5344CB8AC3E}">
+        <p14:creationId xmlns:p14="http://schemas.microsoft.com/office/powerpoint/2010/main" val="1187679041"/>
+      </p:ext>
+    </p:extLst>
+  </p:cSld>
+  <p:clrMapOvr>
+    <a:masterClrMapping/>
+  </p:clrMapOvr>
+</p:notes>
+</file>
+
+<file path=ppt/notesSlides/notesSlide15.xml><?xml version="1.0" encoding="utf-8"?>
+<p:notes xmlns:a="http://schemas.openxmlformats.org/drawingml/2006/main" xmlns:r="http://schemas.openxmlformats.org/officeDocument/2006/relationships" xmlns:p="http://schemas.openxmlformats.org/presentationml/2006/main">
+  <p:cSld>
+    <p:spTree>
+      <p:nvGrpSpPr>
+        <p:cNvPr id="1" name=""/>
+        <p:cNvGrpSpPr/>
+        <p:nvPr/>
+      </p:nvGrpSpPr>
+      <p:grpSpPr>
+        <a:xfrm>
+          <a:off x="0" y="0"/>
+          <a:ext cx="0" cy="0"/>
+          <a:chOff x="0" y="0"/>
+          <a:chExt cx="0" cy="0"/>
+        </a:xfrm>
+      </p:grpSpPr>
+      <p:sp>
+        <p:nvSpPr>
+          <p:cNvPr id="2" name="Slide Image Placeholder 1"/>
+          <p:cNvSpPr>
+            <a:spLocks noGrp="1" noRot="1" noChangeAspect="1"/>
+          </p:cNvSpPr>
+          <p:nvPr>
+            <p:ph type="sldImg"/>
+          </p:nvPr>
+        </p:nvSpPr>
+        <p:spPr/>
+      </p:sp>
+      <p:sp>
+        <p:nvSpPr>
+          <p:cNvPr id="3" name="Notes Placeholder 2"/>
+          <p:cNvSpPr>
+            <a:spLocks noGrp="1"/>
+          </p:cNvSpPr>
+          <p:nvPr>
+            <p:ph type="body" idx="1"/>
+          </p:nvPr>
+        </p:nvSpPr>
+        <p:spPr/>
+        <p:txBody>
+          <a:bodyPr/>
+          <a:lstStyle/>
+          <a:p>
+            <a:pPr algn="l"/>
+            <a:r>
+              <a:rPr lang="en-US" b="0" dirty="0">
+                <a:solidFill>
+                  <a:srgbClr val="333333"/>
+                </a:solidFill>
+                <a:effectLst/>
+                <a:latin typeface="Lato"/>
+              </a:rPr>
+              <a:t>2021 Poverty Projections: Assessing Four American Rescue Plan Policies- The Urban Institute</a:t>
+            </a:r>
+          </a:p>
+          <a:p>
+            <a:r>
+              <a:rPr lang="en-US" dirty="0">
+                <a:hlinkClick r:id="rId3"/>
+              </a:rPr>
+              <a:t>https://twitter.com/urbaninstitute/status/1369675678308794369</a:t>
+            </a:r>
+            <a:endParaRPr lang="en-US" dirty="0"/>
+          </a:p>
+          <a:p>
+            <a:r>
+              <a:rPr lang="en-US" b="0" i="0">
+                <a:solidFill>
+                  <a:srgbClr val="202124"/>
+                </a:solidFill>
+                <a:effectLst/>
+                <a:latin typeface="Roboto"/>
+              </a:rPr>
+              <a:t>**2011</a:t>
+            </a:r>
+            <a:r>
+              <a:rPr lang="en-US" b="0" i="0" dirty="0">
+                <a:solidFill>
+                  <a:srgbClr val="202124"/>
+                </a:solidFill>
+                <a:effectLst/>
+                <a:latin typeface="Roboto"/>
+              </a:rPr>
+              <a:t>, the U.S. Census Bureau began publishing the </a:t>
+            </a:r>
+            <a:r>
+              <a:rPr lang="en-US" b="1" i="0" dirty="0">
+                <a:solidFill>
+                  <a:srgbClr val="202124"/>
+                </a:solidFill>
+                <a:effectLst/>
+                <a:latin typeface="Roboto"/>
+              </a:rPr>
+              <a:t>Supplemental Poverty Measure</a:t>
+            </a:r>
+            <a:r>
+              <a:rPr lang="en-US" b="0" i="0" dirty="0">
+                <a:solidFill>
+                  <a:srgbClr val="202124"/>
+                </a:solidFill>
+                <a:effectLst/>
+                <a:latin typeface="Roboto"/>
+              </a:rPr>
+              <a:t> (SPM), which extends the official </a:t>
+            </a:r>
+            <a:r>
+              <a:rPr lang="en-US" b="1" i="0" dirty="0">
+                <a:solidFill>
+                  <a:srgbClr val="202124"/>
+                </a:solidFill>
+                <a:effectLst/>
+                <a:latin typeface="Roboto"/>
+              </a:rPr>
+              <a:t>poverty measure</a:t>
+            </a:r>
+            <a:r>
+              <a:rPr lang="en-US" b="0" i="0" dirty="0">
+                <a:solidFill>
+                  <a:srgbClr val="202124"/>
+                </a:solidFill>
+                <a:effectLst/>
+                <a:latin typeface="Roboto"/>
+              </a:rPr>
+              <a:t> by taking account of many of the government programs designed to assist low-income families and individuals that are not included in the official </a:t>
+            </a:r>
+            <a:r>
+              <a:rPr lang="en-US" b="1" i="0" dirty="0">
+                <a:solidFill>
+                  <a:srgbClr val="202124"/>
+                </a:solidFill>
+                <a:effectLst/>
+                <a:latin typeface="Roboto"/>
+              </a:rPr>
+              <a:t>poverty measure</a:t>
+            </a:r>
+            <a:r>
+              <a:rPr lang="en-US" b="0" i="0" dirty="0">
+                <a:solidFill>
+                  <a:srgbClr val="202124"/>
+                </a:solidFill>
+                <a:effectLst/>
+                <a:latin typeface="Roboto"/>
+              </a:rPr>
+              <a:t>.</a:t>
+            </a:r>
+            <a:endParaRPr lang="en-US" dirty="0"/>
+          </a:p>
+        </p:txBody>
+      </p:sp>
+      <p:sp>
+        <p:nvSpPr>
+          <p:cNvPr id="4" name="Slide Number Placeholder 3"/>
+          <p:cNvSpPr>
+            <a:spLocks noGrp="1"/>
+          </p:cNvSpPr>
+          <p:nvPr>
+            <p:ph type="sldNum" sz="quarter" idx="5"/>
+          </p:nvPr>
+        </p:nvSpPr>
+        <p:spPr/>
+        <p:txBody>
+          <a:bodyPr/>
+          <a:lstStyle/>
+          <a:p>
+            <a:fld id="{5B4A5A1A-5BF4-424E-B778-ED7528A4FB51}" type="slidenum">
+              <a:rPr lang="en-US" smtClean="0"/>
+              <a:t>15</a:t>
+            </a:fld>
+            <a:endParaRPr lang="en-US"/>
+          </a:p>
+        </p:txBody>
+      </p:sp>
+    </p:spTree>
+    <p:extLst>
+      <p:ext uri="{BB962C8B-B14F-4D97-AF65-F5344CB8AC3E}">
+        <p14:creationId xmlns:p14="http://schemas.microsoft.com/office/powerpoint/2010/main" val="1739138236"/>
+      </p:ext>
+    </p:extLst>
+  </p:cSld>
+  <p:clrMapOvr>
+    <a:masterClrMapping/>
+  </p:clrMapOvr>
+</p:notes>
+</file>
+
+<file path=ppt/notesSlides/notesSlide16.xml><?xml version="1.0" encoding="utf-8"?>
+<p:notes xmlns:a="http://schemas.openxmlformats.org/drawingml/2006/main" xmlns:r="http://schemas.openxmlformats.org/officeDocument/2006/relationships" xmlns:p="http://schemas.openxmlformats.org/presentationml/2006/main">
+  <p:cSld>
+    <p:spTree>
+      <p:nvGrpSpPr>
+        <p:cNvPr id="1" name=""/>
+        <p:cNvGrpSpPr/>
+        <p:nvPr/>
+      </p:nvGrpSpPr>
+      <p:grpSpPr>
+        <a:xfrm>
+          <a:off x="0" y="0"/>
+          <a:ext cx="0" cy="0"/>
+          <a:chOff x="0" y="0"/>
+          <a:chExt cx="0" cy="0"/>
+        </a:xfrm>
+      </p:grpSpPr>
+      <p:sp>
+        <p:nvSpPr>
+          <p:cNvPr id="2" name="Slide Image Placeholder 1"/>
+          <p:cNvSpPr>
+            <a:spLocks noGrp="1" noRot="1" noChangeAspect="1"/>
+          </p:cNvSpPr>
+          <p:nvPr>
+            <p:ph type="sldImg"/>
+          </p:nvPr>
+        </p:nvSpPr>
+        <p:spPr/>
+      </p:sp>
+      <p:sp>
+        <p:nvSpPr>
+          <p:cNvPr id="3" name="Notes Placeholder 2"/>
+          <p:cNvSpPr>
+            <a:spLocks noGrp="1"/>
+          </p:cNvSpPr>
+          <p:nvPr>
+            <p:ph type="body" idx="1"/>
+          </p:nvPr>
+        </p:nvSpPr>
+        <p:spPr/>
+        <p:txBody>
+          <a:bodyPr/>
+          <a:lstStyle/>
+          <a:p>
             <a:r>
               <a:rPr lang="en-US" sz="1200" b="0" i="0" kern="1200" dirty="0">
                 <a:solidFill>
@@ -845,7 +1534,7 @@
           <a:p>
             <a:fld id="{5B4A5A1A-5BF4-424E-B778-ED7528A4FB51}" type="slidenum">
               <a:rPr lang="en-US" smtClean="0"/>
-              <a:t>11</a:t>
+              <a:t>16</a:t>
             </a:fld>
             <a:endParaRPr lang="en-US"/>
           </a:p>
@@ -1423,7 +2112,7 @@
     </p:spTree>
     <p:extLst>
       <p:ext uri="{BB962C8B-B14F-4D97-AF65-F5344CB8AC3E}">
-        <p14:creationId xmlns:p14="http://schemas.microsoft.com/office/powerpoint/2010/main" val="1158951839"/>
+        <p14:creationId xmlns:p14="http://schemas.microsoft.com/office/powerpoint/2010/main" val="514857499"/>
       </p:ext>
     </p:extLst>
   </p:cSld>
@@ -1477,16 +2166,65 @@
           <a:bodyPr/>
           <a:lstStyle/>
           <a:p>
+            <a:pPr algn="l" fontAlgn="base"/>
             <a:r>
-              <a:rPr lang="en-US" dirty="0">
-                <a:hlinkClick r:id="rId3"/>
+              <a:rPr lang="en-US" b="0" i="0" dirty="0">
+                <a:solidFill>
+                  <a:srgbClr val="000000"/>
+                </a:solidFill>
+                <a:effectLst/>
+                <a:latin typeface="Lora"/>
               </a:rPr>
-              <a:t>https://www.pewresearch.org/social-trends/2020/01/09/most-americans-say-there-is-too-much-economic-inequality-in-the-u-s-but-fewer-than-half-call-it-a-top-priority/</a:t>
+              <a:t> Pop density note- To qualify as an urban area, the territory identified according to criteria must encompass at least 2,500 people, at least 1,500 of which reside outside institutional group quarters.  The Census Bureau identifies two types of urban areas:</a:t>
             </a:r>
+          </a:p>
+          <a:p>
+            <a:pPr algn="l" fontAlgn="base">
+              <a:buFont typeface="Arial" panose="020B0604020202020204" pitchFamily="34" charset="0"/>
+              <a:buChar char="•"/>
+            </a:pPr>
             <a:r>
-              <a:rPr lang="en-US" dirty="0"/>
-              <a:t> Pew Research Jan 2020</a:t>
+              <a:rPr lang="en-US" b="0" i="0" dirty="0">
+                <a:solidFill>
+                  <a:srgbClr val="000000"/>
+                </a:solidFill>
+                <a:effectLst/>
+                <a:latin typeface="Lora"/>
+              </a:rPr>
+              <a:t>Urbanized Areas (UAs) of 50,000 or more people;</a:t>
             </a:r>
+          </a:p>
+          <a:p>
+            <a:pPr algn="l" fontAlgn="base">
+              <a:buFont typeface="Arial" panose="020B0604020202020204" pitchFamily="34" charset="0"/>
+              <a:buChar char="•"/>
+            </a:pPr>
+            <a:r>
+              <a:rPr lang="en-US" b="0" i="0" dirty="0">
+                <a:solidFill>
+                  <a:srgbClr val="000000"/>
+                </a:solidFill>
+                <a:effectLst/>
+                <a:latin typeface="Lora"/>
+              </a:rPr>
+              <a:t>Urban Clusters (UCs) of at least 2,500 and less than 50,000 people.</a:t>
+            </a:r>
+          </a:p>
+          <a:p>
+            <a:pPr algn="l" fontAlgn="base"/>
+            <a:r>
+              <a:rPr lang="en-US" b="0" i="0" dirty="0">
+                <a:solidFill>
+                  <a:srgbClr val="000000"/>
+                </a:solidFill>
+                <a:effectLst/>
+                <a:latin typeface="Lora"/>
+              </a:rPr>
+              <a:t>“Rural” encompasses all population, housing, and territory not included within an urban area.</a:t>
+            </a:r>
+          </a:p>
+          <a:p>
+            <a:endParaRPr lang="en-US" dirty="0"/>
           </a:p>
         </p:txBody>
       </p:sp>
@@ -1516,7 +2254,7 @@
     </p:spTree>
     <p:extLst>
       <p:ext uri="{BB962C8B-B14F-4D97-AF65-F5344CB8AC3E}">
-        <p14:creationId xmlns:p14="http://schemas.microsoft.com/office/powerpoint/2010/main" val="1553245077"/>
+        <p14:creationId xmlns:p14="http://schemas.microsoft.com/office/powerpoint/2010/main" val="2937278212"/>
       </p:ext>
     </p:extLst>
   </p:cSld>
@@ -1570,64 +2308,64 @@
           <a:bodyPr/>
           <a:lstStyle/>
           <a:p>
+            <a:pPr algn="l" fontAlgn="base"/>
             <a:r>
-              <a:rPr lang="en-US" dirty="0">
-                <a:hlinkClick r:id="rId3"/>
+              <a:rPr lang="en-US" b="0" i="0" dirty="0">
+                <a:solidFill>
+                  <a:srgbClr val="000000"/>
+                </a:solidFill>
+                <a:effectLst/>
+                <a:latin typeface="Lora"/>
               </a:rPr>
-              <a:t>https://www.nytimes.com/2018/02/15/opinion/democracy-inequality-thomas-piketty.html</a:t>
-            </a:r>
-            <a:r>
-              <a:rPr lang="en-US" dirty="0"/>
-              <a:t>-</a:t>
+              <a:t> Pop density note- To qualify as an urban area, the territory identified according to criteria must encompass at least 2,500 people, at least 1,500 of which reside outside institutional group quarters.  The Census Bureau identifies two types of urban areas:</a:t>
             </a:r>
           </a:p>
           <a:p>
+            <a:pPr algn="l" fontAlgn="base">
+              <a:buFont typeface="Arial" panose="020B0604020202020204" pitchFamily="34" charset="0"/>
+              <a:buChar char="•"/>
+            </a:pPr>
             <a:r>
-              <a:rPr lang="en-US" sz="1200" b="0" i="0" u="none" strike="noStrike" kern="1200" baseline="0" dirty="0">
-                <a:solidFill>
-                  <a:schemeClr val="tx1"/>
-                </a:solidFill>
-                <a:latin typeface="+mn-lt"/>
-                <a:ea typeface="+mn-ea"/>
-                <a:cs typeface="+mn-cs"/>
+              <a:rPr lang="en-US" b="0" i="0" dirty="0">
+                <a:solidFill>
+                  <a:srgbClr val="000000"/>
+                </a:solidFill>
+                <a:effectLst/>
+                <a:latin typeface="Lora"/>
               </a:rPr>
-              <a:t>https://www.researchgate.net/publication/262101269 Why Hasn't Democracy Slowed Rising Inequality?</a:t>
+              <a:t>Urbanized Areas (UAs) of 50,000 or more people;</a:t>
             </a:r>
           </a:p>
           <a:p>
+            <a:pPr algn="l" fontAlgn="base">
+              <a:buFont typeface="Arial" panose="020B0604020202020204" pitchFamily="34" charset="0"/>
+              <a:buChar char="•"/>
+            </a:pPr>
             <a:r>
-              <a:rPr lang="en-US" sz="1200" b="0" i="0" u="none" strike="noStrike" kern="1200" baseline="0" dirty="0">
-                <a:solidFill>
-                  <a:schemeClr val="tx1"/>
-                </a:solidFill>
-                <a:latin typeface="+mn-lt"/>
-                <a:ea typeface="+mn-ea"/>
-                <a:cs typeface="+mn-cs"/>
+              <a:rPr lang="en-US" b="0" i="0" dirty="0">
+                <a:solidFill>
+                  <a:srgbClr val="000000"/>
+                </a:solidFill>
+                <a:effectLst/>
+                <a:latin typeface="Lora"/>
               </a:rPr>
-              <a:t>Article </a:t>
+              <a:t>Urban Clusters (UCs) of at least 2,500 and less than 50,000 people.</a:t>
             </a:r>
+          </a:p>
+          <a:p>
+            <a:pPr algn="l" fontAlgn="base"/>
             <a:r>
-              <a:rPr lang="en-US" sz="1200" b="0" i="1" u="none" strike="noStrike" kern="1200" baseline="0" dirty="0">
-                <a:solidFill>
-                  <a:schemeClr val="tx1"/>
-                </a:solidFill>
-                <a:latin typeface="+mn-lt"/>
-                <a:ea typeface="+mn-ea"/>
-                <a:cs typeface="+mn-cs"/>
+              <a:rPr lang="en-US" b="0" i="0" dirty="0">
+                <a:solidFill>
+                  <a:srgbClr val="000000"/>
+                </a:solidFill>
+                <a:effectLst/>
+                <a:latin typeface="Lora"/>
               </a:rPr>
-              <a:t>in </a:t>
+              <a:t>“Rural” encompasses all population, housing, and territory not included within an urban area.</a:t>
             </a:r>
-            <a:r>
-              <a:rPr lang="en-US" sz="1200" b="0" i="0" u="none" strike="noStrike" kern="1200" baseline="0" dirty="0">
-                <a:solidFill>
-                  <a:schemeClr val="tx1"/>
-                </a:solidFill>
-                <a:latin typeface="+mn-lt"/>
-                <a:ea typeface="+mn-ea"/>
-                <a:cs typeface="+mn-cs"/>
-              </a:rPr>
-              <a:t>Journal of Economic Perspectives · August 2013</a:t>
-            </a:r>
+          </a:p>
+          <a:p>
             <a:endParaRPr lang="en-US" dirty="0"/>
           </a:p>
         </p:txBody>
@@ -1658,7 +2396,7 @@
     </p:spTree>
     <p:extLst>
       <p:ext uri="{BB962C8B-B14F-4D97-AF65-F5344CB8AC3E}">
-        <p14:creationId xmlns:p14="http://schemas.microsoft.com/office/powerpoint/2010/main" val="2946816856"/>
+        <p14:creationId xmlns:p14="http://schemas.microsoft.com/office/powerpoint/2010/main" val="706186111"/>
       </p:ext>
     </p:extLst>
   </p:cSld>
@@ -1712,41 +2450,64 @@
           <a:bodyPr/>
           <a:lstStyle/>
           <a:p>
-            <a:pPr marL="0" marR="0" lvl="0" indent="0" algn="l" defTabSz="914400" rtl="0" eaLnBrk="1" fontAlgn="auto" latinLnBrk="0" hangingPunct="1">
-              <a:lnSpc>
-                <a:spcPct val="100000"/>
-              </a:lnSpc>
-              <a:spcBef>
-                <a:spcPts val="0"/>
-              </a:spcBef>
-              <a:spcAft>
-                <a:spcPts val="0"/>
-              </a:spcAft>
-              <a:buClrTx/>
-              <a:buSzTx/>
-              <a:buFontTx/>
-              <a:buNone/>
-              <a:tabLst/>
-              <a:defRPr/>
-            </a:pPr>
+            <a:pPr algn="l" fontAlgn="base"/>
             <a:r>
-              <a:rPr lang="en-US" b="1" i="0" dirty="0">
-                <a:solidFill>
-                  <a:srgbClr val="0B0B0B"/>
+              <a:rPr lang="en-US" b="0" i="0" dirty="0">
+                <a:solidFill>
+                  <a:srgbClr val="000000"/>
                 </a:solidFill>
                 <a:effectLst/>
-                <a:latin typeface="Roboto Condensed"/>
+                <a:latin typeface="Lora"/>
               </a:rPr>
-              <a:t>Fundamentally Flawed 2017 Tax Law Largely Leaves Low- and Moderate-Income Americans Behind</a:t>
+              <a:t> Pop density note- To qualify as an urban area, the territory identified according to criteria must encompass at least 2,500 people, at least 1,500 of which reside outside institutional group quarters.  The Census Bureau identifies two types of urban areas:</a:t>
             </a:r>
           </a:p>
           <a:p>
+            <a:pPr algn="l" fontAlgn="base">
+              <a:buFont typeface="Arial" panose="020B0604020202020204" pitchFamily="34" charset="0"/>
+              <a:buChar char="•"/>
+            </a:pPr>
             <a:r>
-              <a:rPr lang="en-US" dirty="0">
-                <a:hlinkClick r:id="rId3"/>
+              <a:rPr lang="en-US" b="0" i="0" dirty="0">
+                <a:solidFill>
+                  <a:srgbClr val="000000"/>
+                </a:solidFill>
+                <a:effectLst/>
+                <a:latin typeface="Lora"/>
               </a:rPr>
-              <a:t>https://www.cbpp.org/research/federal-tax/fundamentally-flawed-2017-tax-law-largely-leaves-low-and-moderate-income</a:t>
+              <a:t>Urbanized Areas (UAs) of 50,000 or more people;</a:t>
             </a:r>
+          </a:p>
+          <a:p>
+            <a:pPr algn="l" fontAlgn="base">
+              <a:buFont typeface="Arial" panose="020B0604020202020204" pitchFamily="34" charset="0"/>
+              <a:buChar char="•"/>
+            </a:pPr>
+            <a:r>
+              <a:rPr lang="en-US" b="0" i="0" dirty="0">
+                <a:solidFill>
+                  <a:srgbClr val="000000"/>
+                </a:solidFill>
+                <a:effectLst/>
+                <a:latin typeface="Lora"/>
+              </a:rPr>
+              <a:t>Urban Clusters (UCs) of at least 2,500 and less than 50,000 people.</a:t>
+            </a:r>
+          </a:p>
+          <a:p>
+            <a:pPr algn="l" fontAlgn="base"/>
+            <a:r>
+              <a:rPr lang="en-US" b="0" i="0" dirty="0">
+                <a:solidFill>
+                  <a:srgbClr val="000000"/>
+                </a:solidFill>
+                <a:effectLst/>
+                <a:latin typeface="Lora"/>
+              </a:rPr>
+              <a:t>“Rural” encompasses all population, housing, and territory not included within an urban area.</a:t>
+            </a:r>
+          </a:p>
+          <a:p>
             <a:endParaRPr lang="en-US" dirty="0"/>
           </a:p>
         </p:txBody>
@@ -1777,7 +2538,7 @@
     </p:spTree>
     <p:extLst>
       <p:ext uri="{BB962C8B-B14F-4D97-AF65-F5344CB8AC3E}">
-        <p14:creationId xmlns:p14="http://schemas.microsoft.com/office/powerpoint/2010/main" val="1187679041"/>
+        <p14:creationId xmlns:p14="http://schemas.microsoft.com/office/powerpoint/2010/main" val="333600330"/>
       </p:ext>
     </p:extLst>
   </p:cSld>
@@ -5974,6 +6735,1300 @@
           <p:cNvPr id="2" name="Title 1">
             <a:extLst>
               <a:ext uri="{FF2B5EF4-FFF2-40B4-BE49-F238E27FC236}">
+                <a16:creationId xmlns:a16="http://schemas.microsoft.com/office/drawing/2014/main" id="{649037D2-1D18-44AE-8962-11A86DC2D019}"/>
+              </a:ext>
+            </a:extLst>
+          </p:cNvPr>
+          <p:cNvSpPr>
+            <a:spLocks noGrp="1"/>
+          </p:cNvSpPr>
+          <p:nvPr>
+            <p:ph type="title"/>
+          </p:nvPr>
+        </p:nvSpPr>
+        <p:spPr>
+          <a:xfrm>
+            <a:off x="1066800" y="642594"/>
+            <a:ext cx="10058400" cy="663692"/>
+          </a:xfrm>
+        </p:spPr>
+        <p:txBody>
+          <a:bodyPr>
+            <a:normAutofit fontScale="90000"/>
+          </a:bodyPr>
+          <a:lstStyle/>
+          <a:p>
+            <a:r>
+              <a:rPr lang="en-US" b="1" dirty="0"/>
+              <a:t>Social, Economic, and Geographic Factors in Life Expectancy (Random Forest Analysis)</a:t>
+            </a:r>
+          </a:p>
+        </p:txBody>
+      </p:sp>
+      <p:sp>
+        <p:nvSpPr>
+          <p:cNvPr id="4" name="Rectangle 1">
+            <a:extLst>
+              <a:ext uri="{FF2B5EF4-FFF2-40B4-BE49-F238E27FC236}">
+                <a16:creationId xmlns:a16="http://schemas.microsoft.com/office/drawing/2014/main" id="{D2F45B2F-C851-4415-BE09-E0CBA6B0E762}"/>
+              </a:ext>
+            </a:extLst>
+          </p:cNvPr>
+          <p:cNvSpPr>
+            <a:spLocks noChangeArrowheads="1"/>
+          </p:cNvSpPr>
+          <p:nvPr/>
+        </p:nvSpPr>
+        <p:spPr bwMode="auto">
+          <a:xfrm>
+            <a:off x="0" y="0"/>
+            <a:ext cx="12192000" cy="457200"/>
+          </a:xfrm>
+          <a:prstGeom prst="rect">
+            <a:avLst/>
+          </a:prstGeom>
+          <a:solidFill>
+            <a:srgbClr val="FFFFFF"/>
+          </a:solidFill>
+          <a:ln>
+            <a:noFill/>
+          </a:ln>
+          <a:effectLst/>
+          <a:extLst>
+            <a:ext uri="{91240B29-F687-4F45-9708-019B960494DF}">
+              <a14:hiddenLine xmlns:a14="http://schemas.microsoft.com/office/drawing/2010/main" w="9525">
+                <a:solidFill>
+                  <a:schemeClr val="tx1"/>
+                </a:solidFill>
+                <a:miter lim="800000"/>
+                <a:headEnd/>
+                <a:tailEnd/>
+              </a14:hiddenLine>
+            </a:ext>
+            <a:ext uri="{AF507438-7753-43E0-B8FC-AC1667EBCBE1}">
+              <a14:hiddenEffects xmlns:a14="http://schemas.microsoft.com/office/drawing/2010/main">
+                <a:effectLst>
+                  <a:outerShdw dist="35921" dir="2700000" algn="ctr" rotWithShape="0">
+                    <a:schemeClr val="bg2"/>
+                  </a:outerShdw>
+                </a:effectLst>
+              </a14:hiddenEffects>
+            </a:ext>
+          </a:extLst>
+        </p:spPr>
+        <p:txBody>
+          <a:bodyPr vert="horz" wrap="none" lIns="0" tIns="0" rIns="0" bIns="0" numCol="1" anchor="ctr" anchorCtr="0" compatLnSpc="1">
+            <a:prstTxWarp prst="textNoShape">
+              <a:avLst/>
+            </a:prstTxWarp>
+            <a:spAutoFit/>
+          </a:bodyPr>
+          <a:lstStyle/>
+          <a:p>
+            <a:pPr marL="0" marR="0" lvl="0" indent="0" algn="l" defTabSz="914400" rtl="0" eaLnBrk="0" fontAlgn="base" latinLnBrk="0" hangingPunct="0">
+              <a:lnSpc>
+                <a:spcPct val="100000"/>
+              </a:lnSpc>
+              <a:spcBef>
+                <a:spcPct val="0"/>
+              </a:spcBef>
+              <a:spcAft>
+                <a:spcPct val="0"/>
+              </a:spcAft>
+              <a:buClrTx/>
+              <a:buSzTx/>
+              <a:buFontTx/>
+              <a:buNone/>
+              <a:tabLst/>
+            </a:pPr>
+            <a:r>
+              <a:rPr kumimoji="0" lang="en-US" altLang="en-US" sz="1000" b="0" i="0" u="none" strike="noStrike" cap="none" normalizeH="0" baseline="0">
+                <a:ln>
+                  <a:noFill/>
+                </a:ln>
+                <a:solidFill>
+                  <a:srgbClr val="000000"/>
+                </a:solidFill>
+                <a:effectLst/>
+                <a:latin typeface="Courier New" panose="02070309020205020404" pitchFamily="49" charset="0"/>
+              </a:rPr>
+              <a:t>Mean Absolute Error: 0.8792662774044289 Mean Squared Error: 4.276068084168778 Root Mean Squared Error: 2.067865586581676</a:t>
+            </a:r>
+            <a:r>
+              <a:rPr kumimoji="0" lang="en-US" altLang="en-US" sz="800" b="0" i="0" u="none" strike="noStrike" cap="none" normalizeH="0" baseline="0">
+                <a:ln>
+                  <a:noFill/>
+                </a:ln>
+                <a:solidFill>
+                  <a:schemeClr val="tx1"/>
+                </a:solidFill>
+                <a:effectLst/>
+              </a:rPr>
+              <a:t> </a:t>
+            </a:r>
+            <a:endParaRPr kumimoji="0" lang="en-US" altLang="en-US" sz="1800" b="0" i="0" u="none" strike="noStrike" cap="none" normalizeH="0" baseline="0">
+              <a:ln>
+                <a:noFill/>
+              </a:ln>
+              <a:solidFill>
+                <a:schemeClr val="tx1"/>
+              </a:solidFill>
+              <a:effectLst/>
+              <a:latin typeface="Arial" panose="020B0604020202020204" pitchFamily="34" charset="0"/>
+            </a:endParaRPr>
+          </a:p>
+        </p:txBody>
+      </p:sp>
+      <p:sp>
+        <p:nvSpPr>
+          <p:cNvPr id="9" name="TextBox 8">
+            <a:extLst>
+              <a:ext uri="{FF2B5EF4-FFF2-40B4-BE49-F238E27FC236}">
+                <a16:creationId xmlns:a16="http://schemas.microsoft.com/office/drawing/2014/main" id="{F08D1501-4BEF-45D5-8E73-28670E1DA32A}"/>
+              </a:ext>
+            </a:extLst>
+          </p:cNvPr>
+          <p:cNvSpPr txBox="1"/>
+          <p:nvPr/>
+        </p:nvSpPr>
+        <p:spPr>
+          <a:xfrm>
+            <a:off x="5977369" y="6488668"/>
+            <a:ext cx="6094268" cy="369332"/>
+          </a:xfrm>
+          <a:prstGeom prst="rect">
+            <a:avLst/>
+          </a:prstGeom>
+          <a:noFill/>
+        </p:spPr>
+        <p:txBody>
+          <a:bodyPr wrap="square">
+            <a:spAutoFit/>
+          </a:bodyPr>
+          <a:lstStyle/>
+          <a:p>
+            <a:r>
+              <a:rPr lang="en-US" sz="1600" b="1" dirty="0"/>
+              <a:t>*Data Leakage from Life Expectancy and Income</a:t>
+            </a:r>
+          </a:p>
+        </p:txBody>
+      </p:sp>
+      <p:pic>
+        <p:nvPicPr>
+          <p:cNvPr id="10" name="Picture 9">
+            <a:extLst>
+              <a:ext uri="{FF2B5EF4-FFF2-40B4-BE49-F238E27FC236}">
+                <a16:creationId xmlns:a16="http://schemas.microsoft.com/office/drawing/2014/main" id="{959E210F-4CF9-46D6-8B8C-0927557BA62D}"/>
+              </a:ext>
+            </a:extLst>
+          </p:cNvPr>
+          <p:cNvPicPr>
+            <a:picLocks noChangeAspect="1"/>
+          </p:cNvPicPr>
+          <p:nvPr/>
+        </p:nvPicPr>
+        <p:blipFill>
+          <a:blip r:embed="rId3"/>
+          <a:stretch>
+            <a:fillRect/>
+          </a:stretch>
+        </p:blipFill>
+        <p:spPr>
+          <a:xfrm>
+            <a:off x="502227" y="1495569"/>
+            <a:ext cx="11187545" cy="4800011"/>
+          </a:xfrm>
+          <a:prstGeom prst="rect">
+            <a:avLst/>
+          </a:prstGeom>
+        </p:spPr>
+      </p:pic>
+      <p:sp>
+        <p:nvSpPr>
+          <p:cNvPr id="8" name="TextBox 7">
+            <a:extLst>
+              <a:ext uri="{FF2B5EF4-FFF2-40B4-BE49-F238E27FC236}">
+                <a16:creationId xmlns:a16="http://schemas.microsoft.com/office/drawing/2014/main" id="{DCB0739B-E330-4598-823A-7DFC5485227D}"/>
+              </a:ext>
+            </a:extLst>
+          </p:cNvPr>
+          <p:cNvSpPr txBox="1"/>
+          <p:nvPr/>
+        </p:nvSpPr>
+        <p:spPr>
+          <a:xfrm>
+            <a:off x="5397904" y="1713868"/>
+            <a:ext cx="6208741" cy="1569660"/>
+          </a:xfrm>
+          <a:prstGeom prst="rect">
+            <a:avLst/>
+          </a:prstGeom>
+          <a:solidFill>
+            <a:schemeClr val="bg1"/>
+          </a:solidFill>
+        </p:spPr>
+        <p:txBody>
+          <a:bodyPr wrap="square">
+            <a:spAutoFit/>
+          </a:bodyPr>
+          <a:lstStyle/>
+          <a:p>
+            <a:r>
+              <a:rPr lang="en-US" sz="1600" b="1" dirty="0"/>
+              <a:t>Feature	                                                       Importance</a:t>
+            </a:r>
+          </a:p>
+          <a:p>
+            <a:r>
+              <a:rPr lang="en-US" sz="1600" b="1" dirty="0"/>
+              <a:t>med_hhinc2016 (med household income): 	0.413172</a:t>
+            </a:r>
+          </a:p>
+          <a:p>
+            <a:r>
+              <a:rPr lang="en-US" sz="1600" b="1" dirty="0"/>
+              <a:t>poor_share2010 (fraction of indigent in population): 0.110481</a:t>
+            </a:r>
+          </a:p>
+          <a:p>
+            <a:r>
+              <a:rPr lang="en-US" sz="1600" b="1" dirty="0"/>
+              <a:t>foreign_share2010 (fraction of foreign born): 0.096254</a:t>
+            </a:r>
+          </a:p>
+          <a:p>
+            <a:r>
+              <a:rPr lang="en-US" sz="1600" b="1" dirty="0"/>
+              <a:t>popdensity2010  (population per sq mile): 0.043347 job_density_2013  (</a:t>
+            </a:r>
+            <a:r>
+              <a:rPr lang="en-US" sz="1600" b="1" i="0" dirty="0">
+                <a:solidFill>
+                  <a:srgbClr val="202124"/>
+                </a:solidFill>
+                <a:effectLst/>
+              </a:rPr>
+              <a:t>number of jobs per sq mile): </a:t>
+            </a:r>
+            <a:r>
+              <a:rPr lang="en-US" sz="1600" b="1" dirty="0"/>
+              <a:t>0.039791</a:t>
+            </a:r>
+          </a:p>
+        </p:txBody>
+      </p:sp>
+    </p:spTree>
+    <p:extLst>
+      <p:ext uri="{BB962C8B-B14F-4D97-AF65-F5344CB8AC3E}">
+        <p14:creationId xmlns:p14="http://schemas.microsoft.com/office/powerpoint/2010/main" val="2488236432"/>
+      </p:ext>
+    </p:extLst>
+  </p:cSld>
+  <p:clrMapOvr>
+    <a:masterClrMapping/>
+  </p:clrMapOvr>
+</p:sld>
+</file>
+
+<file path=ppt/slides/slide11.xml><?xml version="1.0" encoding="utf-8"?>
+<p:sld xmlns:a="http://schemas.openxmlformats.org/drawingml/2006/main" xmlns:r="http://schemas.openxmlformats.org/officeDocument/2006/relationships" xmlns:p="http://schemas.openxmlformats.org/presentationml/2006/main">
+  <p:cSld>
+    <p:spTree>
+      <p:nvGrpSpPr>
+        <p:cNvPr id="1" name=""/>
+        <p:cNvGrpSpPr/>
+        <p:nvPr/>
+      </p:nvGrpSpPr>
+      <p:grpSpPr>
+        <a:xfrm>
+          <a:off x="0" y="0"/>
+          <a:ext cx="0" cy="0"/>
+          <a:chOff x="0" y="0"/>
+          <a:chExt cx="0" cy="0"/>
+        </a:xfrm>
+      </p:grpSpPr>
+      <p:sp>
+        <p:nvSpPr>
+          <p:cNvPr id="2" name="Title 1">
+            <a:extLst>
+              <a:ext uri="{FF2B5EF4-FFF2-40B4-BE49-F238E27FC236}">
+                <a16:creationId xmlns:a16="http://schemas.microsoft.com/office/drawing/2014/main" id="{649037D2-1D18-44AE-8962-11A86DC2D019}"/>
+              </a:ext>
+            </a:extLst>
+          </p:cNvPr>
+          <p:cNvSpPr>
+            <a:spLocks noGrp="1"/>
+          </p:cNvSpPr>
+          <p:nvPr>
+            <p:ph type="title"/>
+          </p:nvPr>
+        </p:nvSpPr>
+        <p:spPr>
+          <a:xfrm>
+            <a:off x="1066800" y="642594"/>
+            <a:ext cx="10058400" cy="663692"/>
+          </a:xfrm>
+        </p:spPr>
+        <p:txBody>
+          <a:bodyPr>
+            <a:normAutofit fontScale="90000"/>
+          </a:bodyPr>
+          <a:lstStyle/>
+          <a:p>
+            <a:r>
+              <a:rPr lang="en-US" b="1" dirty="0"/>
+              <a:t>Social, Economic, and Geographic Factors in Life Expectancy (Random Forest Analysis)</a:t>
+            </a:r>
+          </a:p>
+        </p:txBody>
+      </p:sp>
+      <p:sp>
+        <p:nvSpPr>
+          <p:cNvPr id="6" name="Rectangle 1">
+            <a:extLst>
+              <a:ext uri="{FF2B5EF4-FFF2-40B4-BE49-F238E27FC236}">
+                <a16:creationId xmlns:a16="http://schemas.microsoft.com/office/drawing/2014/main" id="{175F1DF0-85D1-42AA-9867-737303E1B833}"/>
+              </a:ext>
+            </a:extLst>
+          </p:cNvPr>
+          <p:cNvSpPr>
+            <a:spLocks noChangeArrowheads="1"/>
+          </p:cNvSpPr>
+          <p:nvPr/>
+        </p:nvSpPr>
+        <p:spPr bwMode="auto">
+          <a:xfrm>
+            <a:off x="5512204" y="1710264"/>
+            <a:ext cx="4774796" cy="1231106"/>
+          </a:xfrm>
+          <a:prstGeom prst="rect">
+            <a:avLst/>
+          </a:prstGeom>
+          <a:solidFill>
+            <a:srgbClr val="FFFFFF"/>
+          </a:solidFill>
+          <a:ln>
+            <a:noFill/>
+          </a:ln>
+          <a:effectLst/>
+          <a:extLst>
+            <a:ext uri="{91240B29-F687-4F45-9708-019B960494DF}">
+              <a14:hiddenLine xmlns:a14="http://schemas.microsoft.com/office/drawing/2010/main" w="9525">
+                <a:solidFill>
+                  <a:schemeClr val="tx1"/>
+                </a:solidFill>
+                <a:miter lim="800000"/>
+                <a:headEnd/>
+                <a:tailEnd/>
+              </a14:hiddenLine>
+            </a:ext>
+            <a:ext uri="{AF507438-7753-43E0-B8FC-AC1667EBCBE1}">
+              <a14:hiddenEffects xmlns:a14="http://schemas.microsoft.com/office/drawing/2010/main">
+                <a:effectLst>
+                  <a:outerShdw dist="35921" dir="2700000" algn="ctr" rotWithShape="0">
+                    <a:schemeClr val="bg2"/>
+                  </a:outerShdw>
+                </a:effectLst>
+              </a14:hiddenEffects>
+            </a:ext>
+          </a:extLst>
+        </p:spPr>
+        <p:txBody>
+          <a:bodyPr vert="horz" wrap="square" lIns="0" tIns="0" rIns="0" bIns="0" numCol="1" anchor="ctr" anchorCtr="0" compatLnSpc="1">
+            <a:prstTxWarp prst="textNoShape">
+              <a:avLst/>
+            </a:prstTxWarp>
+            <a:spAutoFit/>
+          </a:bodyPr>
+          <a:lstStyle/>
+          <a:p>
+            <a:pPr marL="0" marR="0" lvl="0" indent="0" algn="l" defTabSz="914400" rtl="0" eaLnBrk="0" fontAlgn="base" latinLnBrk="0" hangingPunct="0">
+              <a:lnSpc>
+                <a:spcPct val="100000"/>
+              </a:lnSpc>
+              <a:spcBef>
+                <a:spcPct val="0"/>
+              </a:spcBef>
+              <a:spcAft>
+                <a:spcPct val="0"/>
+              </a:spcAft>
+              <a:buClrTx/>
+              <a:buSzTx/>
+              <a:buFontTx/>
+              <a:buNone/>
+              <a:tabLst/>
+            </a:pPr>
+            <a:r>
+              <a:rPr kumimoji="0" lang="en-US" altLang="en-US" sz="1600" b="1" i="0" u="none" strike="noStrike" cap="none" normalizeH="0" baseline="0" dirty="0">
+                <a:ln>
+                  <a:noFill/>
+                </a:ln>
+                <a:solidFill>
+                  <a:srgbClr val="000000"/>
+                </a:solidFill>
+                <a:effectLst/>
+                <a:latin typeface="+mj-lt"/>
+                <a:cs typeface="Calibri" panose="020F0502020204030204" pitchFamily="34" charset="0"/>
+              </a:rPr>
+              <a:t>Test Values</a:t>
+            </a:r>
+          </a:p>
+          <a:p>
+            <a:pPr marL="0" marR="0" lvl="0" indent="0" algn="l" defTabSz="914400" rtl="0" eaLnBrk="0" fontAlgn="base" latinLnBrk="0" hangingPunct="0">
+              <a:lnSpc>
+                <a:spcPct val="100000"/>
+              </a:lnSpc>
+              <a:spcBef>
+                <a:spcPct val="0"/>
+              </a:spcBef>
+              <a:spcAft>
+                <a:spcPct val="0"/>
+              </a:spcAft>
+              <a:buClrTx/>
+              <a:buSzTx/>
+              <a:buFontTx/>
+              <a:buNone/>
+              <a:tabLst/>
+            </a:pPr>
+            <a:r>
+              <a:rPr kumimoji="0" lang="en-US" altLang="en-US" sz="1600" b="1" i="0" u="none" strike="noStrike" cap="none" normalizeH="0" baseline="0" dirty="0">
+                <a:ln>
+                  <a:noFill/>
+                </a:ln>
+                <a:solidFill>
+                  <a:srgbClr val="000000"/>
+                </a:solidFill>
+                <a:effectLst/>
+                <a:latin typeface="+mj-lt"/>
+                <a:cs typeface="Calibri" panose="020F0502020204030204" pitchFamily="34" charset="0"/>
+              </a:rPr>
+              <a:t>Mean Absolute Error: 0.8792662774044289</a:t>
+            </a:r>
+          </a:p>
+          <a:p>
+            <a:pPr marL="0" marR="0" lvl="0" indent="0" algn="l" defTabSz="914400" rtl="0" eaLnBrk="0" fontAlgn="base" latinLnBrk="0" hangingPunct="0">
+              <a:lnSpc>
+                <a:spcPct val="100000"/>
+              </a:lnSpc>
+              <a:spcBef>
+                <a:spcPct val="0"/>
+              </a:spcBef>
+              <a:spcAft>
+                <a:spcPct val="0"/>
+              </a:spcAft>
+              <a:buClrTx/>
+              <a:buSzTx/>
+              <a:buFontTx/>
+              <a:buNone/>
+              <a:tabLst/>
+            </a:pPr>
+            <a:r>
+              <a:rPr kumimoji="0" lang="en-US" altLang="en-US" sz="1600" b="1" i="0" u="none" strike="noStrike" cap="none" normalizeH="0" baseline="0" dirty="0">
+                <a:ln>
+                  <a:noFill/>
+                </a:ln>
+                <a:solidFill>
+                  <a:srgbClr val="000000"/>
+                </a:solidFill>
+                <a:effectLst/>
+                <a:latin typeface="+mj-lt"/>
+                <a:cs typeface="Calibri" panose="020F0502020204030204" pitchFamily="34" charset="0"/>
+              </a:rPr>
+              <a:t>Mean Squared Error: 4.276068084168778</a:t>
+            </a:r>
+          </a:p>
+          <a:p>
+            <a:pPr marL="0" marR="0" lvl="0" indent="0" algn="l" defTabSz="914400" rtl="0" eaLnBrk="0" fontAlgn="base" latinLnBrk="0" hangingPunct="0">
+              <a:lnSpc>
+                <a:spcPct val="100000"/>
+              </a:lnSpc>
+              <a:spcBef>
+                <a:spcPct val="0"/>
+              </a:spcBef>
+              <a:spcAft>
+                <a:spcPct val="0"/>
+              </a:spcAft>
+              <a:buClrTx/>
+              <a:buSzTx/>
+              <a:buFontTx/>
+              <a:buNone/>
+              <a:tabLst/>
+            </a:pPr>
+            <a:r>
+              <a:rPr kumimoji="0" lang="en-US" altLang="en-US" sz="1600" b="1" i="0" u="none" strike="noStrike" cap="none" normalizeH="0" baseline="0" dirty="0">
+                <a:ln>
+                  <a:noFill/>
+                </a:ln>
+                <a:solidFill>
+                  <a:srgbClr val="000000"/>
+                </a:solidFill>
+                <a:effectLst/>
+                <a:latin typeface="+mj-lt"/>
+                <a:cs typeface="Calibri" panose="020F0502020204030204" pitchFamily="34" charset="0"/>
+              </a:rPr>
+              <a:t>Root Mean Squared Error: 2.067865586581676 </a:t>
+            </a:r>
+            <a:r>
+              <a:rPr lang="en-US" altLang="en-US" sz="1600" b="1" dirty="0">
+                <a:solidFill>
+                  <a:srgbClr val="000000"/>
+                </a:solidFill>
+                <a:latin typeface="+mj-lt"/>
+                <a:cs typeface="Calibri" panose="020F0502020204030204" pitchFamily="34" charset="0"/>
+              </a:rPr>
+              <a:t>Accuracy: 98.87%</a:t>
+            </a:r>
+            <a:r>
+              <a:rPr kumimoji="0" lang="en-US" altLang="en-US" sz="1600" b="1" i="0" u="none" strike="noStrike" cap="none" normalizeH="0" baseline="0" dirty="0">
+                <a:ln>
+                  <a:noFill/>
+                </a:ln>
+                <a:solidFill>
+                  <a:schemeClr val="tx1"/>
+                </a:solidFill>
+                <a:effectLst/>
+                <a:latin typeface="+mj-lt"/>
+                <a:cs typeface="Calibri" panose="020F0502020204030204" pitchFamily="34" charset="0"/>
+              </a:rPr>
+              <a:t> </a:t>
+            </a:r>
+          </a:p>
+        </p:txBody>
+      </p:sp>
+      <p:sp>
+        <p:nvSpPr>
+          <p:cNvPr id="8" name="TextBox 7">
+            <a:extLst>
+              <a:ext uri="{FF2B5EF4-FFF2-40B4-BE49-F238E27FC236}">
+                <a16:creationId xmlns:a16="http://schemas.microsoft.com/office/drawing/2014/main" id="{DCB0739B-E330-4598-823A-7DFC5485227D}"/>
+              </a:ext>
+            </a:extLst>
+          </p:cNvPr>
+          <p:cNvSpPr txBox="1"/>
+          <p:nvPr/>
+        </p:nvSpPr>
+        <p:spPr>
+          <a:xfrm>
+            <a:off x="5512204" y="3028360"/>
+            <a:ext cx="6208741" cy="1569660"/>
+          </a:xfrm>
+          <a:prstGeom prst="rect">
+            <a:avLst/>
+          </a:prstGeom>
+          <a:solidFill>
+            <a:schemeClr val="bg1"/>
+          </a:solidFill>
+        </p:spPr>
+        <p:txBody>
+          <a:bodyPr wrap="square">
+            <a:spAutoFit/>
+          </a:bodyPr>
+          <a:lstStyle/>
+          <a:p>
+            <a:r>
+              <a:rPr lang="en-US" sz="1600" b="1" dirty="0"/>
+              <a:t>feature	                                                       importance</a:t>
+            </a:r>
+          </a:p>
+          <a:p>
+            <a:r>
+              <a:rPr lang="en-US" sz="1600" b="1" dirty="0"/>
+              <a:t>med_hhinc2016 (med household income): 	0.413172</a:t>
+            </a:r>
+          </a:p>
+          <a:p>
+            <a:r>
+              <a:rPr lang="en-US" sz="1600" b="1" dirty="0"/>
+              <a:t>poor_share2010 (fraction of indigent in population): 0.110481</a:t>
+            </a:r>
+          </a:p>
+          <a:p>
+            <a:r>
+              <a:rPr lang="en-US" sz="1600" b="1" dirty="0"/>
+              <a:t>foreign_share2010 (fraction of foreign born): 0.096254</a:t>
+            </a:r>
+          </a:p>
+          <a:p>
+            <a:r>
+              <a:rPr lang="en-US" sz="1600" b="1" dirty="0"/>
+              <a:t>popdensity2010  (population per sq mile): 0.043347 job_density_2013  (</a:t>
+            </a:r>
+            <a:r>
+              <a:rPr lang="en-US" sz="1600" b="1" i="0" dirty="0">
+                <a:solidFill>
+                  <a:srgbClr val="202124"/>
+                </a:solidFill>
+                <a:effectLst/>
+              </a:rPr>
+              <a:t>number of jobs per sq mile): </a:t>
+            </a:r>
+            <a:r>
+              <a:rPr lang="en-US" sz="1600" b="1" dirty="0"/>
+              <a:t>0.039791</a:t>
+            </a:r>
+          </a:p>
+        </p:txBody>
+      </p:sp>
+      <p:sp>
+        <p:nvSpPr>
+          <p:cNvPr id="4" name="Rectangle 1">
+            <a:extLst>
+              <a:ext uri="{FF2B5EF4-FFF2-40B4-BE49-F238E27FC236}">
+                <a16:creationId xmlns:a16="http://schemas.microsoft.com/office/drawing/2014/main" id="{D2F45B2F-C851-4415-BE09-E0CBA6B0E762}"/>
+              </a:ext>
+            </a:extLst>
+          </p:cNvPr>
+          <p:cNvSpPr>
+            <a:spLocks noChangeArrowheads="1"/>
+          </p:cNvSpPr>
+          <p:nvPr/>
+        </p:nvSpPr>
+        <p:spPr bwMode="auto">
+          <a:xfrm>
+            <a:off x="0" y="0"/>
+            <a:ext cx="12192000" cy="457200"/>
+          </a:xfrm>
+          <a:prstGeom prst="rect">
+            <a:avLst/>
+          </a:prstGeom>
+          <a:solidFill>
+            <a:srgbClr val="FFFFFF"/>
+          </a:solidFill>
+          <a:ln>
+            <a:noFill/>
+          </a:ln>
+          <a:effectLst/>
+          <a:extLst>
+            <a:ext uri="{91240B29-F687-4F45-9708-019B960494DF}">
+              <a14:hiddenLine xmlns:a14="http://schemas.microsoft.com/office/drawing/2010/main" w="9525">
+                <a:solidFill>
+                  <a:schemeClr val="tx1"/>
+                </a:solidFill>
+                <a:miter lim="800000"/>
+                <a:headEnd/>
+                <a:tailEnd/>
+              </a14:hiddenLine>
+            </a:ext>
+            <a:ext uri="{AF507438-7753-43E0-B8FC-AC1667EBCBE1}">
+              <a14:hiddenEffects xmlns:a14="http://schemas.microsoft.com/office/drawing/2010/main">
+                <a:effectLst>
+                  <a:outerShdw dist="35921" dir="2700000" algn="ctr" rotWithShape="0">
+                    <a:schemeClr val="bg2"/>
+                  </a:outerShdw>
+                </a:effectLst>
+              </a14:hiddenEffects>
+            </a:ext>
+          </a:extLst>
+        </p:spPr>
+        <p:txBody>
+          <a:bodyPr vert="horz" wrap="none" lIns="0" tIns="0" rIns="0" bIns="0" numCol="1" anchor="ctr" anchorCtr="0" compatLnSpc="1">
+            <a:prstTxWarp prst="textNoShape">
+              <a:avLst/>
+            </a:prstTxWarp>
+            <a:spAutoFit/>
+          </a:bodyPr>
+          <a:lstStyle/>
+          <a:p>
+            <a:pPr marL="0" marR="0" lvl="0" indent="0" algn="l" defTabSz="914400" rtl="0" eaLnBrk="0" fontAlgn="base" latinLnBrk="0" hangingPunct="0">
+              <a:lnSpc>
+                <a:spcPct val="100000"/>
+              </a:lnSpc>
+              <a:spcBef>
+                <a:spcPct val="0"/>
+              </a:spcBef>
+              <a:spcAft>
+                <a:spcPct val="0"/>
+              </a:spcAft>
+              <a:buClrTx/>
+              <a:buSzTx/>
+              <a:buFontTx/>
+              <a:buNone/>
+              <a:tabLst/>
+            </a:pPr>
+            <a:r>
+              <a:rPr kumimoji="0" lang="en-US" altLang="en-US" sz="1000" b="0" i="0" u="none" strike="noStrike" cap="none" normalizeH="0" baseline="0">
+                <a:ln>
+                  <a:noFill/>
+                </a:ln>
+                <a:solidFill>
+                  <a:srgbClr val="000000"/>
+                </a:solidFill>
+                <a:effectLst/>
+                <a:latin typeface="Courier New" panose="02070309020205020404" pitchFamily="49" charset="0"/>
+              </a:rPr>
+              <a:t>Mean Absolute Error: 0.8792662774044289 Mean Squared Error: 4.276068084168778 Root Mean Squared Error: 2.067865586581676</a:t>
+            </a:r>
+            <a:r>
+              <a:rPr kumimoji="0" lang="en-US" altLang="en-US" sz="800" b="0" i="0" u="none" strike="noStrike" cap="none" normalizeH="0" baseline="0">
+                <a:ln>
+                  <a:noFill/>
+                </a:ln>
+                <a:solidFill>
+                  <a:schemeClr val="tx1"/>
+                </a:solidFill>
+                <a:effectLst/>
+              </a:rPr>
+              <a:t> </a:t>
+            </a:r>
+            <a:endParaRPr kumimoji="0" lang="en-US" altLang="en-US" sz="1800" b="0" i="0" u="none" strike="noStrike" cap="none" normalizeH="0" baseline="0">
+              <a:ln>
+                <a:noFill/>
+              </a:ln>
+              <a:solidFill>
+                <a:schemeClr val="tx1"/>
+              </a:solidFill>
+              <a:effectLst/>
+              <a:latin typeface="Arial" panose="020B0604020202020204" pitchFamily="34" charset="0"/>
+            </a:endParaRPr>
+          </a:p>
+        </p:txBody>
+      </p:sp>
+      <p:sp>
+        <p:nvSpPr>
+          <p:cNvPr id="9" name="TextBox 8">
+            <a:extLst>
+              <a:ext uri="{FF2B5EF4-FFF2-40B4-BE49-F238E27FC236}">
+                <a16:creationId xmlns:a16="http://schemas.microsoft.com/office/drawing/2014/main" id="{F08D1501-4BEF-45D5-8E73-28670E1DA32A}"/>
+              </a:ext>
+            </a:extLst>
+          </p:cNvPr>
+          <p:cNvSpPr txBox="1"/>
+          <p:nvPr/>
+        </p:nvSpPr>
+        <p:spPr>
+          <a:xfrm>
+            <a:off x="6096000" y="6488668"/>
+            <a:ext cx="6094268" cy="369332"/>
+          </a:xfrm>
+          <a:prstGeom prst="rect">
+            <a:avLst/>
+          </a:prstGeom>
+          <a:noFill/>
+        </p:spPr>
+        <p:txBody>
+          <a:bodyPr wrap="square">
+            <a:spAutoFit/>
+          </a:bodyPr>
+          <a:lstStyle/>
+          <a:p>
+            <a:r>
+              <a:rPr lang="en-US" sz="1600" b="1" dirty="0"/>
+              <a:t>*Data Leakage from Life Expectancy and Income</a:t>
+            </a:r>
+          </a:p>
+        </p:txBody>
+      </p:sp>
+      <p:pic>
+        <p:nvPicPr>
+          <p:cNvPr id="5" name="Picture 4">
+            <a:extLst>
+              <a:ext uri="{FF2B5EF4-FFF2-40B4-BE49-F238E27FC236}">
+                <a16:creationId xmlns:a16="http://schemas.microsoft.com/office/drawing/2014/main" id="{F55F56DD-D433-4AD2-90F1-33AB4E784DC1}"/>
+              </a:ext>
+            </a:extLst>
+          </p:cNvPr>
+          <p:cNvPicPr>
+            <a:picLocks noChangeAspect="1"/>
+          </p:cNvPicPr>
+          <p:nvPr/>
+        </p:nvPicPr>
+        <p:blipFill>
+          <a:blip r:embed="rId3"/>
+          <a:stretch>
+            <a:fillRect/>
+          </a:stretch>
+        </p:blipFill>
+        <p:spPr>
+          <a:xfrm>
+            <a:off x="611704" y="1609236"/>
+            <a:ext cx="4775871" cy="4606170"/>
+          </a:xfrm>
+          <a:prstGeom prst="rect">
+            <a:avLst/>
+          </a:prstGeom>
+        </p:spPr>
+      </p:pic>
+    </p:spTree>
+    <p:extLst>
+      <p:ext uri="{BB962C8B-B14F-4D97-AF65-F5344CB8AC3E}">
+        <p14:creationId xmlns:p14="http://schemas.microsoft.com/office/powerpoint/2010/main" val="2626595520"/>
+      </p:ext>
+    </p:extLst>
+  </p:cSld>
+  <p:clrMapOvr>
+    <a:masterClrMapping/>
+  </p:clrMapOvr>
+</p:sld>
+</file>
+
+<file path=ppt/slides/slide12.xml><?xml version="1.0" encoding="utf-8"?>
+<p:sld xmlns:a="http://schemas.openxmlformats.org/drawingml/2006/main" xmlns:r="http://schemas.openxmlformats.org/officeDocument/2006/relationships" xmlns:p="http://schemas.openxmlformats.org/presentationml/2006/main">
+  <p:cSld>
+    <p:spTree>
+      <p:nvGrpSpPr>
+        <p:cNvPr id="1" name=""/>
+        <p:cNvGrpSpPr/>
+        <p:nvPr/>
+      </p:nvGrpSpPr>
+      <p:grpSpPr>
+        <a:xfrm>
+          <a:off x="0" y="0"/>
+          <a:ext cx="0" cy="0"/>
+          <a:chOff x="0" y="0"/>
+          <a:chExt cx="0" cy="0"/>
+        </a:xfrm>
+      </p:grpSpPr>
+      <p:sp>
+        <p:nvSpPr>
+          <p:cNvPr id="2" name="Title 1">
+            <a:extLst>
+              <a:ext uri="{FF2B5EF4-FFF2-40B4-BE49-F238E27FC236}">
+                <a16:creationId xmlns:a16="http://schemas.microsoft.com/office/drawing/2014/main" id="{E53939C5-87D3-4DB7-90FF-913C33258787}"/>
+              </a:ext>
+            </a:extLst>
+          </p:cNvPr>
+          <p:cNvSpPr>
+            <a:spLocks noGrp="1"/>
+          </p:cNvSpPr>
+          <p:nvPr>
+            <p:ph type="title"/>
+          </p:nvPr>
+        </p:nvSpPr>
+        <p:spPr>
+          <a:xfrm>
+            <a:off x="1066800" y="642594"/>
+            <a:ext cx="10058400" cy="500406"/>
+          </a:xfrm>
+        </p:spPr>
+        <p:txBody>
+          <a:bodyPr>
+            <a:normAutofit fontScale="90000"/>
+          </a:bodyPr>
+          <a:lstStyle/>
+          <a:p>
+            <a:pPr algn="ctr"/>
+            <a:r>
+              <a:rPr lang="en-US" b="1" dirty="0"/>
+              <a:t>The Disconnect</a:t>
+            </a:r>
+          </a:p>
+        </p:txBody>
+      </p:sp>
+      <p:pic>
+        <p:nvPicPr>
+          <p:cNvPr id="4" name="Picture 3">
+            <a:extLst>
+              <a:ext uri="{FF2B5EF4-FFF2-40B4-BE49-F238E27FC236}">
+                <a16:creationId xmlns:a16="http://schemas.microsoft.com/office/drawing/2014/main" id="{E571D37A-4F0C-48FD-82B1-771D86413552}"/>
+              </a:ext>
+            </a:extLst>
+          </p:cNvPr>
+          <p:cNvPicPr>
+            <a:picLocks noChangeAspect="1"/>
+          </p:cNvPicPr>
+          <p:nvPr/>
+        </p:nvPicPr>
+        <p:blipFill>
+          <a:blip r:embed="rId3"/>
+          <a:stretch>
+            <a:fillRect/>
+          </a:stretch>
+        </p:blipFill>
+        <p:spPr>
+          <a:xfrm>
+            <a:off x="1964871" y="1609044"/>
+            <a:ext cx="3752850" cy="4040642"/>
+          </a:xfrm>
+          <a:prstGeom prst="rect">
+            <a:avLst/>
+          </a:prstGeom>
+        </p:spPr>
+      </p:pic>
+      <p:pic>
+        <p:nvPicPr>
+          <p:cNvPr id="5" name="Picture 4">
+            <a:extLst>
+              <a:ext uri="{FF2B5EF4-FFF2-40B4-BE49-F238E27FC236}">
+                <a16:creationId xmlns:a16="http://schemas.microsoft.com/office/drawing/2014/main" id="{5CD26FB0-5D2F-4521-B2A0-1E36D978FAF4}"/>
+              </a:ext>
+            </a:extLst>
+          </p:cNvPr>
+          <p:cNvPicPr>
+            <a:picLocks noChangeAspect="1"/>
+          </p:cNvPicPr>
+          <p:nvPr/>
+        </p:nvPicPr>
+        <p:blipFill>
+          <a:blip r:embed="rId4"/>
+          <a:stretch>
+            <a:fillRect/>
+          </a:stretch>
+        </p:blipFill>
+        <p:spPr>
+          <a:xfrm>
+            <a:off x="6259286" y="1609044"/>
+            <a:ext cx="3638550" cy="4040642"/>
+          </a:xfrm>
+          <a:prstGeom prst="rect">
+            <a:avLst/>
+          </a:prstGeom>
+        </p:spPr>
+      </p:pic>
+      <p:sp>
+        <p:nvSpPr>
+          <p:cNvPr id="3" name="TextBox 2">
+            <a:extLst>
+              <a:ext uri="{FF2B5EF4-FFF2-40B4-BE49-F238E27FC236}">
+                <a16:creationId xmlns:a16="http://schemas.microsoft.com/office/drawing/2014/main" id="{2499749D-8F30-45FB-AF50-06873DE221B9}"/>
+              </a:ext>
+            </a:extLst>
+          </p:cNvPr>
+          <p:cNvSpPr txBox="1"/>
+          <p:nvPr/>
+        </p:nvSpPr>
+        <p:spPr>
+          <a:xfrm>
+            <a:off x="538842" y="6057900"/>
+            <a:ext cx="2890158" cy="307777"/>
+          </a:xfrm>
+          <a:prstGeom prst="rect">
+            <a:avLst/>
+          </a:prstGeom>
+          <a:noFill/>
+        </p:spPr>
+        <p:txBody>
+          <a:bodyPr wrap="square" rtlCol="0">
+            <a:spAutoFit/>
+          </a:bodyPr>
+          <a:lstStyle/>
+          <a:p>
+            <a:r>
+              <a:rPr lang="en-US" sz="1400" b="1" dirty="0"/>
+              <a:t>Pew Research Jan 2020</a:t>
+            </a:r>
+          </a:p>
+        </p:txBody>
+      </p:sp>
+    </p:spTree>
+    <p:extLst>
+      <p:ext uri="{BB962C8B-B14F-4D97-AF65-F5344CB8AC3E}">
+        <p14:creationId xmlns:p14="http://schemas.microsoft.com/office/powerpoint/2010/main" val="1400857027"/>
+      </p:ext>
+    </p:extLst>
+  </p:cSld>
+  <p:clrMapOvr>
+    <a:masterClrMapping/>
+  </p:clrMapOvr>
+</p:sld>
+</file>
+
+<file path=ppt/slides/slide13.xml><?xml version="1.0" encoding="utf-8"?>
+<p:sld xmlns:a="http://schemas.openxmlformats.org/drawingml/2006/main" xmlns:r="http://schemas.openxmlformats.org/officeDocument/2006/relationships" xmlns:p="http://schemas.openxmlformats.org/presentationml/2006/main">
+  <p:cSld>
+    <p:spTree>
+      <p:nvGrpSpPr>
+        <p:cNvPr id="1" name=""/>
+        <p:cNvGrpSpPr/>
+        <p:nvPr/>
+      </p:nvGrpSpPr>
+      <p:grpSpPr>
+        <a:xfrm>
+          <a:off x="0" y="0"/>
+          <a:ext cx="0" cy="0"/>
+          <a:chOff x="0" y="0"/>
+          <a:chExt cx="0" cy="0"/>
+        </a:xfrm>
+      </p:grpSpPr>
+      <p:sp>
+        <p:nvSpPr>
+          <p:cNvPr id="2" name="Title 1">
+            <a:extLst>
+              <a:ext uri="{FF2B5EF4-FFF2-40B4-BE49-F238E27FC236}">
+                <a16:creationId xmlns:a16="http://schemas.microsoft.com/office/drawing/2014/main" id="{3E071415-7295-499C-914B-4F81ED1876BE}"/>
+              </a:ext>
+            </a:extLst>
+          </p:cNvPr>
+          <p:cNvSpPr>
+            <a:spLocks noGrp="1"/>
+          </p:cNvSpPr>
+          <p:nvPr>
+            <p:ph type="title"/>
+          </p:nvPr>
+        </p:nvSpPr>
+        <p:spPr>
+          <a:xfrm>
+            <a:off x="1066800" y="283361"/>
+            <a:ext cx="10058400" cy="859635"/>
+          </a:xfrm>
+        </p:spPr>
+        <p:txBody>
+          <a:bodyPr>
+            <a:normAutofit/>
+          </a:bodyPr>
+          <a:lstStyle/>
+          <a:p>
+            <a:pPr algn="ctr"/>
+            <a:r>
+              <a:rPr lang="en-US" sz="3600" b="1" dirty="0"/>
+              <a:t>Political Solutions Seem Less Likely…</a:t>
+            </a:r>
+          </a:p>
+        </p:txBody>
+      </p:sp>
+      <p:pic>
+        <p:nvPicPr>
+          <p:cNvPr id="5" name="Picture 4">
+            <a:extLst>
+              <a:ext uri="{FF2B5EF4-FFF2-40B4-BE49-F238E27FC236}">
+                <a16:creationId xmlns:a16="http://schemas.microsoft.com/office/drawing/2014/main" id="{6064E6FC-B4F7-4AED-9A52-33D682D41F4E}"/>
+              </a:ext>
+            </a:extLst>
+          </p:cNvPr>
+          <p:cNvPicPr>
+            <a:picLocks noChangeAspect="1"/>
+          </p:cNvPicPr>
+          <p:nvPr/>
+        </p:nvPicPr>
+        <p:blipFill>
+          <a:blip r:embed="rId3"/>
+          <a:stretch>
+            <a:fillRect/>
+          </a:stretch>
+        </p:blipFill>
+        <p:spPr>
+          <a:xfrm>
+            <a:off x="6417127" y="1330778"/>
+            <a:ext cx="5715000" cy="4884627"/>
+          </a:xfrm>
+          <a:prstGeom prst="rect">
+            <a:avLst/>
+          </a:prstGeom>
+        </p:spPr>
+      </p:pic>
+      <p:pic>
+        <p:nvPicPr>
+          <p:cNvPr id="6" name="Picture 5">
+            <a:extLst>
+              <a:ext uri="{FF2B5EF4-FFF2-40B4-BE49-F238E27FC236}">
+                <a16:creationId xmlns:a16="http://schemas.microsoft.com/office/drawing/2014/main" id="{25D27322-92DF-4DDB-B706-BE59F0F0A6EA}"/>
+              </a:ext>
+            </a:extLst>
+          </p:cNvPr>
+          <p:cNvPicPr>
+            <a:picLocks noChangeAspect="1"/>
+          </p:cNvPicPr>
+          <p:nvPr/>
+        </p:nvPicPr>
+        <p:blipFill>
+          <a:blip r:embed="rId4"/>
+          <a:stretch>
+            <a:fillRect/>
+          </a:stretch>
+        </p:blipFill>
+        <p:spPr>
+          <a:xfrm>
+            <a:off x="14961" y="1330778"/>
+            <a:ext cx="6206226" cy="4884627"/>
+          </a:xfrm>
+          <a:prstGeom prst="rect">
+            <a:avLst/>
+          </a:prstGeom>
+        </p:spPr>
+      </p:pic>
+    </p:spTree>
+    <p:extLst>
+      <p:ext uri="{BB962C8B-B14F-4D97-AF65-F5344CB8AC3E}">
+        <p14:creationId xmlns:p14="http://schemas.microsoft.com/office/powerpoint/2010/main" val="3149756952"/>
+      </p:ext>
+    </p:extLst>
+  </p:cSld>
+  <p:clrMapOvr>
+    <a:masterClrMapping/>
+  </p:clrMapOvr>
+</p:sld>
+</file>
+
+<file path=ppt/slides/slide14.xml><?xml version="1.0" encoding="utf-8"?>
+<p:sld xmlns:a="http://schemas.openxmlformats.org/drawingml/2006/main" xmlns:r="http://schemas.openxmlformats.org/officeDocument/2006/relationships" xmlns:p="http://schemas.openxmlformats.org/presentationml/2006/main">
+  <p:cSld>
+    <p:spTree>
+      <p:nvGrpSpPr>
+        <p:cNvPr id="1" name=""/>
+        <p:cNvGrpSpPr/>
+        <p:nvPr/>
+      </p:nvGrpSpPr>
+      <p:grpSpPr>
+        <a:xfrm>
+          <a:off x="0" y="0"/>
+          <a:ext cx="0" cy="0"/>
+          <a:chOff x="0" y="0"/>
+          <a:chExt cx="0" cy="0"/>
+        </a:xfrm>
+      </p:grpSpPr>
+      <p:sp>
+        <p:nvSpPr>
+          <p:cNvPr id="2" name="Title 1">
+            <a:extLst>
+              <a:ext uri="{FF2B5EF4-FFF2-40B4-BE49-F238E27FC236}">
+                <a16:creationId xmlns:a16="http://schemas.microsoft.com/office/drawing/2014/main" id="{3E071415-7295-499C-914B-4F81ED1876BE}"/>
+              </a:ext>
+            </a:extLst>
+          </p:cNvPr>
+          <p:cNvSpPr>
+            <a:spLocks noGrp="1"/>
+          </p:cNvSpPr>
+          <p:nvPr>
+            <p:ph type="title"/>
+          </p:nvPr>
+        </p:nvSpPr>
+        <p:spPr>
+          <a:xfrm>
+            <a:off x="1066800" y="283361"/>
+            <a:ext cx="10058400" cy="859635"/>
+          </a:xfrm>
+        </p:spPr>
+        <p:txBody>
+          <a:bodyPr>
+            <a:normAutofit/>
+          </a:bodyPr>
+          <a:lstStyle/>
+          <a:p>
+            <a:pPr algn="ctr"/>
+            <a:r>
+              <a:rPr lang="en-US" sz="3600" b="1" dirty="0"/>
+              <a:t>Or Dependent on Political Shifts (Right).</a:t>
+            </a:r>
+          </a:p>
+        </p:txBody>
+      </p:sp>
+      <p:pic>
+        <p:nvPicPr>
+          <p:cNvPr id="4" name="Picture 3">
+            <a:extLst>
+              <a:ext uri="{FF2B5EF4-FFF2-40B4-BE49-F238E27FC236}">
+                <a16:creationId xmlns:a16="http://schemas.microsoft.com/office/drawing/2014/main" id="{15759049-F9B5-4A5D-9529-DEF842649910}"/>
+              </a:ext>
+            </a:extLst>
+          </p:cNvPr>
+          <p:cNvPicPr>
+            <a:picLocks noChangeAspect="1"/>
+          </p:cNvPicPr>
+          <p:nvPr/>
+        </p:nvPicPr>
+        <p:blipFill>
+          <a:blip r:embed="rId3"/>
+          <a:stretch>
+            <a:fillRect/>
+          </a:stretch>
+        </p:blipFill>
+        <p:spPr>
+          <a:xfrm>
+            <a:off x="3292250" y="1748663"/>
+            <a:ext cx="5644923" cy="4619482"/>
+          </a:xfrm>
+          <a:prstGeom prst="rect">
+            <a:avLst/>
+          </a:prstGeom>
+        </p:spPr>
+      </p:pic>
+      <p:sp>
+        <p:nvSpPr>
+          <p:cNvPr id="7" name="Title 1">
+            <a:extLst>
+              <a:ext uri="{FF2B5EF4-FFF2-40B4-BE49-F238E27FC236}">
+                <a16:creationId xmlns:a16="http://schemas.microsoft.com/office/drawing/2014/main" id="{F9EB4E71-0206-4055-9A7F-0712B920CEDB}"/>
+              </a:ext>
+            </a:extLst>
+          </p:cNvPr>
+          <p:cNvSpPr txBox="1">
+            <a:spLocks/>
+          </p:cNvSpPr>
+          <p:nvPr/>
+        </p:nvSpPr>
+        <p:spPr>
+          <a:xfrm>
+            <a:off x="3292250" y="1016012"/>
+            <a:ext cx="5644923" cy="732651"/>
+          </a:xfrm>
+          <a:prstGeom prst="rect">
+            <a:avLst/>
+          </a:prstGeom>
+          <a:solidFill>
+            <a:schemeClr val="bg1"/>
+          </a:solidFill>
+        </p:spPr>
+        <p:txBody>
+          <a:bodyPr vert="horz" lIns="91440" tIns="45720" rIns="91440" bIns="45720" rtlCol="0" anchor="ctr">
+            <a:normAutofit/>
+          </a:bodyPr>
+          <a:lstStyle>
+            <a:lvl1pPr algn="l" defTabSz="914400" rtl="0" eaLnBrk="1" latinLnBrk="0" hangingPunct="1">
+              <a:lnSpc>
+                <a:spcPct val="90000"/>
+              </a:lnSpc>
+              <a:spcBef>
+                <a:spcPct val="0"/>
+              </a:spcBef>
+              <a:buNone/>
+              <a:defRPr lang="en-US" sz="4000" i="0" kern="1200" cap="none" spc="0" baseline="0" dirty="0">
+                <a:solidFill>
+                  <a:schemeClr val="tx1">
+                    <a:lumMod val="85000"/>
+                    <a:lumOff val="15000"/>
+                  </a:schemeClr>
+                </a:solidFill>
+                <a:effectLst/>
+                <a:latin typeface="+mj-lt"/>
+                <a:ea typeface="+mn-ea"/>
+                <a:cs typeface="+mn-cs"/>
+              </a:defRPr>
+            </a:lvl1pPr>
+          </a:lstStyle>
+          <a:p>
+            <a:pPr algn="ctr"/>
+            <a:r>
+              <a:rPr lang="en-US" sz="2400" b="1" dirty="0"/>
+              <a:t>Tax Cuts and Jobs Act of 2017</a:t>
+            </a:r>
+          </a:p>
+        </p:txBody>
+      </p:sp>
+    </p:spTree>
+    <p:extLst>
+      <p:ext uri="{BB962C8B-B14F-4D97-AF65-F5344CB8AC3E}">
+        <p14:creationId xmlns:p14="http://schemas.microsoft.com/office/powerpoint/2010/main" val="3430536628"/>
+      </p:ext>
+    </p:extLst>
+  </p:cSld>
+  <p:clrMapOvr>
+    <a:masterClrMapping/>
+  </p:clrMapOvr>
+</p:sld>
+</file>
+
+<file path=ppt/slides/slide15.xml><?xml version="1.0" encoding="utf-8"?>
+<p:sld xmlns:a="http://schemas.openxmlformats.org/drawingml/2006/main" xmlns:r="http://schemas.openxmlformats.org/officeDocument/2006/relationships" xmlns:p="http://schemas.openxmlformats.org/presentationml/2006/main">
+  <p:cSld>
+    <p:spTree>
+      <p:nvGrpSpPr>
+        <p:cNvPr id="1" name=""/>
+        <p:cNvGrpSpPr/>
+        <p:nvPr/>
+      </p:nvGrpSpPr>
+      <p:grpSpPr>
+        <a:xfrm>
+          <a:off x="0" y="0"/>
+          <a:ext cx="0" cy="0"/>
+          <a:chOff x="0" y="0"/>
+          <a:chExt cx="0" cy="0"/>
+        </a:xfrm>
+      </p:grpSpPr>
+      <p:sp>
+        <p:nvSpPr>
+          <p:cNvPr id="2" name="Title 1">
+            <a:extLst>
+              <a:ext uri="{FF2B5EF4-FFF2-40B4-BE49-F238E27FC236}">
                 <a16:creationId xmlns:a16="http://schemas.microsoft.com/office/drawing/2014/main" id="{3E071415-7295-499C-914B-4F81ED1876BE}"/>
               </a:ext>
             </a:extLst>
@@ -6150,7 +8205,7 @@
 </p:sld>
 </file>
 
-<file path=ppt/slides/slide11.xml><?xml version="1.0" encoding="utf-8"?>
+<file path=ppt/slides/slide16.xml><?xml version="1.0" encoding="utf-8"?>
 <p:sld xmlns:a="http://schemas.openxmlformats.org/drawingml/2006/main" xmlns:r="http://schemas.openxmlformats.org/officeDocument/2006/relationships" xmlns:p="http://schemas.openxmlformats.org/presentationml/2006/main">
   <p:cSld>
     <p:bg>
@@ -21731,8 +23786,8 @@
         </p:nvSpPr>
         <p:spPr>
           <a:xfrm>
-            <a:off x="1066800" y="642594"/>
-            <a:ext cx="10058400" cy="663692"/>
+            <a:off x="5914332" y="517903"/>
+            <a:ext cx="5931037" cy="663692"/>
           </a:xfrm>
         </p:spPr>
         <p:txBody>
@@ -21743,40 +23798,11 @@
           <a:p>
             <a:r>
               <a:rPr lang="en-US" b="1" dirty="0"/>
-              <a:t>Social, Economic, and Geographics Factors in Life Expectancy (Random Forest Analysis)</a:t>
+              <a:t>Methods- Correlation Graph</a:t>
             </a:r>
           </a:p>
         </p:txBody>
       </p:sp>
-      <p:pic>
-        <p:nvPicPr>
-          <p:cNvPr id="5" name="Content Placeholder 4">
-            <a:extLst>
-              <a:ext uri="{FF2B5EF4-FFF2-40B4-BE49-F238E27FC236}">
-                <a16:creationId xmlns:a16="http://schemas.microsoft.com/office/drawing/2014/main" id="{5699D2AA-A8DC-4555-A557-EA215778931D}"/>
-              </a:ext>
-            </a:extLst>
-          </p:cNvPr>
-          <p:cNvPicPr>
-            <a:picLocks noGrp="1" noChangeAspect="1"/>
-          </p:cNvPicPr>
-          <p:nvPr>
-            <p:ph idx="1"/>
-          </p:nvPr>
-        </p:nvPicPr>
-        <p:blipFill>
-          <a:blip r:embed="rId3"/>
-          <a:stretch>
-            <a:fillRect/>
-          </a:stretch>
-        </p:blipFill>
-        <p:spPr>
-          <a:xfrm>
-            <a:off x="801409" y="1842181"/>
-            <a:ext cx="4221039" cy="3849687"/>
-          </a:xfrm>
-        </p:spPr>
-      </p:pic>
       <p:sp>
         <p:nvSpPr>
           <p:cNvPr id="6" name="Rectangle 1">
@@ -21793,8 +23819,444 @@
         </p:nvSpPr>
         <p:spPr bwMode="auto">
           <a:xfrm>
-            <a:off x="5512204" y="1866032"/>
-            <a:ext cx="4774796" cy="984885"/>
+            <a:off x="6168736" y="2092406"/>
+            <a:ext cx="4774796" cy="2215991"/>
+          </a:xfrm>
+          <a:prstGeom prst="rect">
+            <a:avLst/>
+          </a:prstGeom>
+          <a:solidFill>
+            <a:srgbClr val="FFFFFF"/>
+          </a:solidFill>
+          <a:ln>
+            <a:noFill/>
+          </a:ln>
+          <a:effectLst/>
+          <a:extLst>
+            <a:ext uri="{91240B29-F687-4F45-9708-019B960494DF}">
+              <a14:hiddenLine xmlns:a14="http://schemas.microsoft.com/office/drawing/2010/main" w="9525">
+                <a:solidFill>
+                  <a:schemeClr val="tx1"/>
+                </a:solidFill>
+                <a:miter lim="800000"/>
+                <a:headEnd/>
+                <a:tailEnd/>
+              </a14:hiddenLine>
+            </a:ext>
+            <a:ext uri="{AF507438-7753-43E0-B8FC-AC1667EBCBE1}">
+              <a14:hiddenEffects xmlns:a14="http://schemas.microsoft.com/office/drawing/2010/main">
+                <a:effectLst>
+                  <a:outerShdw dist="35921" dir="2700000" algn="ctr" rotWithShape="0">
+                    <a:schemeClr val="bg2"/>
+                  </a:outerShdw>
+                </a:effectLst>
+              </a14:hiddenEffects>
+            </a:ext>
+          </a:extLst>
+        </p:spPr>
+        <p:txBody>
+          <a:bodyPr vert="horz" wrap="square" lIns="0" tIns="0" rIns="0" bIns="0" numCol="1" anchor="ctr" anchorCtr="0" compatLnSpc="1">
+            <a:prstTxWarp prst="textNoShape">
+              <a:avLst/>
+            </a:prstTxWarp>
+            <a:spAutoFit/>
+          </a:bodyPr>
+          <a:lstStyle/>
+          <a:p>
+            <a:pPr marL="0" marR="0" lvl="0" indent="0" algn="l" defTabSz="914400" rtl="0" eaLnBrk="0" fontAlgn="base" latinLnBrk="0" hangingPunct="0">
+              <a:lnSpc>
+                <a:spcPct val="100000"/>
+              </a:lnSpc>
+              <a:spcBef>
+                <a:spcPct val="0"/>
+              </a:spcBef>
+              <a:spcAft>
+                <a:spcPct val="0"/>
+              </a:spcAft>
+              <a:buClrTx/>
+              <a:buSzTx/>
+              <a:buFontTx/>
+              <a:buNone/>
+              <a:tabLst/>
+            </a:pPr>
+            <a:r>
+              <a:rPr lang="en-US" altLang="en-US" sz="1600" b="1" dirty="0">
+                <a:latin typeface="+mj-lt"/>
+                <a:cs typeface="Calibri" panose="020F0502020204030204" pitchFamily="34" charset="0"/>
+              </a:rPr>
+              <a:t>Correlation Heat Map indicates</a:t>
+            </a:r>
+          </a:p>
+          <a:p>
+            <a:pPr marL="0" marR="0" lvl="0" indent="0" algn="l" defTabSz="914400" rtl="0" eaLnBrk="0" fontAlgn="base" latinLnBrk="0" hangingPunct="0">
+              <a:lnSpc>
+                <a:spcPct val="100000"/>
+              </a:lnSpc>
+              <a:spcBef>
+                <a:spcPct val="0"/>
+              </a:spcBef>
+              <a:spcAft>
+                <a:spcPct val="0"/>
+              </a:spcAft>
+              <a:buClrTx/>
+              <a:buSzTx/>
+              <a:buFontTx/>
+              <a:buNone/>
+              <a:tabLst/>
+            </a:pPr>
+            <a:r>
+              <a:rPr kumimoji="0" lang="en-US" altLang="en-US" sz="1600" b="1" i="0" u="none" strike="noStrike" cap="none" normalizeH="0" baseline="0" dirty="0">
+                <a:ln>
+                  <a:noFill/>
+                </a:ln>
+                <a:solidFill>
+                  <a:schemeClr val="tx1"/>
+                </a:solidFill>
+                <a:effectLst/>
+                <a:latin typeface="+mj-lt"/>
+                <a:cs typeface="Calibri" panose="020F0502020204030204" pitchFamily="34" charset="0"/>
+              </a:rPr>
+              <a:t>0.61 </a:t>
+            </a:r>
+            <a:r>
+              <a:rPr lang="en-US" altLang="en-US" sz="1600" b="1" dirty="0">
+                <a:latin typeface="+mj-lt"/>
+                <a:cs typeface="Calibri" panose="020F0502020204030204" pitchFamily="34" charset="0"/>
+              </a:rPr>
+              <a:t>positive </a:t>
+            </a:r>
+            <a:r>
+              <a:rPr lang="en-US" altLang="en-US" sz="1600" b="1" dirty="0" err="1">
+                <a:latin typeface="+mj-lt"/>
+                <a:cs typeface="Calibri" panose="020F0502020204030204" pitchFamily="34" charset="0"/>
+              </a:rPr>
+              <a:t>corr</a:t>
+            </a:r>
+            <a:r>
+              <a:rPr lang="en-US" altLang="en-US" sz="1600" b="1" dirty="0">
+                <a:latin typeface="+mj-lt"/>
+                <a:cs typeface="Calibri" panose="020F0502020204030204" pitchFamily="34" charset="0"/>
+              </a:rPr>
+              <a:t> with median income</a:t>
+            </a:r>
+          </a:p>
+          <a:p>
+            <a:pPr marL="0" marR="0" lvl="0" indent="0" algn="l" defTabSz="914400" rtl="0" eaLnBrk="0" fontAlgn="base" latinLnBrk="0" hangingPunct="0">
+              <a:lnSpc>
+                <a:spcPct val="100000"/>
+              </a:lnSpc>
+              <a:spcBef>
+                <a:spcPct val="0"/>
+              </a:spcBef>
+              <a:spcAft>
+                <a:spcPct val="0"/>
+              </a:spcAft>
+              <a:buClrTx/>
+              <a:buSzTx/>
+              <a:buFontTx/>
+              <a:buNone/>
+              <a:tabLst/>
+            </a:pPr>
+            <a:r>
+              <a:rPr kumimoji="0" lang="en-US" altLang="en-US" sz="1600" b="1" i="0" u="none" strike="noStrike" cap="none" normalizeH="0" baseline="0" dirty="0">
+                <a:ln>
+                  <a:noFill/>
+                </a:ln>
+                <a:solidFill>
+                  <a:schemeClr val="tx1"/>
+                </a:solidFill>
+                <a:effectLst/>
+                <a:latin typeface="+mj-lt"/>
+                <a:cs typeface="Calibri" panose="020F0502020204030204" pitchFamily="34" charset="0"/>
+              </a:rPr>
+              <a:t>0.56 positive </a:t>
+            </a:r>
+            <a:r>
+              <a:rPr kumimoji="0" lang="en-US" altLang="en-US" sz="1600" b="1" i="0" u="none" strike="noStrike" cap="none" normalizeH="0" baseline="0" dirty="0" err="1">
+                <a:ln>
+                  <a:noFill/>
+                </a:ln>
+                <a:solidFill>
+                  <a:schemeClr val="tx1"/>
+                </a:solidFill>
+                <a:effectLst/>
+                <a:latin typeface="+mj-lt"/>
+                <a:cs typeface="Calibri" panose="020F0502020204030204" pitchFamily="34" charset="0"/>
+              </a:rPr>
+              <a:t>corr</a:t>
+            </a:r>
+            <a:r>
+              <a:rPr kumimoji="0" lang="en-US" altLang="en-US" sz="1600" b="1" i="0" u="none" strike="noStrike" cap="none" normalizeH="0" baseline="0" dirty="0">
+                <a:ln>
+                  <a:noFill/>
+                </a:ln>
+                <a:solidFill>
+                  <a:schemeClr val="tx1"/>
+                </a:solidFill>
+                <a:effectLst/>
+                <a:latin typeface="+mj-lt"/>
+                <a:cs typeface="Calibri" panose="020F0502020204030204" pitchFamily="34" charset="0"/>
+              </a:rPr>
+              <a:t> with fraction of population that have college degrees</a:t>
+            </a:r>
+          </a:p>
+          <a:p>
+            <a:pPr marL="0" marR="0" lvl="0" indent="0" algn="l" defTabSz="914400" rtl="0" eaLnBrk="0" fontAlgn="base" latinLnBrk="0" hangingPunct="0">
+              <a:lnSpc>
+                <a:spcPct val="100000"/>
+              </a:lnSpc>
+              <a:spcBef>
+                <a:spcPct val="0"/>
+              </a:spcBef>
+              <a:spcAft>
+                <a:spcPct val="0"/>
+              </a:spcAft>
+              <a:buClrTx/>
+              <a:buSzTx/>
+              <a:buFontTx/>
+              <a:buNone/>
+              <a:tabLst/>
+            </a:pPr>
+            <a:r>
+              <a:rPr lang="en-US" altLang="en-US" sz="1600" b="1" dirty="0">
+                <a:latin typeface="+mj-lt"/>
+                <a:cs typeface="Calibri" panose="020F0502020204030204" pitchFamily="34" charset="0"/>
+              </a:rPr>
+              <a:t>0.47 positive </a:t>
+            </a:r>
+            <a:r>
+              <a:rPr lang="en-US" altLang="en-US" sz="1600" b="1" dirty="0" err="1">
+                <a:latin typeface="+mj-lt"/>
+                <a:cs typeface="Calibri" panose="020F0502020204030204" pitchFamily="34" charset="0"/>
+              </a:rPr>
+              <a:t>corr</a:t>
+            </a:r>
+            <a:r>
+              <a:rPr lang="en-US" altLang="en-US" sz="1600" b="1" dirty="0">
+                <a:latin typeface="+mj-lt"/>
+                <a:cs typeface="Calibri" panose="020F0502020204030204" pitchFamily="34" charset="0"/>
+              </a:rPr>
+              <a:t> with higher rent</a:t>
+            </a:r>
+          </a:p>
+          <a:p>
+            <a:pPr marL="0" marR="0" lvl="0" indent="0" algn="l" defTabSz="914400" rtl="0" eaLnBrk="0" fontAlgn="base" latinLnBrk="0" hangingPunct="0">
+              <a:lnSpc>
+                <a:spcPct val="100000"/>
+              </a:lnSpc>
+              <a:spcBef>
+                <a:spcPct val="0"/>
+              </a:spcBef>
+              <a:spcAft>
+                <a:spcPct val="0"/>
+              </a:spcAft>
+              <a:buClrTx/>
+              <a:buSzTx/>
+              <a:buFontTx/>
+              <a:buNone/>
+              <a:tabLst/>
+            </a:pPr>
+            <a:r>
+              <a:rPr lang="en-US" altLang="en-US" sz="1600" b="1" dirty="0">
+                <a:latin typeface="+mj-lt"/>
+                <a:cs typeface="Calibri" panose="020F0502020204030204" pitchFamily="34" charset="0"/>
+              </a:rPr>
+              <a:t>0.54 negative </a:t>
+            </a:r>
+            <a:r>
+              <a:rPr lang="en-US" altLang="en-US" sz="1600" b="1" dirty="0" err="1">
+                <a:latin typeface="+mj-lt"/>
+                <a:cs typeface="Calibri" panose="020F0502020204030204" pitchFamily="34" charset="0"/>
+              </a:rPr>
+              <a:t>corr</a:t>
+            </a:r>
+            <a:r>
+              <a:rPr lang="en-US" altLang="en-US" sz="1600" b="1" dirty="0">
+                <a:latin typeface="+mj-lt"/>
+                <a:cs typeface="Calibri" panose="020F0502020204030204" pitchFamily="34" charset="0"/>
+              </a:rPr>
+              <a:t> with fraction of population that is poor</a:t>
+            </a:r>
+          </a:p>
+          <a:p>
+            <a:pPr marL="0" marR="0" lvl="0" indent="0" algn="l" defTabSz="914400" rtl="0" eaLnBrk="0" fontAlgn="base" latinLnBrk="0" hangingPunct="0">
+              <a:lnSpc>
+                <a:spcPct val="100000"/>
+              </a:lnSpc>
+              <a:spcBef>
+                <a:spcPct val="0"/>
+              </a:spcBef>
+              <a:spcAft>
+                <a:spcPct val="0"/>
+              </a:spcAft>
+              <a:buClrTx/>
+              <a:buSzTx/>
+              <a:buFontTx/>
+              <a:buNone/>
+              <a:tabLst/>
+            </a:pPr>
+            <a:r>
+              <a:rPr lang="en-US" altLang="en-US" sz="1600" b="1" dirty="0">
+                <a:latin typeface="+mj-lt"/>
+                <a:cs typeface="Calibri" panose="020F0502020204030204" pitchFamily="34" charset="0"/>
+              </a:rPr>
+              <a:t>0.51 neg </a:t>
+            </a:r>
+            <a:r>
+              <a:rPr lang="en-US" altLang="en-US" sz="1600" b="1" dirty="0" err="1">
+                <a:latin typeface="+mj-lt"/>
+                <a:cs typeface="Calibri" panose="020F0502020204030204" pitchFamily="34" charset="0"/>
+              </a:rPr>
+              <a:t>corr</a:t>
+            </a:r>
+            <a:r>
+              <a:rPr lang="en-US" altLang="en-US" sz="1600" b="1" dirty="0">
+                <a:latin typeface="+mj-lt"/>
+                <a:cs typeface="Calibri" panose="020F0502020204030204" pitchFamily="34" charset="0"/>
+              </a:rPr>
+              <a:t> </a:t>
+            </a:r>
+            <a:r>
+              <a:rPr lang="en-US" altLang="en-US" sz="1600" b="1" dirty="0" err="1">
+                <a:latin typeface="+mj-lt"/>
+                <a:cs typeface="Calibri" panose="020F0502020204030204" pitchFamily="34" charset="0"/>
+              </a:rPr>
+              <a:t>elationwith</a:t>
+            </a:r>
+            <a:r>
+              <a:rPr lang="en-US" altLang="en-US" sz="1600" b="1" dirty="0">
+                <a:latin typeface="+mj-lt"/>
+                <a:cs typeface="Calibri" panose="020F0502020204030204" pitchFamily="34" charset="0"/>
+              </a:rPr>
+              <a:t> single parent households</a:t>
+            </a:r>
+            <a:endParaRPr kumimoji="0" lang="en-US" altLang="en-US" sz="1600" b="1" i="0" u="none" strike="noStrike" cap="none" normalizeH="0" baseline="0" dirty="0">
+              <a:ln>
+                <a:noFill/>
+              </a:ln>
+              <a:solidFill>
+                <a:schemeClr val="tx1"/>
+              </a:solidFill>
+              <a:effectLst/>
+              <a:latin typeface="+mj-lt"/>
+              <a:cs typeface="Calibri" panose="020F0502020204030204" pitchFamily="34" charset="0"/>
+            </a:endParaRPr>
+          </a:p>
+        </p:txBody>
+      </p:sp>
+      <p:pic>
+        <p:nvPicPr>
+          <p:cNvPr id="10" name="Picture 9">
+            <a:extLst>
+              <a:ext uri="{FF2B5EF4-FFF2-40B4-BE49-F238E27FC236}">
+                <a16:creationId xmlns:a16="http://schemas.microsoft.com/office/drawing/2014/main" id="{6009A7AC-25C8-40AD-A634-41787A513CBC}"/>
+              </a:ext>
+            </a:extLst>
+          </p:cNvPr>
+          <p:cNvPicPr>
+            <a:picLocks noChangeAspect="1"/>
+          </p:cNvPicPr>
+          <p:nvPr/>
+        </p:nvPicPr>
+        <p:blipFill>
+          <a:blip r:embed="rId3"/>
+          <a:stretch>
+            <a:fillRect/>
+          </a:stretch>
+        </p:blipFill>
+        <p:spPr>
+          <a:xfrm>
+            <a:off x="346631" y="566305"/>
+            <a:ext cx="5304848" cy="5953991"/>
+          </a:xfrm>
+          <a:prstGeom prst="rect">
+            <a:avLst/>
+          </a:prstGeom>
+        </p:spPr>
+      </p:pic>
+    </p:spTree>
+    <p:extLst>
+      <p:ext uri="{BB962C8B-B14F-4D97-AF65-F5344CB8AC3E}">
+        <p14:creationId xmlns:p14="http://schemas.microsoft.com/office/powerpoint/2010/main" val="1745241073"/>
+      </p:ext>
+    </p:extLst>
+  </p:cSld>
+  <p:clrMapOvr>
+    <a:masterClrMapping/>
+  </p:clrMapOvr>
+</p:sld>
+</file>
+
+<file path=ppt/slides/slide6.xml><?xml version="1.0" encoding="utf-8"?>
+<p:sld xmlns:a="http://schemas.openxmlformats.org/drawingml/2006/main" xmlns:r="http://schemas.openxmlformats.org/officeDocument/2006/relationships" xmlns:p="http://schemas.openxmlformats.org/presentationml/2006/main">
+  <p:cSld>
+    <p:spTree>
+      <p:nvGrpSpPr>
+        <p:cNvPr id="1" name=""/>
+        <p:cNvGrpSpPr/>
+        <p:nvPr/>
+      </p:nvGrpSpPr>
+      <p:grpSpPr>
+        <a:xfrm>
+          <a:off x="0" y="0"/>
+          <a:ext cx="0" cy="0"/>
+          <a:chOff x="0" y="0"/>
+          <a:chExt cx="0" cy="0"/>
+        </a:xfrm>
+      </p:grpSpPr>
+      <p:sp>
+        <p:nvSpPr>
+          <p:cNvPr id="2" name="Title 1">
+            <a:extLst>
+              <a:ext uri="{FF2B5EF4-FFF2-40B4-BE49-F238E27FC236}">
+                <a16:creationId xmlns:a16="http://schemas.microsoft.com/office/drawing/2014/main" id="{649037D2-1D18-44AE-8962-11A86DC2D019}"/>
+              </a:ext>
+            </a:extLst>
+          </p:cNvPr>
+          <p:cNvSpPr>
+            <a:spLocks noGrp="1"/>
+          </p:cNvSpPr>
+          <p:nvPr>
+            <p:ph type="title"/>
+          </p:nvPr>
+        </p:nvSpPr>
+        <p:spPr>
+          <a:xfrm>
+            <a:off x="1149927" y="465947"/>
+            <a:ext cx="10058400" cy="663692"/>
+          </a:xfrm>
+        </p:spPr>
+        <p:txBody>
+          <a:bodyPr>
+            <a:normAutofit/>
+          </a:bodyPr>
+          <a:lstStyle/>
+          <a:p>
+            <a:r>
+              <a:rPr lang="en-US" b="1" dirty="0"/>
+              <a:t>Methods- Decision Tree Model</a:t>
+            </a:r>
+          </a:p>
+        </p:txBody>
+      </p:sp>
+      <p:sp>
+        <p:nvSpPr>
+          <p:cNvPr id="6" name="Rectangle 1">
+            <a:extLst>
+              <a:ext uri="{FF2B5EF4-FFF2-40B4-BE49-F238E27FC236}">
+                <a16:creationId xmlns:a16="http://schemas.microsoft.com/office/drawing/2014/main" id="{175F1DF0-85D1-42AA-9867-737303E1B833}"/>
+              </a:ext>
+            </a:extLst>
+          </p:cNvPr>
+          <p:cNvSpPr>
+            <a:spLocks noChangeArrowheads="1"/>
+          </p:cNvSpPr>
+          <p:nvPr/>
+        </p:nvSpPr>
+        <p:spPr bwMode="auto">
+          <a:xfrm>
+            <a:off x="596524" y="1150423"/>
+            <a:ext cx="10998951" cy="2462213"/>
           </a:xfrm>
           <a:prstGeom prst="rect">
             <a:avLst/>
@@ -21865,6 +24327,1531 @@
                 <a:latin typeface="+mj-lt"/>
                 <a:cs typeface="Calibri" panose="020F0502020204030204" pitchFamily="34" charset="0"/>
               </a:rPr>
+              <a:t>For the Decision Tree model, 7 features based on social</a:t>
+            </a:r>
+            <a:r>
+              <a:rPr lang="en-US" altLang="en-US" sz="1600" b="1" dirty="0">
+                <a:solidFill>
+                  <a:srgbClr val="000000"/>
+                </a:solidFill>
+                <a:latin typeface="+mj-lt"/>
+                <a:cs typeface="Calibri" panose="020F0502020204030204" pitchFamily="34" charset="0"/>
+              </a:rPr>
+              <a:t> and</a:t>
+            </a:r>
+            <a:r>
+              <a:rPr kumimoji="0" lang="en-US" altLang="en-US" sz="1600" b="1" i="0" u="none" strike="noStrike" cap="none" normalizeH="0" baseline="0" dirty="0">
+                <a:ln>
+                  <a:noFill/>
+                </a:ln>
+                <a:solidFill>
+                  <a:srgbClr val="000000"/>
+                </a:solidFill>
+                <a:effectLst/>
+                <a:latin typeface="+mj-lt"/>
+                <a:cs typeface="Calibri" panose="020F0502020204030204" pitchFamily="34" charset="0"/>
+              </a:rPr>
+              <a:t> economic </a:t>
+            </a:r>
+            <a:r>
+              <a:rPr lang="en-US" altLang="en-US" sz="1600" b="1" dirty="0">
+                <a:solidFill>
+                  <a:srgbClr val="000000"/>
+                </a:solidFill>
+                <a:latin typeface="+mj-lt"/>
+                <a:cs typeface="Calibri" panose="020F0502020204030204" pitchFamily="34" charset="0"/>
+              </a:rPr>
+              <a:t>characteristics of US counties/tract </a:t>
+            </a:r>
+            <a:r>
+              <a:rPr kumimoji="0" lang="en-US" altLang="en-US" sz="1600" b="1" i="0" u="none" strike="noStrike" cap="none" normalizeH="0" baseline="0" dirty="0">
+                <a:ln>
+                  <a:noFill/>
+                </a:ln>
+                <a:solidFill>
+                  <a:srgbClr val="000000"/>
+                </a:solidFill>
+                <a:effectLst/>
+                <a:latin typeface="+mj-lt"/>
+                <a:cs typeface="Calibri" panose="020F0502020204030204" pitchFamily="34" charset="0"/>
+              </a:rPr>
+              <a:t>were used in determining their correlation to life expectancy </a:t>
+            </a:r>
+          </a:p>
+          <a:p>
+            <a:pPr marL="0" marR="0" lvl="0" indent="0" algn="l" defTabSz="914400" rtl="0" eaLnBrk="0" fontAlgn="base" latinLnBrk="0" hangingPunct="0">
+              <a:lnSpc>
+                <a:spcPct val="100000"/>
+              </a:lnSpc>
+              <a:spcBef>
+                <a:spcPct val="0"/>
+              </a:spcBef>
+              <a:spcAft>
+                <a:spcPct val="0"/>
+              </a:spcAft>
+              <a:buClrTx/>
+              <a:buSzTx/>
+              <a:buFontTx/>
+              <a:buNone/>
+              <a:tabLst/>
+            </a:pPr>
+            <a:r>
+              <a:rPr kumimoji="0" lang="en-US" altLang="en-US" sz="1600" b="1" i="0" u="none" strike="noStrike" cap="none" normalizeH="0" baseline="0" dirty="0" err="1">
+                <a:ln>
+                  <a:noFill/>
+                </a:ln>
+                <a:solidFill>
+                  <a:srgbClr val="000000"/>
+                </a:solidFill>
+                <a:effectLst/>
+                <a:latin typeface="+mj-lt"/>
+                <a:cs typeface="Calibri" panose="020F0502020204030204" pitchFamily="34" charset="0"/>
+              </a:rPr>
+              <a:t>feature_cols</a:t>
+            </a:r>
+            <a:r>
+              <a:rPr kumimoji="0" lang="en-US" altLang="en-US" sz="1600" b="1" i="0" u="none" strike="noStrike" cap="none" normalizeH="0" baseline="0" dirty="0">
+                <a:ln>
+                  <a:noFill/>
+                </a:ln>
+                <a:solidFill>
+                  <a:srgbClr val="000000"/>
+                </a:solidFill>
+                <a:effectLst/>
+                <a:latin typeface="+mj-lt"/>
+                <a:cs typeface="Calibri" panose="020F0502020204030204" pitchFamily="34" charset="0"/>
+              </a:rPr>
+              <a:t> = ['tract', '</a:t>
+            </a:r>
+            <a:r>
+              <a:rPr kumimoji="0" lang="en-US" altLang="en-US" sz="1600" b="1" i="0" u="none" strike="noStrike" cap="none" normalizeH="0" baseline="0" dirty="0" err="1">
+                <a:ln>
+                  <a:noFill/>
+                </a:ln>
+                <a:solidFill>
+                  <a:srgbClr val="000000"/>
+                </a:solidFill>
+                <a:effectLst/>
+                <a:latin typeface="+mj-lt"/>
+                <a:cs typeface="Calibri" panose="020F0502020204030204" pitchFamily="34" charset="0"/>
+              </a:rPr>
+              <a:t>czname</a:t>
+            </a:r>
+            <a:r>
+              <a:rPr kumimoji="0" lang="en-US" altLang="en-US" sz="1600" b="1" i="0" u="none" strike="noStrike" cap="none" normalizeH="0" baseline="0" dirty="0">
+                <a:ln>
+                  <a:noFill/>
+                </a:ln>
+                <a:solidFill>
+                  <a:srgbClr val="000000"/>
+                </a:solidFill>
+                <a:effectLst/>
+                <a:latin typeface="+mj-lt"/>
+                <a:cs typeface="Calibri" panose="020F0502020204030204" pitchFamily="34" charset="0"/>
+              </a:rPr>
+              <a:t>', 'county', 'state','frac_coll_plus2010',</a:t>
+            </a:r>
+          </a:p>
+          <a:p>
+            <a:pPr marL="0" marR="0" lvl="0" indent="0" algn="l" defTabSz="914400" rtl="0" eaLnBrk="0" fontAlgn="base" latinLnBrk="0" hangingPunct="0">
+              <a:lnSpc>
+                <a:spcPct val="100000"/>
+              </a:lnSpc>
+              <a:spcBef>
+                <a:spcPct val="0"/>
+              </a:spcBef>
+              <a:spcAft>
+                <a:spcPct val="0"/>
+              </a:spcAft>
+              <a:buClrTx/>
+              <a:buSzTx/>
+              <a:buFontTx/>
+              <a:buNone/>
+              <a:tabLst/>
+            </a:pPr>
+            <a:r>
+              <a:rPr kumimoji="0" lang="en-US" altLang="en-US" sz="1600" b="1" i="0" u="none" strike="noStrike" cap="none" normalizeH="0" baseline="0" dirty="0">
+                <a:ln>
+                  <a:noFill/>
+                </a:ln>
+                <a:solidFill>
+                  <a:srgbClr val="000000"/>
+                </a:solidFill>
+                <a:effectLst/>
+                <a:latin typeface="+mj-lt"/>
+                <a:cs typeface="Calibri" panose="020F0502020204030204" pitchFamily="34" charset="0"/>
+              </a:rPr>
+              <a:t>       'foreign_share2010', 'med_hhinc2016', 'poor_share2010’,      'singleparent_share2010','traveltime15_2010', '</a:t>
+            </a:r>
+            <a:r>
+              <a:rPr kumimoji="0" lang="en-US" altLang="en-US" sz="1600" b="1" i="0" u="none" strike="noStrike" cap="none" normalizeH="0" baseline="0" dirty="0" err="1">
+                <a:ln>
+                  <a:noFill/>
+                </a:ln>
+                <a:solidFill>
+                  <a:srgbClr val="000000"/>
+                </a:solidFill>
+                <a:effectLst/>
+                <a:latin typeface="+mj-lt"/>
+                <a:cs typeface="Calibri" panose="020F0502020204030204" pitchFamily="34" charset="0"/>
+              </a:rPr>
+              <a:t>ln_wage_growth_hs_grad</a:t>
+            </a:r>
+            <a:r>
+              <a:rPr kumimoji="0" lang="en-US" altLang="en-US" sz="1600" b="1" i="0" u="none" strike="noStrike" cap="none" normalizeH="0" baseline="0" dirty="0">
+                <a:ln>
+                  <a:noFill/>
+                </a:ln>
+                <a:solidFill>
+                  <a:srgbClr val="000000"/>
+                </a:solidFill>
+                <a:effectLst/>
+                <a:latin typeface="+mj-lt"/>
+                <a:cs typeface="Calibri" panose="020F0502020204030204" pitchFamily="34" charset="0"/>
+              </a:rPr>
+              <a:t>', 'jobs_total_5mi_2015’,  'jobs_highpay_5mi_2015', 'popdensity2010',</a:t>
+            </a:r>
+          </a:p>
+          <a:p>
+            <a:pPr marL="0" marR="0" lvl="0" indent="0" algn="l" defTabSz="914400" rtl="0" eaLnBrk="0" fontAlgn="base" latinLnBrk="0" hangingPunct="0">
+              <a:lnSpc>
+                <a:spcPct val="100000"/>
+              </a:lnSpc>
+              <a:spcBef>
+                <a:spcPct val="0"/>
+              </a:spcBef>
+              <a:spcAft>
+                <a:spcPct val="0"/>
+              </a:spcAft>
+              <a:buClrTx/>
+              <a:buSzTx/>
+              <a:buFontTx/>
+              <a:buNone/>
+              <a:tabLst/>
+            </a:pPr>
+            <a:r>
+              <a:rPr kumimoji="0" lang="en-US" altLang="en-US" sz="1600" b="1" i="0" u="none" strike="noStrike" cap="none" normalizeH="0" baseline="0" dirty="0">
+                <a:ln>
+                  <a:noFill/>
+                </a:ln>
+                <a:solidFill>
+                  <a:srgbClr val="000000"/>
+                </a:solidFill>
+                <a:effectLst/>
+                <a:latin typeface="+mj-lt"/>
+                <a:cs typeface="Calibri" panose="020F0502020204030204" pitchFamily="34" charset="0"/>
+              </a:rPr>
+              <a:t>       'ann_avg_job_growth_2004_2013', 'job_density_2013']</a:t>
+            </a:r>
+          </a:p>
+          <a:p>
+            <a:pPr marL="0" marR="0" lvl="0" indent="0" algn="l" defTabSz="914400" rtl="0" eaLnBrk="0" fontAlgn="base" latinLnBrk="0" hangingPunct="0">
+              <a:lnSpc>
+                <a:spcPct val="100000"/>
+              </a:lnSpc>
+              <a:spcBef>
+                <a:spcPct val="0"/>
+              </a:spcBef>
+              <a:spcAft>
+                <a:spcPct val="0"/>
+              </a:spcAft>
+              <a:buClrTx/>
+              <a:buSzTx/>
+              <a:buFontTx/>
+              <a:buNone/>
+              <a:tabLst/>
+            </a:pPr>
+            <a:r>
+              <a:rPr kumimoji="0" lang="en-US" altLang="en-US" sz="1600" b="1" i="0" u="none" strike="noStrike" cap="none" normalizeH="0" baseline="0" dirty="0">
+                <a:ln>
+                  <a:noFill/>
+                </a:ln>
+                <a:solidFill>
+                  <a:srgbClr val="000000"/>
+                </a:solidFill>
+                <a:effectLst/>
+                <a:latin typeface="+mj-lt"/>
+                <a:cs typeface="Calibri" panose="020F0502020204030204" pitchFamily="34" charset="0"/>
+              </a:rPr>
+              <a:t>X = </a:t>
+            </a:r>
+            <a:r>
+              <a:rPr kumimoji="0" lang="en-US" altLang="en-US" sz="1600" b="1" i="0" u="none" strike="noStrike" cap="none" normalizeH="0" baseline="0" dirty="0" err="1">
+                <a:ln>
+                  <a:noFill/>
+                </a:ln>
+                <a:solidFill>
+                  <a:srgbClr val="000000"/>
+                </a:solidFill>
+                <a:effectLst/>
+                <a:latin typeface="+mj-lt"/>
+                <a:cs typeface="Calibri" panose="020F0502020204030204" pitchFamily="34" charset="0"/>
+              </a:rPr>
+              <a:t>abridged_df</a:t>
+            </a:r>
+            <a:r>
+              <a:rPr kumimoji="0" lang="en-US" altLang="en-US" sz="1600" b="1" i="0" u="none" strike="noStrike" cap="none" normalizeH="0" baseline="0" dirty="0">
+                <a:ln>
+                  <a:noFill/>
+                </a:ln>
+                <a:solidFill>
+                  <a:srgbClr val="000000"/>
+                </a:solidFill>
+                <a:effectLst/>
+                <a:latin typeface="+mj-lt"/>
+                <a:cs typeface="Calibri" panose="020F0502020204030204" pitchFamily="34" charset="0"/>
+              </a:rPr>
+              <a:t>[</a:t>
+            </a:r>
+            <a:r>
+              <a:rPr kumimoji="0" lang="en-US" altLang="en-US" sz="1600" b="1" i="0" u="none" strike="noStrike" cap="none" normalizeH="0" baseline="0" dirty="0" err="1">
+                <a:ln>
+                  <a:noFill/>
+                </a:ln>
+                <a:solidFill>
+                  <a:srgbClr val="000000"/>
+                </a:solidFill>
+                <a:effectLst/>
+                <a:latin typeface="+mj-lt"/>
+                <a:cs typeface="Calibri" panose="020F0502020204030204" pitchFamily="34" charset="0"/>
+              </a:rPr>
+              <a:t>feature_cols</a:t>
+            </a:r>
+            <a:r>
+              <a:rPr kumimoji="0" lang="en-US" altLang="en-US" sz="1600" b="1" i="0" u="none" strike="noStrike" cap="none" normalizeH="0" baseline="0" dirty="0">
+                <a:ln>
+                  <a:noFill/>
+                </a:ln>
+                <a:solidFill>
+                  <a:srgbClr val="000000"/>
+                </a:solidFill>
+                <a:effectLst/>
+                <a:latin typeface="+mj-lt"/>
+                <a:cs typeface="Calibri" panose="020F0502020204030204" pitchFamily="34" charset="0"/>
+              </a:rPr>
+              <a:t>]</a:t>
+            </a:r>
+          </a:p>
+          <a:p>
+            <a:pPr marL="0" marR="0" lvl="0" indent="0" algn="l" defTabSz="914400" rtl="0" eaLnBrk="0" fontAlgn="base" latinLnBrk="0" hangingPunct="0">
+              <a:lnSpc>
+                <a:spcPct val="100000"/>
+              </a:lnSpc>
+              <a:spcBef>
+                <a:spcPct val="0"/>
+              </a:spcBef>
+              <a:spcAft>
+                <a:spcPct val="0"/>
+              </a:spcAft>
+              <a:buClrTx/>
+              <a:buSzTx/>
+              <a:buFontTx/>
+              <a:buNone/>
+              <a:tabLst/>
+            </a:pPr>
+            <a:r>
+              <a:rPr kumimoji="0" lang="en-US" altLang="en-US" sz="1600" b="1" i="0" u="none" strike="noStrike" cap="none" normalizeH="0" baseline="0" dirty="0">
+                <a:ln>
+                  <a:noFill/>
+                </a:ln>
+                <a:solidFill>
+                  <a:srgbClr val="000000"/>
+                </a:solidFill>
+                <a:effectLst/>
+                <a:latin typeface="+mj-lt"/>
+                <a:cs typeface="Calibri" panose="020F0502020204030204" pitchFamily="34" charset="0"/>
+              </a:rPr>
+              <a:t>y = </a:t>
+            </a:r>
+            <a:r>
+              <a:rPr kumimoji="0" lang="en-US" altLang="en-US" sz="1600" b="1" i="0" u="none" strike="noStrike" cap="none" normalizeH="0" baseline="0" dirty="0" err="1">
+                <a:ln>
+                  <a:noFill/>
+                </a:ln>
+                <a:solidFill>
+                  <a:srgbClr val="000000"/>
+                </a:solidFill>
+                <a:effectLst/>
+                <a:latin typeface="+mj-lt"/>
+                <a:cs typeface="Calibri" panose="020F0502020204030204" pitchFamily="34" charset="0"/>
+              </a:rPr>
+              <a:t>abridged_df.Life_Expectancy</a:t>
+            </a:r>
+            <a:endParaRPr kumimoji="0" lang="en-US" altLang="en-US" sz="1600" b="1" i="0" u="none" strike="noStrike" cap="none" normalizeH="0" baseline="0" dirty="0">
+              <a:ln>
+                <a:noFill/>
+              </a:ln>
+              <a:solidFill>
+                <a:srgbClr val="000000"/>
+              </a:solidFill>
+              <a:effectLst/>
+              <a:latin typeface="+mj-lt"/>
+              <a:cs typeface="Calibri" panose="020F0502020204030204" pitchFamily="34" charset="0"/>
+            </a:endParaRPr>
+          </a:p>
+          <a:p>
+            <a:pPr marL="0" marR="0" lvl="0" indent="0" algn="l" defTabSz="914400" rtl="0" eaLnBrk="0" fontAlgn="base" latinLnBrk="0" hangingPunct="0">
+              <a:lnSpc>
+                <a:spcPct val="100000"/>
+              </a:lnSpc>
+              <a:spcBef>
+                <a:spcPct val="0"/>
+              </a:spcBef>
+              <a:spcAft>
+                <a:spcPct val="0"/>
+              </a:spcAft>
+              <a:buClrTx/>
+              <a:buSzTx/>
+              <a:buFontTx/>
+              <a:buNone/>
+              <a:tabLst/>
+            </a:pPr>
+            <a:r>
+              <a:rPr lang="en-US" sz="1600" b="1" dirty="0"/>
+              <a:t>DecisionTreeRegressor used </a:t>
+            </a:r>
+            <a:r>
+              <a:rPr lang="en-US" sz="1600" b="1" dirty="0" err="1"/>
+              <a:t>max_depth</a:t>
+            </a:r>
+            <a:r>
+              <a:rPr lang="en-US" sz="1600" b="1" dirty="0"/>
+              <a:t> (number of features used)=7, </a:t>
+            </a:r>
+            <a:r>
+              <a:rPr lang="en-US" sz="1600" b="1" dirty="0" err="1"/>
+              <a:t>random_state</a:t>
+            </a:r>
+            <a:r>
+              <a:rPr lang="en-US" sz="1600" b="1" dirty="0"/>
+              <a:t>=1</a:t>
+            </a:r>
+            <a:r>
+              <a:rPr lang="en-US" sz="1600" dirty="0"/>
+              <a:t>)</a:t>
+            </a:r>
+            <a:endParaRPr kumimoji="0" lang="en-US" altLang="en-US" sz="1600" b="1" i="0" u="none" strike="noStrike" cap="none" normalizeH="0" baseline="0" dirty="0">
+              <a:ln>
+                <a:noFill/>
+              </a:ln>
+              <a:solidFill>
+                <a:schemeClr val="tx1"/>
+              </a:solidFill>
+              <a:effectLst/>
+              <a:latin typeface="+mj-lt"/>
+              <a:cs typeface="Calibri" panose="020F0502020204030204" pitchFamily="34" charset="0"/>
+            </a:endParaRPr>
+          </a:p>
+        </p:txBody>
+      </p:sp>
+      <p:pic>
+        <p:nvPicPr>
+          <p:cNvPr id="11" name="Picture 10">
+            <a:extLst>
+              <a:ext uri="{FF2B5EF4-FFF2-40B4-BE49-F238E27FC236}">
+                <a16:creationId xmlns:a16="http://schemas.microsoft.com/office/drawing/2014/main" id="{285A2844-1A16-4239-A3C9-B3AF9230A552}"/>
+              </a:ext>
+            </a:extLst>
+          </p:cNvPr>
+          <p:cNvPicPr>
+            <a:picLocks noChangeAspect="1"/>
+          </p:cNvPicPr>
+          <p:nvPr/>
+        </p:nvPicPr>
+        <p:blipFill>
+          <a:blip r:embed="rId3"/>
+          <a:stretch>
+            <a:fillRect/>
+          </a:stretch>
+        </p:blipFill>
+        <p:spPr>
+          <a:xfrm>
+            <a:off x="596524" y="3571072"/>
+            <a:ext cx="10998952" cy="2819336"/>
+          </a:xfrm>
+          <a:prstGeom prst="rect">
+            <a:avLst/>
+          </a:prstGeom>
+        </p:spPr>
+      </p:pic>
+    </p:spTree>
+    <p:extLst>
+      <p:ext uri="{BB962C8B-B14F-4D97-AF65-F5344CB8AC3E}">
+        <p14:creationId xmlns:p14="http://schemas.microsoft.com/office/powerpoint/2010/main" val="338972354"/>
+      </p:ext>
+    </p:extLst>
+  </p:cSld>
+  <p:clrMapOvr>
+    <a:masterClrMapping/>
+  </p:clrMapOvr>
+</p:sld>
+</file>
+
+<file path=ppt/slides/slide7.xml><?xml version="1.0" encoding="utf-8"?>
+<p:sld xmlns:a="http://schemas.openxmlformats.org/drawingml/2006/main" xmlns:r="http://schemas.openxmlformats.org/officeDocument/2006/relationships" xmlns:p="http://schemas.openxmlformats.org/presentationml/2006/main">
+  <p:cSld>
+    <p:spTree>
+      <p:nvGrpSpPr>
+        <p:cNvPr id="1" name=""/>
+        <p:cNvGrpSpPr/>
+        <p:nvPr/>
+      </p:nvGrpSpPr>
+      <p:grpSpPr>
+        <a:xfrm>
+          <a:off x="0" y="0"/>
+          <a:ext cx="0" cy="0"/>
+          <a:chOff x="0" y="0"/>
+          <a:chExt cx="0" cy="0"/>
+        </a:xfrm>
+      </p:grpSpPr>
+      <p:sp>
+        <p:nvSpPr>
+          <p:cNvPr id="2" name="Title 1">
+            <a:extLst>
+              <a:ext uri="{FF2B5EF4-FFF2-40B4-BE49-F238E27FC236}">
+                <a16:creationId xmlns:a16="http://schemas.microsoft.com/office/drawing/2014/main" id="{649037D2-1D18-44AE-8962-11A86DC2D019}"/>
+              </a:ext>
+            </a:extLst>
+          </p:cNvPr>
+          <p:cNvSpPr>
+            <a:spLocks noGrp="1"/>
+          </p:cNvSpPr>
+          <p:nvPr>
+            <p:ph type="title"/>
+          </p:nvPr>
+        </p:nvSpPr>
+        <p:spPr>
+          <a:xfrm>
+            <a:off x="1066800" y="507511"/>
+            <a:ext cx="10058400" cy="663692"/>
+          </a:xfrm>
+        </p:spPr>
+        <p:txBody>
+          <a:bodyPr>
+            <a:normAutofit/>
+          </a:bodyPr>
+          <a:lstStyle/>
+          <a:p>
+            <a:r>
+              <a:rPr lang="en-US" b="1" dirty="0"/>
+              <a:t>Methods- Random Forest</a:t>
+            </a:r>
+          </a:p>
+        </p:txBody>
+      </p:sp>
+      <p:sp>
+        <p:nvSpPr>
+          <p:cNvPr id="6" name="Rectangle 1">
+            <a:extLst>
+              <a:ext uri="{FF2B5EF4-FFF2-40B4-BE49-F238E27FC236}">
+                <a16:creationId xmlns:a16="http://schemas.microsoft.com/office/drawing/2014/main" id="{175F1DF0-85D1-42AA-9867-737303E1B833}"/>
+              </a:ext>
+            </a:extLst>
+          </p:cNvPr>
+          <p:cNvSpPr>
+            <a:spLocks noChangeArrowheads="1"/>
+          </p:cNvSpPr>
+          <p:nvPr/>
+        </p:nvSpPr>
+        <p:spPr bwMode="auto">
+          <a:xfrm>
+            <a:off x="596524" y="1224980"/>
+            <a:ext cx="10998951" cy="4678204"/>
+          </a:xfrm>
+          <a:prstGeom prst="rect">
+            <a:avLst/>
+          </a:prstGeom>
+          <a:solidFill>
+            <a:srgbClr val="FFFFFF"/>
+          </a:solidFill>
+          <a:ln>
+            <a:noFill/>
+          </a:ln>
+          <a:effectLst/>
+          <a:extLst>
+            <a:ext uri="{91240B29-F687-4F45-9708-019B960494DF}">
+              <a14:hiddenLine xmlns:a14="http://schemas.microsoft.com/office/drawing/2010/main" w="9525">
+                <a:solidFill>
+                  <a:schemeClr val="tx1"/>
+                </a:solidFill>
+                <a:miter lim="800000"/>
+                <a:headEnd/>
+                <a:tailEnd/>
+              </a14:hiddenLine>
+            </a:ext>
+            <a:ext uri="{AF507438-7753-43E0-B8FC-AC1667EBCBE1}">
+              <a14:hiddenEffects xmlns:a14="http://schemas.microsoft.com/office/drawing/2010/main">
+                <a:effectLst>
+                  <a:outerShdw dist="35921" dir="2700000" algn="ctr" rotWithShape="0">
+                    <a:schemeClr val="bg2"/>
+                  </a:outerShdw>
+                </a:effectLst>
+              </a14:hiddenEffects>
+            </a:ext>
+          </a:extLst>
+        </p:spPr>
+        <p:txBody>
+          <a:bodyPr vert="horz" wrap="square" lIns="0" tIns="0" rIns="0" bIns="0" numCol="1" anchor="ctr" anchorCtr="0" compatLnSpc="1">
+            <a:prstTxWarp prst="textNoShape">
+              <a:avLst/>
+            </a:prstTxWarp>
+            <a:spAutoFit/>
+          </a:bodyPr>
+          <a:lstStyle/>
+          <a:p>
+            <a:pPr marL="0" marR="0" lvl="0" indent="0" algn="l" defTabSz="914400" rtl="0" eaLnBrk="0" fontAlgn="base" latinLnBrk="0" hangingPunct="0">
+              <a:lnSpc>
+                <a:spcPct val="100000"/>
+              </a:lnSpc>
+              <a:spcBef>
+                <a:spcPct val="0"/>
+              </a:spcBef>
+              <a:spcAft>
+                <a:spcPct val="0"/>
+              </a:spcAft>
+              <a:buClrTx/>
+              <a:buSzTx/>
+              <a:buFontTx/>
+              <a:buNone/>
+              <a:tabLst/>
+            </a:pPr>
+            <a:r>
+              <a:rPr kumimoji="0" lang="en-US" altLang="en-US" sz="1600" b="1" i="0" u="none" strike="noStrike" cap="none" normalizeH="0" baseline="0" dirty="0">
+                <a:ln>
+                  <a:noFill/>
+                </a:ln>
+                <a:solidFill>
+                  <a:srgbClr val="000000"/>
+                </a:solidFill>
+                <a:effectLst/>
+                <a:latin typeface="+mj-lt"/>
+                <a:cs typeface="Calibri" panose="020F0502020204030204" pitchFamily="34" charset="0"/>
+              </a:rPr>
+              <a:t>For the Random Forest model, 15 features based on social</a:t>
+            </a:r>
+            <a:r>
+              <a:rPr lang="en-US" altLang="en-US" sz="1600" b="1" dirty="0">
+                <a:solidFill>
+                  <a:srgbClr val="000000"/>
+                </a:solidFill>
+                <a:latin typeface="+mj-lt"/>
+                <a:cs typeface="Calibri" panose="020F0502020204030204" pitchFamily="34" charset="0"/>
+              </a:rPr>
+              <a:t> and</a:t>
+            </a:r>
+            <a:r>
+              <a:rPr kumimoji="0" lang="en-US" altLang="en-US" sz="1600" b="1" i="0" u="none" strike="noStrike" cap="none" normalizeH="0" baseline="0" dirty="0">
+                <a:ln>
+                  <a:noFill/>
+                </a:ln>
+                <a:solidFill>
+                  <a:srgbClr val="000000"/>
+                </a:solidFill>
+                <a:effectLst/>
+                <a:latin typeface="+mj-lt"/>
+                <a:cs typeface="Calibri" panose="020F0502020204030204" pitchFamily="34" charset="0"/>
+              </a:rPr>
+              <a:t> economic </a:t>
+            </a:r>
+            <a:r>
+              <a:rPr lang="en-US" altLang="en-US" sz="1600" b="1" dirty="0">
+                <a:solidFill>
+                  <a:srgbClr val="000000"/>
+                </a:solidFill>
+                <a:latin typeface="+mj-lt"/>
+                <a:cs typeface="Calibri" panose="020F0502020204030204" pitchFamily="34" charset="0"/>
+              </a:rPr>
+              <a:t>characteristics of US counties/tract </a:t>
+            </a:r>
+            <a:r>
+              <a:rPr kumimoji="0" lang="en-US" altLang="en-US" sz="1600" b="1" i="0" u="none" strike="noStrike" cap="none" normalizeH="0" baseline="0" dirty="0">
+                <a:ln>
+                  <a:noFill/>
+                </a:ln>
+                <a:solidFill>
+                  <a:srgbClr val="000000"/>
+                </a:solidFill>
+                <a:effectLst/>
+                <a:latin typeface="+mj-lt"/>
+                <a:cs typeface="Calibri" panose="020F0502020204030204" pitchFamily="34" charset="0"/>
+              </a:rPr>
+              <a:t>were used in determining their correlation to life expectancy </a:t>
+            </a:r>
+          </a:p>
+          <a:p>
+            <a:pPr marL="0" marR="0" lvl="0" indent="0" algn="l" defTabSz="914400" rtl="0" eaLnBrk="0" fontAlgn="base" latinLnBrk="0" hangingPunct="0">
+              <a:lnSpc>
+                <a:spcPct val="100000"/>
+              </a:lnSpc>
+              <a:spcBef>
+                <a:spcPct val="0"/>
+              </a:spcBef>
+              <a:spcAft>
+                <a:spcPct val="0"/>
+              </a:spcAft>
+              <a:buClrTx/>
+              <a:buSzTx/>
+              <a:buFontTx/>
+              <a:buNone/>
+              <a:tabLst/>
+            </a:pPr>
+            <a:r>
+              <a:rPr kumimoji="0" lang="en-US" altLang="en-US" sz="1600" b="1" i="0" u="none" strike="noStrike" cap="none" normalizeH="0" baseline="0" dirty="0" err="1">
+                <a:ln>
+                  <a:noFill/>
+                </a:ln>
+                <a:solidFill>
+                  <a:srgbClr val="000000"/>
+                </a:solidFill>
+                <a:effectLst/>
+                <a:latin typeface="+mj-lt"/>
+                <a:cs typeface="Calibri" panose="020F0502020204030204" pitchFamily="34" charset="0"/>
+              </a:rPr>
+              <a:t>feature_cols</a:t>
+            </a:r>
+            <a:r>
+              <a:rPr kumimoji="0" lang="en-US" altLang="en-US" sz="1600" b="1" i="0" u="none" strike="noStrike" cap="none" normalizeH="0" baseline="0" dirty="0">
+                <a:ln>
+                  <a:noFill/>
+                </a:ln>
+                <a:solidFill>
+                  <a:srgbClr val="000000"/>
+                </a:solidFill>
+                <a:effectLst/>
+                <a:latin typeface="+mj-lt"/>
+                <a:cs typeface="Calibri" panose="020F0502020204030204" pitchFamily="34" charset="0"/>
+              </a:rPr>
+              <a:t> = ['tract', '</a:t>
+            </a:r>
+            <a:r>
+              <a:rPr kumimoji="0" lang="en-US" altLang="en-US" sz="1600" b="1" i="0" u="none" strike="noStrike" cap="none" normalizeH="0" baseline="0" dirty="0" err="1">
+                <a:ln>
+                  <a:noFill/>
+                </a:ln>
+                <a:solidFill>
+                  <a:srgbClr val="000000"/>
+                </a:solidFill>
+                <a:effectLst/>
+                <a:latin typeface="+mj-lt"/>
+                <a:cs typeface="Calibri" panose="020F0502020204030204" pitchFamily="34" charset="0"/>
+              </a:rPr>
+              <a:t>czname</a:t>
+            </a:r>
+            <a:r>
+              <a:rPr kumimoji="0" lang="en-US" altLang="en-US" sz="1600" b="1" i="0" u="none" strike="noStrike" cap="none" normalizeH="0" baseline="0" dirty="0">
+                <a:ln>
+                  <a:noFill/>
+                </a:ln>
+                <a:solidFill>
+                  <a:srgbClr val="000000"/>
+                </a:solidFill>
+                <a:effectLst/>
+                <a:latin typeface="+mj-lt"/>
+                <a:cs typeface="Calibri" panose="020F0502020204030204" pitchFamily="34" charset="0"/>
+              </a:rPr>
+              <a:t>', 'county', 'state','frac_coll_plus2010',</a:t>
+            </a:r>
+          </a:p>
+          <a:p>
+            <a:pPr marL="0" marR="0" lvl="0" indent="0" algn="l" defTabSz="914400" rtl="0" eaLnBrk="0" fontAlgn="base" latinLnBrk="0" hangingPunct="0">
+              <a:lnSpc>
+                <a:spcPct val="100000"/>
+              </a:lnSpc>
+              <a:spcBef>
+                <a:spcPct val="0"/>
+              </a:spcBef>
+              <a:spcAft>
+                <a:spcPct val="0"/>
+              </a:spcAft>
+              <a:buClrTx/>
+              <a:buSzTx/>
+              <a:buFontTx/>
+              <a:buNone/>
+              <a:tabLst/>
+            </a:pPr>
+            <a:r>
+              <a:rPr kumimoji="0" lang="en-US" altLang="en-US" sz="1600" b="1" i="0" u="none" strike="noStrike" cap="none" normalizeH="0" baseline="0" dirty="0">
+                <a:ln>
+                  <a:noFill/>
+                </a:ln>
+                <a:solidFill>
+                  <a:srgbClr val="000000"/>
+                </a:solidFill>
+                <a:effectLst/>
+                <a:latin typeface="+mj-lt"/>
+                <a:cs typeface="Calibri" panose="020F0502020204030204" pitchFamily="34" charset="0"/>
+              </a:rPr>
+              <a:t>       'foreign_share2010', 'med_hhinc2016', 'poor_share2010’,      'singleparent_share2010','traveltime15_2010', '</a:t>
+            </a:r>
+            <a:r>
+              <a:rPr kumimoji="0" lang="en-US" altLang="en-US" sz="1600" b="1" i="0" u="none" strike="noStrike" cap="none" normalizeH="0" baseline="0" dirty="0" err="1">
+                <a:ln>
+                  <a:noFill/>
+                </a:ln>
+                <a:solidFill>
+                  <a:srgbClr val="000000"/>
+                </a:solidFill>
+                <a:effectLst/>
+                <a:latin typeface="+mj-lt"/>
+                <a:cs typeface="Calibri" panose="020F0502020204030204" pitchFamily="34" charset="0"/>
+              </a:rPr>
+              <a:t>ln_wage_growth_hs_grad</a:t>
+            </a:r>
+            <a:r>
+              <a:rPr kumimoji="0" lang="en-US" altLang="en-US" sz="1600" b="1" i="0" u="none" strike="noStrike" cap="none" normalizeH="0" baseline="0" dirty="0">
+                <a:ln>
+                  <a:noFill/>
+                </a:ln>
+                <a:solidFill>
+                  <a:srgbClr val="000000"/>
+                </a:solidFill>
+                <a:effectLst/>
+                <a:latin typeface="+mj-lt"/>
+                <a:cs typeface="Calibri" panose="020F0502020204030204" pitchFamily="34" charset="0"/>
+              </a:rPr>
+              <a:t>', 'jobs_total_5mi_2015',</a:t>
+            </a:r>
+          </a:p>
+          <a:p>
+            <a:pPr marL="0" marR="0" lvl="0" indent="0" algn="l" defTabSz="914400" rtl="0" eaLnBrk="0" fontAlgn="base" latinLnBrk="0" hangingPunct="0">
+              <a:lnSpc>
+                <a:spcPct val="100000"/>
+              </a:lnSpc>
+              <a:spcBef>
+                <a:spcPct val="0"/>
+              </a:spcBef>
+              <a:spcAft>
+                <a:spcPct val="0"/>
+              </a:spcAft>
+              <a:buClrTx/>
+              <a:buSzTx/>
+              <a:buFontTx/>
+              <a:buNone/>
+              <a:tabLst/>
+            </a:pPr>
+            <a:r>
+              <a:rPr kumimoji="0" lang="en-US" altLang="en-US" sz="1600" b="1" i="0" u="none" strike="noStrike" cap="none" normalizeH="0" baseline="0" dirty="0">
+                <a:ln>
+                  <a:noFill/>
+                </a:ln>
+                <a:solidFill>
+                  <a:srgbClr val="000000"/>
+                </a:solidFill>
+                <a:effectLst/>
+                <a:latin typeface="+mj-lt"/>
+                <a:cs typeface="Calibri" panose="020F0502020204030204" pitchFamily="34" charset="0"/>
+              </a:rPr>
+              <a:t>       'jobs_highpay_5mi_2015', 'popdensity2010',</a:t>
+            </a:r>
+          </a:p>
+          <a:p>
+            <a:pPr marL="0" marR="0" lvl="0" indent="0" algn="l" defTabSz="914400" rtl="0" eaLnBrk="0" fontAlgn="base" latinLnBrk="0" hangingPunct="0">
+              <a:lnSpc>
+                <a:spcPct val="100000"/>
+              </a:lnSpc>
+              <a:spcBef>
+                <a:spcPct val="0"/>
+              </a:spcBef>
+              <a:spcAft>
+                <a:spcPct val="0"/>
+              </a:spcAft>
+              <a:buClrTx/>
+              <a:buSzTx/>
+              <a:buFontTx/>
+              <a:buNone/>
+              <a:tabLst/>
+            </a:pPr>
+            <a:r>
+              <a:rPr kumimoji="0" lang="en-US" altLang="en-US" sz="1600" b="1" i="0" u="none" strike="noStrike" cap="none" normalizeH="0" baseline="0" dirty="0">
+                <a:ln>
+                  <a:noFill/>
+                </a:ln>
+                <a:solidFill>
+                  <a:srgbClr val="000000"/>
+                </a:solidFill>
+                <a:effectLst/>
+                <a:latin typeface="+mj-lt"/>
+                <a:cs typeface="Calibri" panose="020F0502020204030204" pitchFamily="34" charset="0"/>
+              </a:rPr>
+              <a:t>       'ann_avg_job_growth_2004_2013', 'job_density_2013']</a:t>
+            </a:r>
+          </a:p>
+          <a:p>
+            <a:pPr marL="0" marR="0" lvl="0" indent="0" algn="l" defTabSz="914400" rtl="0" eaLnBrk="0" fontAlgn="base" latinLnBrk="0" hangingPunct="0">
+              <a:lnSpc>
+                <a:spcPct val="100000"/>
+              </a:lnSpc>
+              <a:spcBef>
+                <a:spcPct val="0"/>
+              </a:spcBef>
+              <a:spcAft>
+                <a:spcPct val="0"/>
+              </a:spcAft>
+              <a:buClrTx/>
+              <a:buSzTx/>
+              <a:buFontTx/>
+              <a:buNone/>
+              <a:tabLst/>
+            </a:pPr>
+            <a:r>
+              <a:rPr kumimoji="0" lang="en-US" altLang="en-US" sz="1600" b="1" i="0" u="none" strike="noStrike" cap="none" normalizeH="0" baseline="0" dirty="0">
+                <a:ln>
+                  <a:noFill/>
+                </a:ln>
+                <a:solidFill>
+                  <a:srgbClr val="000000"/>
+                </a:solidFill>
+                <a:effectLst/>
+                <a:latin typeface="+mj-lt"/>
+                <a:cs typeface="Calibri" panose="020F0502020204030204" pitchFamily="34" charset="0"/>
+              </a:rPr>
+              <a:t>X = </a:t>
+            </a:r>
+            <a:r>
+              <a:rPr kumimoji="0" lang="en-US" altLang="en-US" sz="1600" b="1" i="0" u="none" strike="noStrike" cap="none" normalizeH="0" baseline="0" dirty="0" err="1">
+                <a:ln>
+                  <a:noFill/>
+                </a:ln>
+                <a:solidFill>
+                  <a:srgbClr val="000000"/>
+                </a:solidFill>
+                <a:effectLst/>
+                <a:latin typeface="+mj-lt"/>
+                <a:cs typeface="Calibri" panose="020F0502020204030204" pitchFamily="34" charset="0"/>
+              </a:rPr>
+              <a:t>abridged_df</a:t>
+            </a:r>
+            <a:r>
+              <a:rPr kumimoji="0" lang="en-US" altLang="en-US" sz="1600" b="1" i="0" u="none" strike="noStrike" cap="none" normalizeH="0" baseline="0" dirty="0">
+                <a:ln>
+                  <a:noFill/>
+                </a:ln>
+                <a:solidFill>
+                  <a:srgbClr val="000000"/>
+                </a:solidFill>
+                <a:effectLst/>
+                <a:latin typeface="+mj-lt"/>
+                <a:cs typeface="Calibri" panose="020F0502020204030204" pitchFamily="34" charset="0"/>
+              </a:rPr>
+              <a:t>[</a:t>
+            </a:r>
+            <a:r>
+              <a:rPr kumimoji="0" lang="en-US" altLang="en-US" sz="1600" b="1" i="0" u="none" strike="noStrike" cap="none" normalizeH="0" baseline="0" dirty="0" err="1">
+                <a:ln>
+                  <a:noFill/>
+                </a:ln>
+                <a:solidFill>
+                  <a:srgbClr val="000000"/>
+                </a:solidFill>
+                <a:effectLst/>
+                <a:latin typeface="+mj-lt"/>
+                <a:cs typeface="Calibri" panose="020F0502020204030204" pitchFamily="34" charset="0"/>
+              </a:rPr>
+              <a:t>feature_cols</a:t>
+            </a:r>
+            <a:r>
+              <a:rPr kumimoji="0" lang="en-US" altLang="en-US" sz="1600" b="1" i="0" u="none" strike="noStrike" cap="none" normalizeH="0" baseline="0" dirty="0">
+                <a:ln>
+                  <a:noFill/>
+                </a:ln>
+                <a:solidFill>
+                  <a:srgbClr val="000000"/>
+                </a:solidFill>
+                <a:effectLst/>
+                <a:latin typeface="+mj-lt"/>
+                <a:cs typeface="Calibri" panose="020F0502020204030204" pitchFamily="34" charset="0"/>
+              </a:rPr>
+              <a:t>]</a:t>
+            </a:r>
+          </a:p>
+          <a:p>
+            <a:pPr marL="0" marR="0" lvl="0" indent="0" algn="l" defTabSz="914400" rtl="0" eaLnBrk="0" fontAlgn="base" latinLnBrk="0" hangingPunct="0">
+              <a:lnSpc>
+                <a:spcPct val="100000"/>
+              </a:lnSpc>
+              <a:spcBef>
+                <a:spcPct val="0"/>
+              </a:spcBef>
+              <a:spcAft>
+                <a:spcPct val="0"/>
+              </a:spcAft>
+              <a:buClrTx/>
+              <a:buSzTx/>
+              <a:buFontTx/>
+              <a:buNone/>
+              <a:tabLst/>
+            </a:pPr>
+            <a:r>
+              <a:rPr kumimoji="0" lang="en-US" altLang="en-US" sz="1600" b="1" i="0" u="none" strike="noStrike" cap="none" normalizeH="0" baseline="0" dirty="0">
+                <a:ln>
+                  <a:noFill/>
+                </a:ln>
+                <a:solidFill>
+                  <a:srgbClr val="000000"/>
+                </a:solidFill>
+                <a:effectLst/>
+                <a:latin typeface="+mj-lt"/>
+                <a:cs typeface="Calibri" panose="020F0502020204030204" pitchFamily="34" charset="0"/>
+              </a:rPr>
+              <a:t>y = </a:t>
+            </a:r>
+            <a:r>
+              <a:rPr kumimoji="0" lang="en-US" altLang="en-US" sz="1600" b="1" i="0" u="none" strike="noStrike" cap="none" normalizeH="0" baseline="0" dirty="0" err="1">
+                <a:ln>
+                  <a:noFill/>
+                </a:ln>
+                <a:solidFill>
+                  <a:srgbClr val="000000"/>
+                </a:solidFill>
+                <a:effectLst/>
+                <a:latin typeface="+mj-lt"/>
+                <a:cs typeface="Calibri" panose="020F0502020204030204" pitchFamily="34" charset="0"/>
+              </a:rPr>
+              <a:t>abridged_df.Life_Expectancy</a:t>
+            </a:r>
+            <a:endParaRPr kumimoji="0" lang="en-US" altLang="en-US" sz="1600" b="1" i="0" u="none" strike="noStrike" cap="none" normalizeH="0" baseline="0" dirty="0">
+              <a:ln>
+                <a:noFill/>
+              </a:ln>
+              <a:solidFill>
+                <a:srgbClr val="000000"/>
+              </a:solidFill>
+              <a:effectLst/>
+              <a:latin typeface="+mj-lt"/>
+              <a:cs typeface="Calibri" panose="020F0502020204030204" pitchFamily="34" charset="0"/>
+            </a:endParaRPr>
+          </a:p>
+          <a:p>
+            <a:pPr marL="0" marR="0" lvl="0" indent="0" algn="l" defTabSz="914400" rtl="0" eaLnBrk="0" fontAlgn="base" latinLnBrk="0" hangingPunct="0">
+              <a:lnSpc>
+                <a:spcPct val="100000"/>
+              </a:lnSpc>
+              <a:spcBef>
+                <a:spcPct val="0"/>
+              </a:spcBef>
+              <a:spcAft>
+                <a:spcPct val="0"/>
+              </a:spcAft>
+              <a:buClrTx/>
+              <a:buSzTx/>
+              <a:buFontTx/>
+              <a:buNone/>
+              <a:tabLst/>
+            </a:pPr>
+            <a:r>
+              <a:rPr lang="en-US" sz="1600" b="1" dirty="0" err="1"/>
+              <a:t>RandomForestRegressor</a:t>
+            </a:r>
+            <a:r>
+              <a:rPr lang="en-US" sz="1600" b="1" dirty="0"/>
+              <a:t> used </a:t>
+            </a:r>
+            <a:r>
+              <a:rPr lang="en-US" sz="1600" b="1" dirty="0" err="1"/>
+              <a:t>max_depth</a:t>
+            </a:r>
+            <a:r>
+              <a:rPr lang="en-US" sz="1600" b="1" dirty="0"/>
+              <a:t> (number of features used)=15, </a:t>
+            </a:r>
+            <a:r>
+              <a:rPr lang="en-US" sz="1600" b="1" dirty="0" err="1"/>
+              <a:t>random_state</a:t>
+            </a:r>
+            <a:r>
+              <a:rPr lang="en-US" sz="1600" b="1" dirty="0"/>
+              <a:t>=1)</a:t>
+            </a:r>
+          </a:p>
+          <a:p>
+            <a:pPr marL="0" marR="0" lvl="0" indent="0" algn="l" defTabSz="914400" rtl="0" eaLnBrk="0" fontAlgn="base" latinLnBrk="0" hangingPunct="0">
+              <a:lnSpc>
+                <a:spcPct val="100000"/>
+              </a:lnSpc>
+              <a:spcBef>
+                <a:spcPct val="0"/>
+              </a:spcBef>
+              <a:spcAft>
+                <a:spcPct val="0"/>
+              </a:spcAft>
+              <a:buClrTx/>
+              <a:buSzTx/>
+              <a:buFontTx/>
+              <a:buNone/>
+              <a:tabLst/>
+            </a:pPr>
+            <a:endParaRPr kumimoji="0" lang="en-US" altLang="en-US" sz="1600" b="1" i="0" u="none" strike="noStrike" cap="none" normalizeH="0" baseline="0" dirty="0">
+              <a:ln>
+                <a:noFill/>
+              </a:ln>
+              <a:solidFill>
+                <a:schemeClr val="tx1"/>
+              </a:solidFill>
+              <a:effectLst/>
+              <a:latin typeface="+mj-lt"/>
+              <a:cs typeface="Calibri" panose="020F0502020204030204" pitchFamily="34" charset="0"/>
+            </a:endParaRPr>
+          </a:p>
+          <a:p>
+            <a:pPr marL="0" marR="0" lvl="0" indent="0" algn="l" defTabSz="914400" rtl="0" eaLnBrk="0" fontAlgn="base" latinLnBrk="0" hangingPunct="0">
+              <a:lnSpc>
+                <a:spcPct val="100000"/>
+              </a:lnSpc>
+              <a:spcBef>
+                <a:spcPct val="0"/>
+              </a:spcBef>
+              <a:spcAft>
+                <a:spcPct val="0"/>
+              </a:spcAft>
+              <a:buClrTx/>
+              <a:buSzTx/>
+              <a:buFontTx/>
+              <a:buNone/>
+              <a:tabLst/>
+            </a:pPr>
+            <a:r>
+              <a:rPr lang="en-US" altLang="en-US" sz="1600" b="1" dirty="0">
+                <a:latin typeface="+mj-lt"/>
+                <a:cs typeface="Calibri" panose="020F0502020204030204" pitchFamily="34" charset="0"/>
+              </a:rPr>
+              <a:t>* Considered Using </a:t>
+            </a:r>
+            <a:r>
+              <a:rPr lang="en-US" altLang="en-US" sz="1600" b="1" dirty="0" err="1">
+                <a:latin typeface="+mj-lt"/>
+                <a:cs typeface="Calibri" panose="020F0502020204030204" pitchFamily="34" charset="0"/>
+              </a:rPr>
+              <a:t>RandomizedSearchCV</a:t>
+            </a:r>
+            <a:r>
+              <a:rPr lang="en-US" altLang="en-US" sz="1600" b="1" dirty="0">
+                <a:latin typeface="+mj-lt"/>
+                <a:cs typeface="Calibri" panose="020F0502020204030204" pitchFamily="34" charset="0"/>
+              </a:rPr>
+              <a:t> which took more than 40 mins</a:t>
+            </a:r>
+          </a:p>
+          <a:p>
+            <a:pPr marL="0" marR="0" lvl="0" indent="0" algn="l" defTabSz="914400" rtl="0" eaLnBrk="0" fontAlgn="base" latinLnBrk="0" hangingPunct="0">
+              <a:lnSpc>
+                <a:spcPct val="100000"/>
+              </a:lnSpc>
+              <a:spcBef>
+                <a:spcPct val="0"/>
+              </a:spcBef>
+              <a:spcAft>
+                <a:spcPct val="0"/>
+              </a:spcAft>
+              <a:buClrTx/>
+              <a:buSzTx/>
+              <a:buFontTx/>
+              <a:buNone/>
+              <a:tabLst/>
+            </a:pPr>
+            <a:r>
+              <a:rPr lang="en-US" altLang="en-US" sz="1600" b="1" dirty="0">
+                <a:latin typeface="+mj-lt"/>
+                <a:cs typeface="Calibri" panose="020F0502020204030204" pitchFamily="34" charset="0"/>
+              </a:rPr>
+              <a:t>rf = </a:t>
+            </a:r>
+            <a:r>
+              <a:rPr lang="en-US" altLang="en-US" sz="1600" b="1" dirty="0" err="1">
+                <a:latin typeface="+mj-lt"/>
+                <a:cs typeface="Calibri" panose="020F0502020204030204" pitchFamily="34" charset="0"/>
+              </a:rPr>
+              <a:t>RandomForestRegressor</a:t>
+            </a:r>
+            <a:r>
+              <a:rPr lang="en-US" altLang="en-US" sz="1600" b="1" dirty="0">
+                <a:latin typeface="+mj-lt"/>
+                <a:cs typeface="Calibri" panose="020F0502020204030204" pitchFamily="34" charset="0"/>
+              </a:rPr>
+              <a:t>(</a:t>
+            </a:r>
+            <a:r>
+              <a:rPr lang="en-US" altLang="en-US" sz="1600" b="1" dirty="0" err="1">
+                <a:latin typeface="+mj-lt"/>
+                <a:cs typeface="Calibri" panose="020F0502020204030204" pitchFamily="34" charset="0"/>
+              </a:rPr>
+              <a:t>random_state</a:t>
+            </a:r>
+            <a:r>
+              <a:rPr lang="en-US" altLang="en-US" sz="1600" b="1" dirty="0">
+                <a:latin typeface="+mj-lt"/>
+                <a:cs typeface="Calibri" panose="020F0502020204030204" pitchFamily="34" charset="0"/>
+              </a:rPr>
+              <a:t>=1)</a:t>
+            </a:r>
+          </a:p>
+          <a:p>
+            <a:pPr marL="0" marR="0" lvl="0" indent="0" algn="l" defTabSz="914400" rtl="0" eaLnBrk="0" fontAlgn="base" latinLnBrk="0" hangingPunct="0">
+              <a:lnSpc>
+                <a:spcPct val="100000"/>
+              </a:lnSpc>
+              <a:spcBef>
+                <a:spcPct val="0"/>
+              </a:spcBef>
+              <a:spcAft>
+                <a:spcPct val="0"/>
+              </a:spcAft>
+              <a:buClrTx/>
+              <a:buSzTx/>
+              <a:buFontTx/>
+              <a:buNone/>
+              <a:tabLst/>
+            </a:pPr>
+            <a:r>
+              <a:rPr lang="en-US" altLang="en-US" sz="1600" b="1" dirty="0" err="1">
+                <a:latin typeface="+mj-lt"/>
+                <a:cs typeface="Calibri" panose="020F0502020204030204" pitchFamily="34" charset="0"/>
+              </a:rPr>
+              <a:t>RSclf</a:t>
+            </a:r>
+            <a:r>
+              <a:rPr lang="en-US" altLang="en-US" sz="1600" b="1" dirty="0">
+                <a:latin typeface="+mj-lt"/>
+                <a:cs typeface="Calibri" panose="020F0502020204030204" pitchFamily="34" charset="0"/>
+              </a:rPr>
+              <a:t> = </a:t>
+            </a:r>
+            <a:r>
+              <a:rPr lang="en-US" altLang="en-US" sz="1600" b="1" dirty="0" err="1">
+                <a:latin typeface="+mj-lt"/>
+                <a:cs typeface="Calibri" panose="020F0502020204030204" pitchFamily="34" charset="0"/>
+              </a:rPr>
+              <a:t>RandomizedSearchCV</a:t>
+            </a:r>
+            <a:r>
+              <a:rPr lang="en-US" altLang="en-US" sz="1600" b="1" dirty="0">
+                <a:latin typeface="+mj-lt"/>
+                <a:cs typeface="Calibri" panose="020F0502020204030204" pitchFamily="34" charset="0"/>
+              </a:rPr>
+              <a:t>(</a:t>
+            </a:r>
+            <a:r>
+              <a:rPr lang="en-US" altLang="en-US" sz="1600" b="1" dirty="0" err="1">
+                <a:latin typeface="+mj-lt"/>
+                <a:cs typeface="Calibri" panose="020F0502020204030204" pitchFamily="34" charset="0"/>
+              </a:rPr>
+              <a:t>rf,param_grid</a:t>
+            </a:r>
+            <a:r>
+              <a:rPr lang="en-US" altLang="en-US" sz="1600" b="1" dirty="0">
+                <a:latin typeface="+mj-lt"/>
+                <a:cs typeface="Calibri" panose="020F0502020204030204" pitchFamily="34" charset="0"/>
+              </a:rPr>
+              <a:t>, cv=5, </a:t>
+            </a:r>
+            <a:r>
+              <a:rPr lang="en-US" altLang="en-US" sz="1600" b="1" dirty="0" err="1">
+                <a:latin typeface="+mj-lt"/>
+                <a:cs typeface="Calibri" panose="020F0502020204030204" pitchFamily="34" charset="0"/>
+              </a:rPr>
+              <a:t>n_iter</a:t>
+            </a:r>
+            <a:r>
+              <a:rPr lang="en-US" altLang="en-US" sz="1600" b="1" dirty="0">
+                <a:latin typeface="+mj-lt"/>
+                <a:cs typeface="Calibri" panose="020F0502020204030204" pitchFamily="34" charset="0"/>
+              </a:rPr>
+              <a:t>=10)</a:t>
+            </a:r>
+          </a:p>
+          <a:p>
+            <a:pPr marL="0" marR="0" lvl="0" indent="0" algn="l" defTabSz="914400" rtl="0" eaLnBrk="0" fontAlgn="base" latinLnBrk="0" hangingPunct="0">
+              <a:lnSpc>
+                <a:spcPct val="100000"/>
+              </a:lnSpc>
+              <a:spcBef>
+                <a:spcPct val="0"/>
+              </a:spcBef>
+              <a:spcAft>
+                <a:spcPct val="0"/>
+              </a:spcAft>
+              <a:buClrTx/>
+              <a:buSzTx/>
+              <a:buFontTx/>
+              <a:buNone/>
+              <a:tabLst/>
+            </a:pPr>
+            <a:r>
+              <a:rPr lang="en-US" altLang="en-US" sz="1600" b="1" dirty="0" err="1">
+                <a:latin typeface="+mj-lt"/>
+                <a:cs typeface="Calibri" panose="020F0502020204030204" pitchFamily="34" charset="0"/>
+              </a:rPr>
+              <a:t>RSclf.fit</a:t>
+            </a:r>
+            <a:r>
+              <a:rPr lang="en-US" altLang="en-US" sz="1600" b="1" dirty="0">
+                <a:latin typeface="+mj-lt"/>
+                <a:cs typeface="Calibri" panose="020F0502020204030204" pitchFamily="34" charset="0"/>
+              </a:rPr>
+              <a:t>(</a:t>
+            </a:r>
+            <a:r>
+              <a:rPr lang="en-US" altLang="en-US" sz="1600" b="1" dirty="0" err="1">
+                <a:latin typeface="+mj-lt"/>
+                <a:cs typeface="Calibri" panose="020F0502020204030204" pitchFamily="34" charset="0"/>
+              </a:rPr>
+              <a:t>X,y</a:t>
+            </a:r>
+            <a:r>
+              <a:rPr lang="en-US" altLang="en-US" sz="1600" b="1" dirty="0">
+                <a:latin typeface="+mj-lt"/>
+                <a:cs typeface="Calibri" panose="020F0502020204030204" pitchFamily="34" charset="0"/>
+              </a:rPr>
+              <a:t>)</a:t>
+            </a:r>
+          </a:p>
+          <a:p>
+            <a:pPr marL="0" marR="0" lvl="0" indent="0" algn="l" defTabSz="914400" rtl="0" eaLnBrk="0" fontAlgn="base" latinLnBrk="0" hangingPunct="0">
+              <a:lnSpc>
+                <a:spcPct val="100000"/>
+              </a:lnSpc>
+              <a:spcBef>
+                <a:spcPct val="0"/>
+              </a:spcBef>
+              <a:spcAft>
+                <a:spcPct val="0"/>
+              </a:spcAft>
+              <a:buClrTx/>
+              <a:buSzTx/>
+              <a:buFontTx/>
+              <a:buNone/>
+              <a:tabLst/>
+            </a:pPr>
+            <a:r>
+              <a:rPr lang="en-US" altLang="en-US" sz="1600" b="1" dirty="0">
+                <a:latin typeface="+mj-lt"/>
+                <a:cs typeface="Calibri" panose="020F0502020204030204" pitchFamily="34" charset="0"/>
+              </a:rPr>
+              <a:t>Determined best parameters: '</a:t>
+            </a:r>
+            <a:r>
+              <a:rPr lang="en-US" altLang="en-US" sz="1600" b="1" dirty="0" err="1">
+                <a:latin typeface="+mj-lt"/>
+                <a:cs typeface="Calibri" panose="020F0502020204030204" pitchFamily="34" charset="0"/>
+              </a:rPr>
+              <a:t>n_estimators</a:t>
+            </a:r>
+            <a:r>
+              <a:rPr lang="en-US" altLang="en-US" sz="1600" b="1" dirty="0">
+                <a:latin typeface="+mj-lt"/>
+                <a:cs typeface="Calibri" panose="020F0502020204030204" pitchFamily="34" charset="0"/>
+              </a:rPr>
+              <a:t>': 780, '</a:t>
+            </a:r>
+            <a:r>
+              <a:rPr lang="en-US" altLang="en-US" sz="1600" b="1" dirty="0" err="1">
+                <a:latin typeface="+mj-lt"/>
+                <a:cs typeface="Calibri" panose="020F0502020204030204" pitchFamily="34" charset="0"/>
+              </a:rPr>
+              <a:t>max_features</a:t>
+            </a:r>
+            <a:r>
+              <a:rPr lang="en-US" altLang="en-US" sz="1600" b="1" dirty="0">
+                <a:latin typeface="+mj-lt"/>
+                <a:cs typeface="Calibri" panose="020F0502020204030204" pitchFamily="34" charset="0"/>
+              </a:rPr>
+              <a:t>': 9</a:t>
+            </a:r>
+            <a:endParaRPr kumimoji="0" lang="en-US" altLang="en-US" sz="1600" b="1" i="0" u="none" strike="noStrike" cap="none" normalizeH="0" baseline="0" dirty="0">
+              <a:ln>
+                <a:noFill/>
+              </a:ln>
+              <a:solidFill>
+                <a:schemeClr val="tx1"/>
+              </a:solidFill>
+              <a:effectLst/>
+              <a:latin typeface="+mj-lt"/>
+              <a:cs typeface="Calibri" panose="020F0502020204030204" pitchFamily="34" charset="0"/>
+            </a:endParaRPr>
+          </a:p>
+        </p:txBody>
+      </p:sp>
+    </p:spTree>
+    <p:extLst>
+      <p:ext uri="{BB962C8B-B14F-4D97-AF65-F5344CB8AC3E}">
+        <p14:creationId xmlns:p14="http://schemas.microsoft.com/office/powerpoint/2010/main" val="3707087448"/>
+      </p:ext>
+    </p:extLst>
+  </p:cSld>
+  <p:clrMapOvr>
+    <a:masterClrMapping/>
+  </p:clrMapOvr>
+</p:sld>
+</file>
+
+<file path=ppt/slides/slide8.xml><?xml version="1.0" encoding="utf-8"?>
+<p:sld xmlns:a="http://schemas.openxmlformats.org/drawingml/2006/main" xmlns:r="http://schemas.openxmlformats.org/officeDocument/2006/relationships" xmlns:p="http://schemas.openxmlformats.org/presentationml/2006/main">
+  <p:cSld>
+    <p:spTree>
+      <p:nvGrpSpPr>
+        <p:cNvPr id="1" name=""/>
+        <p:cNvGrpSpPr/>
+        <p:nvPr/>
+      </p:nvGrpSpPr>
+      <p:grpSpPr>
+        <a:xfrm>
+          <a:off x="0" y="0"/>
+          <a:ext cx="0" cy="0"/>
+          <a:chOff x="0" y="0"/>
+          <a:chExt cx="0" cy="0"/>
+        </a:xfrm>
+      </p:grpSpPr>
+      <p:sp>
+        <p:nvSpPr>
+          <p:cNvPr id="2" name="Title 1">
+            <a:extLst>
+              <a:ext uri="{FF2B5EF4-FFF2-40B4-BE49-F238E27FC236}">
+                <a16:creationId xmlns:a16="http://schemas.microsoft.com/office/drawing/2014/main" id="{649037D2-1D18-44AE-8962-11A86DC2D019}"/>
+              </a:ext>
+            </a:extLst>
+          </p:cNvPr>
+          <p:cNvSpPr>
+            <a:spLocks noGrp="1"/>
+          </p:cNvSpPr>
+          <p:nvPr>
+            <p:ph type="title"/>
+          </p:nvPr>
+        </p:nvSpPr>
+        <p:spPr>
+          <a:xfrm>
+            <a:off x="1066800" y="642594"/>
+            <a:ext cx="10058400" cy="663692"/>
+          </a:xfrm>
+        </p:spPr>
+        <p:txBody>
+          <a:bodyPr>
+            <a:normAutofit fontScale="90000"/>
+          </a:bodyPr>
+          <a:lstStyle/>
+          <a:p>
+            <a:r>
+              <a:rPr lang="en-US" b="1" dirty="0"/>
+              <a:t>Social, Economic, and Geographic Factors in Life Expectancy (Decision Tree Analysis)</a:t>
+            </a:r>
+          </a:p>
+        </p:txBody>
+      </p:sp>
+      <p:pic>
+        <p:nvPicPr>
+          <p:cNvPr id="5" name="Content Placeholder 4">
+            <a:extLst>
+              <a:ext uri="{FF2B5EF4-FFF2-40B4-BE49-F238E27FC236}">
+                <a16:creationId xmlns:a16="http://schemas.microsoft.com/office/drawing/2014/main" id="{5699D2AA-A8DC-4555-A557-EA215778931D}"/>
+              </a:ext>
+            </a:extLst>
+          </p:cNvPr>
+          <p:cNvPicPr>
+            <a:picLocks noGrp="1" noChangeAspect="1"/>
+          </p:cNvPicPr>
+          <p:nvPr>
+            <p:ph idx="1"/>
+          </p:nvPr>
+        </p:nvPicPr>
+        <p:blipFill>
+          <a:blip r:embed="rId3"/>
+          <a:stretch>
+            <a:fillRect/>
+          </a:stretch>
+        </p:blipFill>
+        <p:spPr>
+          <a:xfrm>
+            <a:off x="419101" y="1504157"/>
+            <a:ext cx="3030681" cy="2764052"/>
+          </a:xfrm>
+        </p:spPr>
+      </p:pic>
+      <p:sp>
+        <p:nvSpPr>
+          <p:cNvPr id="6" name="Rectangle 1">
+            <a:extLst>
+              <a:ext uri="{FF2B5EF4-FFF2-40B4-BE49-F238E27FC236}">
+                <a16:creationId xmlns:a16="http://schemas.microsoft.com/office/drawing/2014/main" id="{175F1DF0-85D1-42AA-9867-737303E1B833}"/>
+              </a:ext>
+            </a:extLst>
+          </p:cNvPr>
+          <p:cNvSpPr>
+            <a:spLocks noChangeArrowheads="1"/>
+          </p:cNvSpPr>
+          <p:nvPr/>
+        </p:nvSpPr>
+        <p:spPr bwMode="auto">
+          <a:xfrm>
+            <a:off x="6998103" y="1646849"/>
+            <a:ext cx="4774796" cy="984885"/>
+          </a:xfrm>
+          <a:prstGeom prst="rect">
+            <a:avLst/>
+          </a:prstGeom>
+          <a:solidFill>
+            <a:srgbClr val="FFFFFF"/>
+          </a:solidFill>
+          <a:ln>
+            <a:noFill/>
+          </a:ln>
+          <a:effectLst/>
+          <a:extLst>
+            <a:ext uri="{91240B29-F687-4F45-9708-019B960494DF}">
+              <a14:hiddenLine xmlns:a14="http://schemas.microsoft.com/office/drawing/2010/main" w="9525">
+                <a:solidFill>
+                  <a:schemeClr val="tx1"/>
+                </a:solidFill>
+                <a:miter lim="800000"/>
+                <a:headEnd/>
+                <a:tailEnd/>
+              </a14:hiddenLine>
+            </a:ext>
+            <a:ext uri="{AF507438-7753-43E0-B8FC-AC1667EBCBE1}">
+              <a14:hiddenEffects xmlns:a14="http://schemas.microsoft.com/office/drawing/2010/main">
+                <a:effectLst>
+                  <a:outerShdw dist="35921" dir="2700000" algn="ctr" rotWithShape="0">
+                    <a:schemeClr val="bg2"/>
+                  </a:outerShdw>
+                </a:effectLst>
+              </a14:hiddenEffects>
+            </a:ext>
+          </a:extLst>
+        </p:spPr>
+        <p:txBody>
+          <a:bodyPr vert="horz" wrap="square" lIns="0" tIns="0" rIns="0" bIns="0" numCol="1" anchor="ctr" anchorCtr="0" compatLnSpc="1">
+            <a:prstTxWarp prst="textNoShape">
+              <a:avLst/>
+            </a:prstTxWarp>
+            <a:spAutoFit/>
+          </a:bodyPr>
+          <a:lstStyle/>
+          <a:p>
+            <a:pPr marL="0" marR="0" lvl="0" indent="0" algn="l" defTabSz="914400" rtl="0" eaLnBrk="0" fontAlgn="base" latinLnBrk="0" hangingPunct="0">
+              <a:lnSpc>
+                <a:spcPct val="100000"/>
+              </a:lnSpc>
+              <a:spcBef>
+                <a:spcPct val="0"/>
+              </a:spcBef>
+              <a:spcAft>
+                <a:spcPct val="0"/>
+              </a:spcAft>
+              <a:buClrTx/>
+              <a:buSzTx/>
+              <a:buFontTx/>
+              <a:buNone/>
+              <a:tabLst/>
+            </a:pPr>
+            <a:r>
+              <a:rPr kumimoji="0" lang="en-US" altLang="en-US" sz="1600" b="1" i="0" u="none" strike="noStrike" cap="none" normalizeH="0" baseline="0" dirty="0">
+                <a:ln>
+                  <a:noFill/>
+                </a:ln>
+                <a:solidFill>
+                  <a:srgbClr val="000000"/>
+                </a:solidFill>
+                <a:effectLst/>
+                <a:latin typeface="+mj-lt"/>
+                <a:cs typeface="Calibri" panose="020F0502020204030204" pitchFamily="34" charset="0"/>
+              </a:rPr>
               <a:t>Mean Absolute Error: 2.8909933896437754</a:t>
             </a:r>
           </a:p>
@@ -21958,6 +25945,71 @@
           </a:p>
         </p:txBody>
       </p:sp>
+      <p:sp>
+        <p:nvSpPr>
+          <p:cNvPr id="7" name="TextBox 6">
+            <a:extLst>
+              <a:ext uri="{FF2B5EF4-FFF2-40B4-BE49-F238E27FC236}">
+                <a16:creationId xmlns:a16="http://schemas.microsoft.com/office/drawing/2014/main" id="{B9F00BAF-1149-43E9-B7AE-C3C95854761D}"/>
+              </a:ext>
+            </a:extLst>
+          </p:cNvPr>
+          <p:cNvSpPr txBox="1"/>
+          <p:nvPr/>
+        </p:nvSpPr>
+        <p:spPr>
+          <a:xfrm>
+            <a:off x="6798252" y="6459138"/>
+            <a:ext cx="6094268" cy="369332"/>
+          </a:xfrm>
+          <a:prstGeom prst="rect">
+            <a:avLst/>
+          </a:prstGeom>
+          <a:noFill/>
+        </p:spPr>
+        <p:txBody>
+          <a:bodyPr wrap="square">
+            <a:spAutoFit/>
+          </a:bodyPr>
+          <a:lstStyle/>
+          <a:p>
+            <a:r>
+              <a:rPr lang="en-US" sz="1600" b="1" dirty="0"/>
+              <a:t>*Data Leakage from Life Expectancy and Income</a:t>
+            </a:r>
+          </a:p>
+        </p:txBody>
+      </p:sp>
+      <p:pic>
+        <p:nvPicPr>
+          <p:cNvPr id="9" name="Picture 8">
+            <a:extLst>
+              <a:ext uri="{FF2B5EF4-FFF2-40B4-BE49-F238E27FC236}">
+                <a16:creationId xmlns:a16="http://schemas.microsoft.com/office/drawing/2014/main" id="{5CC02A34-9473-4482-9D73-C7FF99078CDE}"/>
+              </a:ext>
+            </a:extLst>
+          </p:cNvPr>
+          <p:cNvPicPr>
+            <a:picLocks noChangeAspect="1"/>
+          </p:cNvPicPr>
+          <p:nvPr/>
+        </p:nvPicPr>
+        <p:blipFill>
+          <a:blip r:embed="rId4"/>
+          <a:stretch>
+            <a:fillRect/>
+          </a:stretch>
+        </p:blipFill>
+        <p:spPr>
+          <a:xfrm>
+            <a:off x="419101" y="1504157"/>
+            <a:ext cx="11353798" cy="4954981"/>
+          </a:xfrm>
+          <a:prstGeom prst="rect">
+            <a:avLst/>
+          </a:prstGeom>
+        </p:spPr>
+      </p:pic>
       <p:graphicFrame>
         <p:nvGraphicFramePr>
           <p:cNvPr id="3" name="Table 2">
@@ -21973,13 +26025,13 @@
           <p:nvPr>
             <p:extLst>
               <p:ext uri="{D42A27DB-BD31-4B8C-83A1-F6EECF244321}">
-                <p14:modId xmlns:p14="http://schemas.microsoft.com/office/powerpoint/2010/main" val="2510506847"/>
+                <p14:modId xmlns:p14="http://schemas.microsoft.com/office/powerpoint/2010/main" val="2709431211"/>
               </p:ext>
             </p:extLst>
           </p:nvPr>
         </p:nvGraphicFramePr>
         <p:xfrm>
-          <a:off x="5512203" y="3173396"/>
+          <a:off x="6541077" y="1766882"/>
           <a:ext cx="5086523" cy="2895600"/>
         </p:xfrm>
         <a:graphic>
@@ -22461,7 +26513,7 @@
     </p:spTree>
     <p:extLst>
       <p:ext uri="{BB962C8B-B14F-4D97-AF65-F5344CB8AC3E}">
-        <p14:creationId xmlns:p14="http://schemas.microsoft.com/office/powerpoint/2010/main" val="1745241073"/>
+        <p14:creationId xmlns:p14="http://schemas.microsoft.com/office/powerpoint/2010/main" val="2763562070"/>
       </p:ext>
     </p:extLst>
   </p:cSld>
@@ -22471,7 +26523,7 @@
 </p:sld>
 </file>
 
-<file path=ppt/slides/slide6.xml><?xml version="1.0" encoding="utf-8"?>
+<file path=ppt/slides/slide9.xml><?xml version="1.0" encoding="utf-8"?>
 <p:sld xmlns:a="http://schemas.openxmlformats.org/drawingml/2006/main" xmlns:r="http://schemas.openxmlformats.org/officeDocument/2006/relationships" xmlns:p="http://schemas.openxmlformats.org/presentationml/2006/main">
   <p:cSld>
     <p:spTree>
@@ -22518,7 +26570,7 @@
           <a:p>
             <a:r>
               <a:rPr lang="en-US" b="1" dirty="0"/>
-              <a:t>Social, Economic, and Geographics Factors in Life Expectancy (Decision Tree Analysis)</a:t>
+              <a:t>Social, Economic, and Geographic Factors in Life Expectancy (Decision Tree Analysis)</a:t>
             </a:r>
           </a:p>
         </p:txBody>
@@ -22539,7 +26591,7 @@
         </p:nvSpPr>
         <p:spPr bwMode="auto">
           <a:xfrm>
-            <a:off x="5512204" y="1833374"/>
+            <a:off x="6686376" y="1672716"/>
             <a:ext cx="4774796" cy="984885"/>
           </a:xfrm>
           <a:prstGeom prst="rect">
@@ -22611,7 +26663,7 @@
                 <a:latin typeface="+mj-lt"/>
                 <a:cs typeface="Calibri" panose="020F0502020204030204" pitchFamily="34" charset="0"/>
               </a:rPr>
-              <a:t>Mean Absolute Error: 0.8792662774044289</a:t>
+              <a:t>Mean Absolute Error: 2.8909933896437754</a:t>
             </a:r>
           </a:p>
           <a:p>
@@ -22643,7 +26695,7 @@
                 <a:latin typeface="+mj-lt"/>
                 <a:cs typeface="Calibri" panose="020F0502020204030204" pitchFamily="34" charset="0"/>
               </a:rPr>
-              <a:t>Mean Squared Error: 4.276068084168778</a:t>
+              <a:t>Mean Squared Error: 14.0258676092545</a:t>
             </a:r>
           </a:p>
           <a:p>
@@ -22675,7 +26727,7 @@
                 <a:latin typeface="+mj-lt"/>
                 <a:cs typeface="Calibri" panose="020F0502020204030204" pitchFamily="34" charset="0"/>
               </a:rPr>
-              <a:t>Root Mean Squared Error: 2.067865586581676 </a:t>
+              <a:t>Root Mean Squared Error: 3.745112496208158 </a:t>
             </a:r>
             <a:r>
               <a:rPr lang="en-US" altLang="en-US" sz="1600" b="1" dirty="0">
@@ -22685,7 +26737,7 @@
                 <a:latin typeface="+mj-lt"/>
                 <a:cs typeface="Calibri" panose="020F0502020204030204" pitchFamily="34" charset="0"/>
               </a:rPr>
-              <a:t>Accuracy: 98.87%</a:t>
+              <a:t>Accuracy: 96.28%</a:t>
             </a:r>
             <a:r>
               <a:rPr kumimoji="0" lang="en-US" altLang="en-US" sz="1600" b="1" i="0" u="none" strike="noStrike" cap="none" normalizeH="0" baseline="0" dirty="0">
@@ -22704,12 +26756,512 @@
           </a:p>
         </p:txBody>
       </p:sp>
+      <p:graphicFrame>
+        <p:nvGraphicFramePr>
+          <p:cNvPr id="3" name="Table 2">
+            <a:extLst>
+              <a:ext uri="{FF2B5EF4-FFF2-40B4-BE49-F238E27FC236}">
+                <a16:creationId xmlns:a16="http://schemas.microsoft.com/office/drawing/2014/main" id="{FA56B785-9BB1-4D6F-B6B1-F3CC1A21EB10}"/>
+              </a:ext>
+            </a:extLst>
+          </p:cNvPr>
+          <p:cNvGraphicFramePr>
+            <a:graphicFrameLocks noGrp="1"/>
+          </p:cNvGraphicFramePr>
+          <p:nvPr>
+            <p:extLst>
+              <p:ext uri="{D42A27DB-BD31-4B8C-83A1-F6EECF244321}">
+                <p14:modId xmlns:p14="http://schemas.microsoft.com/office/powerpoint/2010/main" val="1151454119"/>
+              </p:ext>
+            </p:extLst>
+          </p:nvPr>
+        </p:nvGraphicFramePr>
+        <p:xfrm>
+          <a:off x="6457776" y="3110569"/>
+          <a:ext cx="5086523" cy="2895600"/>
+        </p:xfrm>
+        <a:graphic>
+          <a:graphicData uri="http://schemas.openxmlformats.org/drawingml/2006/table">
+            <a:tbl>
+              <a:tblPr/>
+              <a:tblGrid>
+                <a:gridCol w="3605200">
+                  <a:extLst>
+                    <a:ext uri="{9D8B030D-6E8A-4147-A177-3AD203B41FA5}">
+                      <a16:colId xmlns:a16="http://schemas.microsoft.com/office/drawing/2014/main" val="3830329928"/>
+                    </a:ext>
+                  </a:extLst>
+                </a:gridCol>
+                <a:gridCol w="1481323">
+                  <a:extLst>
+                    <a:ext uri="{9D8B030D-6E8A-4147-A177-3AD203B41FA5}">
+                      <a16:colId xmlns:a16="http://schemas.microsoft.com/office/drawing/2014/main" val="2555308109"/>
+                    </a:ext>
+                  </a:extLst>
+                </a:gridCol>
+              </a:tblGrid>
+              <a:tr h="0">
+                <a:tc>
+                  <a:txBody>
+                    <a:bodyPr/>
+                    <a:lstStyle/>
+                    <a:p>
+                      <a:pPr algn="r" fontAlgn="ctr"/>
+                      <a:r>
+                        <a:rPr lang="en-US" sz="1400" b="1" dirty="0"/>
+                        <a:t>Feature</a:t>
+                      </a:r>
+                      <a:endParaRPr lang="en-US" sz="1400" dirty="0">
+                        <a:effectLst/>
+                      </a:endParaRPr>
+                    </a:p>
+                  </a:txBody>
+                  <a:tcPr anchor="ctr">
+                    <a:lnL>
+                      <a:noFill/>
+                    </a:lnL>
+                    <a:lnR>
+                      <a:noFill/>
+                    </a:lnR>
+                    <a:lnT>
+                      <a:noFill/>
+                    </a:lnT>
+                    <a:lnB>
+                      <a:noFill/>
+                    </a:lnB>
+                    <a:solidFill>
+                      <a:srgbClr val="F5F5F5"/>
+                    </a:solidFill>
+                  </a:tcPr>
+                </a:tc>
+                <a:tc>
+                  <a:txBody>
+                    <a:bodyPr/>
+                    <a:lstStyle/>
+                    <a:p>
+                      <a:pPr algn="r" fontAlgn="ctr"/>
+                      <a:r>
+                        <a:rPr lang="en-US" sz="1400" b="1" dirty="0"/>
+                        <a:t>Importance</a:t>
+                      </a:r>
+                      <a:endParaRPr lang="en-US" sz="1400" dirty="0">
+                        <a:effectLst/>
+                      </a:endParaRPr>
+                    </a:p>
+                  </a:txBody>
+                  <a:tcPr anchor="ctr">
+                    <a:lnL>
+                      <a:noFill/>
+                    </a:lnL>
+                    <a:lnR>
+                      <a:noFill/>
+                    </a:lnR>
+                    <a:lnT>
+                      <a:noFill/>
+                    </a:lnT>
+                    <a:lnB>
+                      <a:noFill/>
+                    </a:lnB>
+                    <a:solidFill>
+                      <a:srgbClr val="F5F5F5"/>
+                    </a:solidFill>
+                  </a:tcPr>
+                </a:tc>
+                <a:extLst>
+                  <a:ext uri="{0D108BD9-81ED-4DB2-BD59-A6C34878D82A}">
+                    <a16:rowId xmlns:a16="http://schemas.microsoft.com/office/drawing/2014/main" val="1111980027"/>
+                  </a:ext>
+                </a:extLst>
+              </a:tr>
+              <a:tr h="0">
+                <a:tc>
+                  <a:txBody>
+                    <a:bodyPr/>
+                    <a:lstStyle/>
+                    <a:p>
+                      <a:pPr algn="r" fontAlgn="ctr"/>
+                      <a:r>
+                        <a:rPr lang="en-US" sz="1400" b="1" dirty="0">
+                          <a:effectLst/>
+                        </a:rPr>
+                        <a:t>med_hhinc2016 </a:t>
+                      </a:r>
+                      <a:r>
+                        <a:rPr lang="en-US" sz="1400" b="1" dirty="0"/>
+                        <a:t>(med household income): </a:t>
+                      </a:r>
+                      <a:endParaRPr lang="en-US" sz="1400" b="1" dirty="0">
+                        <a:effectLst/>
+                      </a:endParaRPr>
+                    </a:p>
+                  </a:txBody>
+                  <a:tcPr anchor="ctr">
+                    <a:lnL>
+                      <a:noFill/>
+                    </a:lnL>
+                    <a:lnR>
+                      <a:noFill/>
+                    </a:lnR>
+                    <a:lnT>
+                      <a:noFill/>
+                    </a:lnT>
+                    <a:lnB>
+                      <a:noFill/>
+                    </a:lnB>
+                    <a:solidFill>
+                      <a:srgbClr val="F5F5F5"/>
+                    </a:solidFill>
+                  </a:tcPr>
+                </a:tc>
+                <a:tc>
+                  <a:txBody>
+                    <a:bodyPr/>
+                    <a:lstStyle/>
+                    <a:p>
+                      <a:pPr algn="r" fontAlgn="ctr"/>
+                      <a:r>
+                        <a:rPr lang="en-US" sz="1400" b="1" dirty="0">
+                          <a:effectLst/>
+                        </a:rPr>
+                        <a:t>7.006728e-01</a:t>
+                      </a:r>
+                    </a:p>
+                  </a:txBody>
+                  <a:tcPr anchor="ctr">
+                    <a:lnL>
+                      <a:noFill/>
+                    </a:lnL>
+                    <a:lnR>
+                      <a:noFill/>
+                    </a:lnR>
+                    <a:lnT>
+                      <a:noFill/>
+                    </a:lnT>
+                    <a:lnB>
+                      <a:noFill/>
+                    </a:lnB>
+                    <a:solidFill>
+                      <a:srgbClr val="F5F5F5"/>
+                    </a:solidFill>
+                  </a:tcPr>
+                </a:tc>
+                <a:extLst>
+                  <a:ext uri="{0D108BD9-81ED-4DB2-BD59-A6C34878D82A}">
+                    <a16:rowId xmlns:a16="http://schemas.microsoft.com/office/drawing/2014/main" val="1504367922"/>
+                  </a:ext>
+                </a:extLst>
+              </a:tr>
+              <a:tr h="0">
+                <a:tc>
+                  <a:txBody>
+                    <a:bodyPr/>
+                    <a:lstStyle/>
+                    <a:p>
+                      <a:pPr algn="r" fontAlgn="ctr"/>
+                      <a:r>
+                        <a:rPr lang="en-US" sz="1400" b="1" dirty="0">
+                          <a:effectLst/>
+                        </a:rPr>
+                        <a:t>frac_coll_plus2010 (fraction of population college educated)</a:t>
+                      </a:r>
+                    </a:p>
+                  </a:txBody>
+                  <a:tcPr anchor="ctr">
+                    <a:lnL>
+                      <a:noFill/>
+                    </a:lnL>
+                    <a:lnR>
+                      <a:noFill/>
+                    </a:lnR>
+                    <a:lnT>
+                      <a:noFill/>
+                    </a:lnT>
+                    <a:lnB>
+                      <a:noFill/>
+                    </a:lnB>
+                    <a:solidFill>
+                      <a:srgbClr val="FFFFFF"/>
+                    </a:solidFill>
+                  </a:tcPr>
+                </a:tc>
+                <a:tc>
+                  <a:txBody>
+                    <a:bodyPr/>
+                    <a:lstStyle/>
+                    <a:p>
+                      <a:pPr algn="r" fontAlgn="ctr"/>
+                      <a:r>
+                        <a:rPr lang="en-US" sz="1400" b="1" dirty="0">
+                          <a:effectLst/>
+                        </a:rPr>
+                        <a:t>1.311336e-01</a:t>
+                      </a:r>
+                    </a:p>
+                  </a:txBody>
+                  <a:tcPr anchor="ctr">
+                    <a:lnL>
+                      <a:noFill/>
+                    </a:lnL>
+                    <a:lnR>
+                      <a:noFill/>
+                    </a:lnR>
+                    <a:lnT>
+                      <a:noFill/>
+                    </a:lnT>
+                    <a:lnB>
+                      <a:noFill/>
+                    </a:lnB>
+                    <a:solidFill>
+                      <a:srgbClr val="FFFFFF"/>
+                    </a:solidFill>
+                  </a:tcPr>
+                </a:tc>
+                <a:extLst>
+                  <a:ext uri="{0D108BD9-81ED-4DB2-BD59-A6C34878D82A}">
+                    <a16:rowId xmlns:a16="http://schemas.microsoft.com/office/drawing/2014/main" val="2813175507"/>
+                  </a:ext>
+                </a:extLst>
+              </a:tr>
+              <a:tr h="0">
+                <a:tc>
+                  <a:txBody>
+                    <a:bodyPr/>
+                    <a:lstStyle/>
+                    <a:p>
+                      <a:pPr algn="r" fontAlgn="ctr"/>
+                      <a:r>
+                        <a:rPr lang="en-US" sz="1400" b="1" dirty="0">
+                          <a:effectLst/>
+                        </a:rPr>
+                        <a:t>foreign_share2010 </a:t>
+                      </a:r>
+                      <a:r>
+                        <a:rPr lang="en-US" sz="1400" b="1" dirty="0"/>
+                        <a:t>(fraction of foreign born): </a:t>
+                      </a:r>
+                      <a:r>
+                        <a:rPr lang="en-US" sz="1400" b="1" dirty="0">
+                          <a:effectLst/>
+                        </a:rPr>
+                        <a:t> </a:t>
+                      </a:r>
+                    </a:p>
+                  </a:txBody>
+                  <a:tcPr anchor="ctr">
+                    <a:lnL>
+                      <a:noFill/>
+                    </a:lnL>
+                    <a:lnR>
+                      <a:noFill/>
+                    </a:lnR>
+                    <a:lnT>
+                      <a:noFill/>
+                    </a:lnT>
+                    <a:lnB>
+                      <a:noFill/>
+                    </a:lnB>
+                    <a:solidFill>
+                      <a:srgbClr val="F5F5F5"/>
+                    </a:solidFill>
+                  </a:tcPr>
+                </a:tc>
+                <a:tc>
+                  <a:txBody>
+                    <a:bodyPr/>
+                    <a:lstStyle/>
+                    <a:p>
+                      <a:pPr algn="r" fontAlgn="ctr"/>
+                      <a:r>
+                        <a:rPr lang="en-US" sz="1400" b="1" dirty="0">
+                          <a:effectLst/>
+                        </a:rPr>
+                        <a:t>1.094711e-01</a:t>
+                      </a:r>
+                    </a:p>
+                  </a:txBody>
+                  <a:tcPr anchor="ctr">
+                    <a:lnL>
+                      <a:noFill/>
+                    </a:lnL>
+                    <a:lnR>
+                      <a:noFill/>
+                    </a:lnR>
+                    <a:lnT>
+                      <a:noFill/>
+                    </a:lnT>
+                    <a:lnB>
+                      <a:noFill/>
+                    </a:lnB>
+                    <a:solidFill>
+                      <a:srgbClr val="F5F5F5"/>
+                    </a:solidFill>
+                  </a:tcPr>
+                </a:tc>
+                <a:extLst>
+                  <a:ext uri="{0D108BD9-81ED-4DB2-BD59-A6C34878D82A}">
+                    <a16:rowId xmlns:a16="http://schemas.microsoft.com/office/drawing/2014/main" val="1738939472"/>
+                  </a:ext>
+                </a:extLst>
+              </a:tr>
+              <a:tr h="0">
+                <a:tc>
+                  <a:txBody>
+                    <a:bodyPr/>
+                    <a:lstStyle/>
+                    <a:p>
+                      <a:pPr algn="r" fontAlgn="ctr"/>
+                      <a:r>
+                        <a:rPr lang="en-US" sz="1400" b="1" dirty="0">
+                          <a:effectLst/>
+                        </a:rPr>
+                        <a:t>Popdensity2010 </a:t>
+                      </a:r>
+                      <a:r>
+                        <a:rPr lang="en-US" sz="1400" b="1" dirty="0"/>
+                        <a:t>(population per sq mile): </a:t>
+                      </a:r>
+                      <a:endParaRPr lang="en-US" sz="1400" b="1" dirty="0">
+                        <a:effectLst/>
+                      </a:endParaRPr>
+                    </a:p>
+                  </a:txBody>
+                  <a:tcPr anchor="ctr">
+                    <a:lnL>
+                      <a:noFill/>
+                    </a:lnL>
+                    <a:lnR>
+                      <a:noFill/>
+                    </a:lnR>
+                    <a:lnT>
+                      <a:noFill/>
+                    </a:lnT>
+                    <a:lnB>
+                      <a:noFill/>
+                    </a:lnB>
+                    <a:solidFill>
+                      <a:srgbClr val="FFFFFF"/>
+                    </a:solidFill>
+                  </a:tcPr>
+                </a:tc>
+                <a:tc>
+                  <a:txBody>
+                    <a:bodyPr/>
+                    <a:lstStyle/>
+                    <a:p>
+                      <a:pPr algn="r" fontAlgn="ctr"/>
+                      <a:r>
+                        <a:rPr lang="en-US" sz="1400" b="1" dirty="0">
+                          <a:effectLst/>
+                        </a:rPr>
+                        <a:t>2.254595e-02</a:t>
+                      </a:r>
+                    </a:p>
+                  </a:txBody>
+                  <a:tcPr anchor="ctr">
+                    <a:lnL>
+                      <a:noFill/>
+                    </a:lnL>
+                    <a:lnR>
+                      <a:noFill/>
+                    </a:lnR>
+                    <a:lnT>
+                      <a:noFill/>
+                    </a:lnT>
+                    <a:lnB>
+                      <a:noFill/>
+                    </a:lnB>
+                    <a:solidFill>
+                      <a:srgbClr val="FFFFFF"/>
+                    </a:solidFill>
+                  </a:tcPr>
+                </a:tc>
+                <a:extLst>
+                  <a:ext uri="{0D108BD9-81ED-4DB2-BD59-A6C34878D82A}">
+                    <a16:rowId xmlns:a16="http://schemas.microsoft.com/office/drawing/2014/main" val="873073887"/>
+                  </a:ext>
+                </a:extLst>
+              </a:tr>
+              <a:tr h="0">
+                <a:tc>
+                  <a:txBody>
+                    <a:bodyPr/>
+                    <a:lstStyle/>
+                    <a:p>
+                      <a:pPr algn="r" fontAlgn="ctr"/>
+                      <a:r>
+                        <a:rPr lang="en-US" sz="1400" b="1" dirty="0">
+                          <a:effectLst/>
+                        </a:rPr>
+                        <a:t>singleparent_share2010 (fraction of single parent households)</a:t>
+                      </a:r>
+                    </a:p>
+                  </a:txBody>
+                  <a:tcPr anchor="ctr">
+                    <a:lnL>
+                      <a:noFill/>
+                    </a:lnL>
+                    <a:lnR>
+                      <a:noFill/>
+                    </a:lnR>
+                    <a:lnT>
+                      <a:noFill/>
+                    </a:lnT>
+                    <a:lnB>
+                      <a:noFill/>
+                    </a:lnB>
+                    <a:solidFill>
+                      <a:srgbClr val="FFFFFF"/>
+                    </a:solidFill>
+                  </a:tcPr>
+                </a:tc>
+                <a:tc>
+                  <a:txBody>
+                    <a:bodyPr/>
+                    <a:lstStyle/>
+                    <a:p>
+                      <a:pPr algn="r" fontAlgn="ctr"/>
+                      <a:r>
+                        <a:rPr lang="en-US" sz="1400" b="1" dirty="0">
+                          <a:effectLst/>
+                        </a:rPr>
+                        <a:t>1.021012e-02</a:t>
+                      </a:r>
+                    </a:p>
+                  </a:txBody>
+                  <a:tcPr anchor="ctr">
+                    <a:lnL>
+                      <a:noFill/>
+                    </a:lnL>
+                    <a:lnR>
+                      <a:noFill/>
+                    </a:lnR>
+                    <a:lnT>
+                      <a:noFill/>
+                    </a:lnT>
+                    <a:lnB>
+                      <a:noFill/>
+                    </a:lnB>
+                    <a:solidFill>
+                      <a:srgbClr val="FFFFFF"/>
+                    </a:solidFill>
+                  </a:tcPr>
+                </a:tc>
+                <a:extLst>
+                  <a:ext uri="{0D108BD9-81ED-4DB2-BD59-A6C34878D82A}">
+                    <a16:rowId xmlns:a16="http://schemas.microsoft.com/office/drawing/2014/main" val="352311652"/>
+                  </a:ext>
+                </a:extLst>
+              </a:tr>
+            </a:tbl>
+          </a:graphicData>
+        </a:graphic>
+      </p:graphicFrame>
       <p:sp>
         <p:nvSpPr>
-          <p:cNvPr id="8" name="TextBox 7">
+          <p:cNvPr id="7" name="TextBox 6">
             <a:extLst>
               <a:ext uri="{FF2B5EF4-FFF2-40B4-BE49-F238E27FC236}">
-                <a16:creationId xmlns:a16="http://schemas.microsoft.com/office/drawing/2014/main" id="{DCB0739B-E330-4598-823A-7DFC5485227D}"/>
+                <a16:creationId xmlns:a16="http://schemas.microsoft.com/office/drawing/2014/main" id="{B9F00BAF-1149-43E9-B7AE-C3C95854761D}"/>
               </a:ext>
             </a:extLst>
           </p:cNvPr>
@@ -22718,15 +27270,13 @@
         </p:nvSpPr>
         <p:spPr>
           <a:xfrm>
-            <a:off x="5512204" y="3028360"/>
-            <a:ext cx="6208741" cy="1569660"/>
+            <a:off x="6798252" y="6459138"/>
+            <a:ext cx="6094268" cy="369332"/>
           </a:xfrm>
           <a:prstGeom prst="rect">
             <a:avLst/>
           </a:prstGeom>
-          <a:solidFill>
-            <a:schemeClr val="bg1"/>
-          </a:solidFill>
+          <a:noFill/>
         </p:spPr>
         <p:txBody>
           <a:bodyPr wrap="square">
@@ -22736,54 +27286,17 @@
           <a:p>
             <a:r>
               <a:rPr lang="en-US" sz="1600" b="1" dirty="0"/>
-              <a:t>feature	                                                       importance</a:t>
-            </a:r>
-          </a:p>
-          <a:p>
-            <a:r>
-              <a:rPr lang="en-US" sz="1600" b="1" dirty="0"/>
-              <a:t>med_hhinc2016 (med household income): 	0.413172</a:t>
-            </a:r>
-          </a:p>
-          <a:p>
-            <a:r>
-              <a:rPr lang="en-US" sz="1600" b="1" dirty="0"/>
-              <a:t>poor_share2010 (fraction of indigent in population): 0.110481</a:t>
-            </a:r>
-          </a:p>
-          <a:p>
-            <a:r>
-              <a:rPr lang="en-US" sz="1600" b="1" dirty="0"/>
-              <a:t>foreign_share2010 (fraction of foreign born): 0.096254</a:t>
-            </a:r>
-          </a:p>
-          <a:p>
-            <a:r>
-              <a:rPr lang="en-US" sz="1600" b="1" dirty="0"/>
-              <a:t>popdensity2010  (population per sq mile): 0.043347 job_density_2013  (</a:t>
-            </a:r>
-            <a:r>
-              <a:rPr lang="en-US" sz="1600" b="1" i="0" dirty="0">
-                <a:solidFill>
-                  <a:srgbClr val="202124"/>
-                </a:solidFill>
-                <a:effectLst/>
-              </a:rPr>
-              <a:t>number of jobs per sq mile): </a:t>
-            </a:r>
-            <a:r>
-              <a:rPr lang="en-US" sz="1600" b="1" dirty="0"/>
-              <a:t>0.039791</a:t>
+              <a:t>*Data Leakage from Life Expectancy and Income</a:t>
             </a:r>
           </a:p>
         </p:txBody>
       </p:sp>
       <p:pic>
         <p:nvPicPr>
-          <p:cNvPr id="12" name="Picture 11">
+          <p:cNvPr id="11" name="Picture 10">
             <a:extLst>
               <a:ext uri="{FF2B5EF4-FFF2-40B4-BE49-F238E27FC236}">
-                <a16:creationId xmlns:a16="http://schemas.microsoft.com/office/drawing/2014/main" id="{18DC48E2-CF99-492C-A5DD-00AA74960CD2}"/>
+                <a16:creationId xmlns:a16="http://schemas.microsoft.com/office/drawing/2014/main" id="{C375D583-D631-49B1-8F7A-EABAAFF4AA11}"/>
               </a:ext>
             </a:extLst>
           </p:cNvPr>
@@ -22800,409 +27313,8 @@
         </p:blipFill>
         <p:spPr>
           <a:xfrm>
-            <a:off x="693863" y="1760308"/>
-            <a:ext cx="4552950" cy="4455098"/>
-          </a:xfrm>
-          <a:prstGeom prst="rect">
-            <a:avLst/>
-          </a:prstGeom>
-        </p:spPr>
-      </p:pic>
-      <p:sp>
-        <p:nvSpPr>
-          <p:cNvPr id="4" name="Rectangle 1">
-            <a:extLst>
-              <a:ext uri="{FF2B5EF4-FFF2-40B4-BE49-F238E27FC236}">
-                <a16:creationId xmlns:a16="http://schemas.microsoft.com/office/drawing/2014/main" id="{D2F45B2F-C851-4415-BE09-E0CBA6B0E762}"/>
-              </a:ext>
-            </a:extLst>
-          </p:cNvPr>
-          <p:cNvSpPr>
-            <a:spLocks noChangeArrowheads="1"/>
-          </p:cNvSpPr>
-          <p:nvPr/>
-        </p:nvSpPr>
-        <p:spPr bwMode="auto">
-          <a:xfrm>
-            <a:off x="0" y="0"/>
-            <a:ext cx="12192000" cy="457200"/>
-          </a:xfrm>
-          <a:prstGeom prst="rect">
-            <a:avLst/>
-          </a:prstGeom>
-          <a:solidFill>
-            <a:srgbClr val="FFFFFF"/>
-          </a:solidFill>
-          <a:ln>
-            <a:noFill/>
-          </a:ln>
-          <a:effectLst/>
-          <a:extLst>
-            <a:ext uri="{91240B29-F687-4F45-9708-019B960494DF}">
-              <a14:hiddenLine xmlns:a14="http://schemas.microsoft.com/office/drawing/2010/main" w="9525">
-                <a:solidFill>
-                  <a:schemeClr val="tx1"/>
-                </a:solidFill>
-                <a:miter lim="800000"/>
-                <a:headEnd/>
-                <a:tailEnd/>
-              </a14:hiddenLine>
-            </a:ext>
-            <a:ext uri="{AF507438-7753-43E0-B8FC-AC1667EBCBE1}">
-              <a14:hiddenEffects xmlns:a14="http://schemas.microsoft.com/office/drawing/2010/main">
-                <a:effectLst>
-                  <a:outerShdw dist="35921" dir="2700000" algn="ctr" rotWithShape="0">
-                    <a:schemeClr val="bg2"/>
-                  </a:outerShdw>
-                </a:effectLst>
-              </a14:hiddenEffects>
-            </a:ext>
-          </a:extLst>
-        </p:spPr>
-        <p:txBody>
-          <a:bodyPr vert="horz" wrap="none" lIns="0" tIns="0" rIns="0" bIns="0" numCol="1" anchor="ctr" anchorCtr="0" compatLnSpc="1">
-            <a:prstTxWarp prst="textNoShape">
-              <a:avLst/>
-            </a:prstTxWarp>
-            <a:spAutoFit/>
-          </a:bodyPr>
-          <a:lstStyle/>
-          <a:p>
-            <a:pPr marL="0" marR="0" lvl="0" indent="0" algn="l" defTabSz="914400" rtl="0" eaLnBrk="0" fontAlgn="base" latinLnBrk="0" hangingPunct="0">
-              <a:lnSpc>
-                <a:spcPct val="100000"/>
-              </a:lnSpc>
-              <a:spcBef>
-                <a:spcPct val="0"/>
-              </a:spcBef>
-              <a:spcAft>
-                <a:spcPct val="0"/>
-              </a:spcAft>
-              <a:buClrTx/>
-              <a:buSzTx/>
-              <a:buFontTx/>
-              <a:buNone/>
-              <a:tabLst/>
-            </a:pPr>
-            <a:r>
-              <a:rPr kumimoji="0" lang="en-US" altLang="en-US" sz="1000" b="0" i="0" u="none" strike="noStrike" cap="none" normalizeH="0" baseline="0">
-                <a:ln>
-                  <a:noFill/>
-                </a:ln>
-                <a:solidFill>
-                  <a:srgbClr val="000000"/>
-                </a:solidFill>
-                <a:effectLst/>
-                <a:latin typeface="Courier New" panose="02070309020205020404" pitchFamily="49" charset="0"/>
-              </a:rPr>
-              <a:t>Mean Absolute Error: 0.8792662774044289 Mean Squared Error: 4.276068084168778 Root Mean Squared Error: 2.067865586581676</a:t>
-            </a:r>
-            <a:r>
-              <a:rPr kumimoji="0" lang="en-US" altLang="en-US" sz="800" b="0" i="0" u="none" strike="noStrike" cap="none" normalizeH="0" baseline="0">
-                <a:ln>
-                  <a:noFill/>
-                </a:ln>
-                <a:solidFill>
-                  <a:schemeClr val="tx1"/>
-                </a:solidFill>
-                <a:effectLst/>
-              </a:rPr>
-              <a:t> </a:t>
-            </a:r>
-            <a:endParaRPr kumimoji="0" lang="en-US" altLang="en-US" sz="1800" b="0" i="0" u="none" strike="noStrike" cap="none" normalizeH="0" baseline="0">
-              <a:ln>
-                <a:noFill/>
-              </a:ln>
-              <a:solidFill>
-                <a:schemeClr val="tx1"/>
-              </a:solidFill>
-              <a:effectLst/>
-              <a:latin typeface="Arial" panose="020B0604020202020204" pitchFamily="34" charset="0"/>
-            </a:endParaRPr>
-          </a:p>
-        </p:txBody>
-      </p:sp>
-    </p:spTree>
-    <p:extLst>
-      <p:ext uri="{BB962C8B-B14F-4D97-AF65-F5344CB8AC3E}">
-        <p14:creationId xmlns:p14="http://schemas.microsoft.com/office/powerpoint/2010/main" val="2488236432"/>
-      </p:ext>
-    </p:extLst>
-  </p:cSld>
-  <p:clrMapOvr>
-    <a:masterClrMapping/>
-  </p:clrMapOvr>
-</p:sld>
-</file>
-
-<file path=ppt/slides/slide7.xml><?xml version="1.0" encoding="utf-8"?>
-<p:sld xmlns:a="http://schemas.openxmlformats.org/drawingml/2006/main" xmlns:r="http://schemas.openxmlformats.org/officeDocument/2006/relationships" xmlns:p="http://schemas.openxmlformats.org/presentationml/2006/main">
-  <p:cSld>
-    <p:spTree>
-      <p:nvGrpSpPr>
-        <p:cNvPr id="1" name=""/>
-        <p:cNvGrpSpPr/>
-        <p:nvPr/>
-      </p:nvGrpSpPr>
-      <p:grpSpPr>
-        <a:xfrm>
-          <a:off x="0" y="0"/>
-          <a:ext cx="0" cy="0"/>
-          <a:chOff x="0" y="0"/>
-          <a:chExt cx="0" cy="0"/>
-        </a:xfrm>
-      </p:grpSpPr>
-      <p:sp>
-        <p:nvSpPr>
-          <p:cNvPr id="2" name="Title 1">
-            <a:extLst>
-              <a:ext uri="{FF2B5EF4-FFF2-40B4-BE49-F238E27FC236}">
-                <a16:creationId xmlns:a16="http://schemas.microsoft.com/office/drawing/2014/main" id="{E53939C5-87D3-4DB7-90FF-913C33258787}"/>
-              </a:ext>
-            </a:extLst>
-          </p:cNvPr>
-          <p:cNvSpPr>
-            <a:spLocks noGrp="1"/>
-          </p:cNvSpPr>
-          <p:nvPr>
-            <p:ph type="title"/>
-          </p:nvPr>
-        </p:nvSpPr>
-        <p:spPr>
-          <a:xfrm>
-            <a:off x="1066800" y="642594"/>
-            <a:ext cx="10058400" cy="500406"/>
-          </a:xfrm>
-        </p:spPr>
-        <p:txBody>
-          <a:bodyPr>
-            <a:normAutofit fontScale="90000"/>
-          </a:bodyPr>
-          <a:lstStyle/>
-          <a:p>
-            <a:pPr algn="ctr"/>
-            <a:r>
-              <a:rPr lang="en-US" b="1" dirty="0"/>
-              <a:t>The Disconnect</a:t>
-            </a:r>
-          </a:p>
-        </p:txBody>
-      </p:sp>
-      <p:pic>
-        <p:nvPicPr>
-          <p:cNvPr id="4" name="Picture 3">
-            <a:extLst>
-              <a:ext uri="{FF2B5EF4-FFF2-40B4-BE49-F238E27FC236}">
-                <a16:creationId xmlns:a16="http://schemas.microsoft.com/office/drawing/2014/main" id="{E571D37A-4F0C-48FD-82B1-771D86413552}"/>
-              </a:ext>
-            </a:extLst>
-          </p:cNvPr>
-          <p:cNvPicPr>
-            <a:picLocks noChangeAspect="1"/>
-          </p:cNvPicPr>
-          <p:nvPr/>
-        </p:nvPicPr>
-        <p:blipFill>
-          <a:blip r:embed="rId3"/>
-          <a:stretch>
-            <a:fillRect/>
-          </a:stretch>
-        </p:blipFill>
-        <p:spPr>
-          <a:xfrm>
-            <a:off x="1964871" y="1609044"/>
-            <a:ext cx="3752850" cy="4040642"/>
-          </a:xfrm>
-          <a:prstGeom prst="rect">
-            <a:avLst/>
-          </a:prstGeom>
-        </p:spPr>
-      </p:pic>
-      <p:pic>
-        <p:nvPicPr>
-          <p:cNvPr id="5" name="Picture 4">
-            <a:extLst>
-              <a:ext uri="{FF2B5EF4-FFF2-40B4-BE49-F238E27FC236}">
-                <a16:creationId xmlns:a16="http://schemas.microsoft.com/office/drawing/2014/main" id="{5CD26FB0-5D2F-4521-B2A0-1E36D978FAF4}"/>
-              </a:ext>
-            </a:extLst>
-          </p:cNvPr>
-          <p:cNvPicPr>
-            <a:picLocks noChangeAspect="1"/>
-          </p:cNvPicPr>
-          <p:nvPr/>
-        </p:nvPicPr>
-        <p:blipFill>
-          <a:blip r:embed="rId4"/>
-          <a:stretch>
-            <a:fillRect/>
-          </a:stretch>
-        </p:blipFill>
-        <p:spPr>
-          <a:xfrm>
-            <a:off x="6259286" y="1609044"/>
-            <a:ext cx="3638550" cy="4040642"/>
-          </a:xfrm>
-          <a:prstGeom prst="rect">
-            <a:avLst/>
-          </a:prstGeom>
-        </p:spPr>
-      </p:pic>
-      <p:sp>
-        <p:nvSpPr>
-          <p:cNvPr id="3" name="TextBox 2">
-            <a:extLst>
-              <a:ext uri="{FF2B5EF4-FFF2-40B4-BE49-F238E27FC236}">
-                <a16:creationId xmlns:a16="http://schemas.microsoft.com/office/drawing/2014/main" id="{2499749D-8F30-45FB-AF50-06873DE221B9}"/>
-              </a:ext>
-            </a:extLst>
-          </p:cNvPr>
-          <p:cNvSpPr txBox="1"/>
-          <p:nvPr/>
-        </p:nvSpPr>
-        <p:spPr>
-          <a:xfrm>
-            <a:off x="538842" y="6057900"/>
-            <a:ext cx="2890158" cy="307777"/>
-          </a:xfrm>
-          <a:prstGeom prst="rect">
-            <a:avLst/>
-          </a:prstGeom>
-          <a:noFill/>
-        </p:spPr>
-        <p:txBody>
-          <a:bodyPr wrap="square" rtlCol="0">
-            <a:spAutoFit/>
-          </a:bodyPr>
-          <a:lstStyle/>
-          <a:p>
-            <a:r>
-              <a:rPr lang="en-US" sz="1400" b="1" dirty="0"/>
-              <a:t>Pew Research Jan 2020</a:t>
-            </a:r>
-          </a:p>
-        </p:txBody>
-      </p:sp>
-    </p:spTree>
-    <p:extLst>
-      <p:ext uri="{BB962C8B-B14F-4D97-AF65-F5344CB8AC3E}">
-        <p14:creationId xmlns:p14="http://schemas.microsoft.com/office/powerpoint/2010/main" val="1400857027"/>
-      </p:ext>
-    </p:extLst>
-  </p:cSld>
-  <p:clrMapOvr>
-    <a:masterClrMapping/>
-  </p:clrMapOvr>
-</p:sld>
-</file>
-
-<file path=ppt/slides/slide8.xml><?xml version="1.0" encoding="utf-8"?>
-<p:sld xmlns:a="http://schemas.openxmlformats.org/drawingml/2006/main" xmlns:r="http://schemas.openxmlformats.org/officeDocument/2006/relationships" xmlns:p="http://schemas.openxmlformats.org/presentationml/2006/main">
-  <p:cSld>
-    <p:spTree>
-      <p:nvGrpSpPr>
-        <p:cNvPr id="1" name=""/>
-        <p:cNvGrpSpPr/>
-        <p:nvPr/>
-      </p:nvGrpSpPr>
-      <p:grpSpPr>
-        <a:xfrm>
-          <a:off x="0" y="0"/>
-          <a:ext cx="0" cy="0"/>
-          <a:chOff x="0" y="0"/>
-          <a:chExt cx="0" cy="0"/>
-        </a:xfrm>
-      </p:grpSpPr>
-      <p:sp>
-        <p:nvSpPr>
-          <p:cNvPr id="2" name="Title 1">
-            <a:extLst>
-              <a:ext uri="{FF2B5EF4-FFF2-40B4-BE49-F238E27FC236}">
-                <a16:creationId xmlns:a16="http://schemas.microsoft.com/office/drawing/2014/main" id="{3E071415-7295-499C-914B-4F81ED1876BE}"/>
-              </a:ext>
-            </a:extLst>
-          </p:cNvPr>
-          <p:cNvSpPr>
-            <a:spLocks noGrp="1"/>
-          </p:cNvSpPr>
-          <p:nvPr>
-            <p:ph type="title"/>
-          </p:nvPr>
-        </p:nvSpPr>
-        <p:spPr>
-          <a:xfrm>
-            <a:off x="1066800" y="283361"/>
-            <a:ext cx="10058400" cy="859635"/>
-          </a:xfrm>
-        </p:spPr>
-        <p:txBody>
-          <a:bodyPr>
-            <a:normAutofit/>
-          </a:bodyPr>
-          <a:lstStyle/>
-          <a:p>
-            <a:pPr algn="ctr"/>
-            <a:r>
-              <a:rPr lang="en-US" sz="3600" b="1" dirty="0"/>
-              <a:t>Political Solutions Seem Less Likely…</a:t>
-            </a:r>
-          </a:p>
-        </p:txBody>
-      </p:sp>
-      <p:pic>
-        <p:nvPicPr>
-          <p:cNvPr id="5" name="Picture 4">
-            <a:extLst>
-              <a:ext uri="{FF2B5EF4-FFF2-40B4-BE49-F238E27FC236}">
-                <a16:creationId xmlns:a16="http://schemas.microsoft.com/office/drawing/2014/main" id="{6064E6FC-B4F7-4AED-9A52-33D682D41F4E}"/>
-              </a:ext>
-            </a:extLst>
-          </p:cNvPr>
-          <p:cNvPicPr>
-            <a:picLocks noChangeAspect="1"/>
-          </p:cNvPicPr>
-          <p:nvPr/>
-        </p:nvPicPr>
-        <p:blipFill>
-          <a:blip r:embed="rId3"/>
-          <a:stretch>
-            <a:fillRect/>
-          </a:stretch>
-        </p:blipFill>
-        <p:spPr>
-          <a:xfrm>
-            <a:off x="6417127" y="1330778"/>
-            <a:ext cx="5715000" cy="4884627"/>
-          </a:xfrm>
-          <a:prstGeom prst="rect">
-            <a:avLst/>
-          </a:prstGeom>
-        </p:spPr>
-      </p:pic>
-      <p:pic>
-        <p:nvPicPr>
-          <p:cNvPr id="6" name="Picture 5">
-            <a:extLst>
-              <a:ext uri="{FF2B5EF4-FFF2-40B4-BE49-F238E27FC236}">
-                <a16:creationId xmlns:a16="http://schemas.microsoft.com/office/drawing/2014/main" id="{25D27322-92DF-4DDB-B706-BE59F0F0A6EA}"/>
-              </a:ext>
-            </a:extLst>
-          </p:cNvPr>
-          <p:cNvPicPr>
-            <a:picLocks noChangeAspect="1"/>
-          </p:cNvPicPr>
-          <p:nvPr/>
-        </p:nvPicPr>
-        <p:blipFill>
-          <a:blip r:embed="rId4"/>
-          <a:stretch>
-            <a:fillRect/>
-          </a:stretch>
-        </p:blipFill>
-        <p:spPr>
-          <a:xfrm>
-            <a:off x="14961" y="1330778"/>
-            <a:ext cx="6206226" cy="4884627"/>
+            <a:off x="853354" y="1672716"/>
+            <a:ext cx="5099362" cy="4696581"/>
           </a:xfrm>
           <a:prstGeom prst="rect">
             <a:avLst/>
@@ -23212,165 +27324,7 @@
     </p:spTree>
     <p:extLst>
       <p:ext uri="{BB962C8B-B14F-4D97-AF65-F5344CB8AC3E}">
-        <p14:creationId xmlns:p14="http://schemas.microsoft.com/office/powerpoint/2010/main" val="3149756952"/>
-      </p:ext>
-    </p:extLst>
-  </p:cSld>
-  <p:clrMapOvr>
-    <a:masterClrMapping/>
-  </p:clrMapOvr>
-</p:sld>
-</file>
-
-<file path=ppt/slides/slide9.xml><?xml version="1.0" encoding="utf-8"?>
-<p:sld xmlns:a="http://schemas.openxmlformats.org/drawingml/2006/main" xmlns:r="http://schemas.openxmlformats.org/officeDocument/2006/relationships" xmlns:p="http://schemas.openxmlformats.org/presentationml/2006/main">
-  <p:cSld>
-    <p:spTree>
-      <p:nvGrpSpPr>
-        <p:cNvPr id="1" name=""/>
-        <p:cNvGrpSpPr/>
-        <p:nvPr/>
-      </p:nvGrpSpPr>
-      <p:grpSpPr>
-        <a:xfrm>
-          <a:off x="0" y="0"/>
-          <a:ext cx="0" cy="0"/>
-          <a:chOff x="0" y="0"/>
-          <a:chExt cx="0" cy="0"/>
-        </a:xfrm>
-      </p:grpSpPr>
-      <p:sp>
-        <p:nvSpPr>
-          <p:cNvPr id="2" name="Title 1">
-            <a:extLst>
-              <a:ext uri="{FF2B5EF4-FFF2-40B4-BE49-F238E27FC236}">
-                <a16:creationId xmlns:a16="http://schemas.microsoft.com/office/drawing/2014/main" id="{3E071415-7295-499C-914B-4F81ED1876BE}"/>
-              </a:ext>
-            </a:extLst>
-          </p:cNvPr>
-          <p:cNvSpPr>
-            <a:spLocks noGrp="1"/>
-          </p:cNvSpPr>
-          <p:nvPr>
-            <p:ph type="title"/>
-          </p:nvPr>
-        </p:nvSpPr>
-        <p:spPr>
-          <a:xfrm>
-            <a:off x="1066800" y="283361"/>
-            <a:ext cx="10058400" cy="859635"/>
-          </a:xfrm>
-        </p:spPr>
-        <p:txBody>
-          <a:bodyPr>
-            <a:normAutofit/>
-          </a:bodyPr>
-          <a:lstStyle/>
-          <a:p>
-            <a:pPr algn="ctr"/>
-            <a:r>
-              <a:rPr lang="en-US" sz="3600" b="1" dirty="0"/>
-              <a:t>Or Dependent on Political Shifts (Right).</a:t>
-            </a:r>
-          </a:p>
-        </p:txBody>
-      </p:sp>
-      <p:pic>
-        <p:nvPicPr>
-          <p:cNvPr id="4" name="Picture 3">
-            <a:extLst>
-              <a:ext uri="{FF2B5EF4-FFF2-40B4-BE49-F238E27FC236}">
-                <a16:creationId xmlns:a16="http://schemas.microsoft.com/office/drawing/2014/main" id="{15759049-F9B5-4A5D-9529-DEF842649910}"/>
-              </a:ext>
-            </a:extLst>
-          </p:cNvPr>
-          <p:cNvPicPr>
-            <a:picLocks noChangeAspect="1"/>
-          </p:cNvPicPr>
-          <p:nvPr/>
-        </p:nvPicPr>
-        <p:blipFill>
-          <a:blip r:embed="rId3"/>
-          <a:stretch>
-            <a:fillRect/>
-          </a:stretch>
-        </p:blipFill>
-        <p:spPr>
-          <a:xfrm>
-            <a:off x="3292250" y="1748663"/>
-            <a:ext cx="5644923" cy="4619482"/>
-          </a:xfrm>
-          <a:prstGeom prst="rect">
-            <a:avLst/>
-          </a:prstGeom>
-        </p:spPr>
-      </p:pic>
-      <p:sp>
-        <p:nvSpPr>
-          <p:cNvPr id="7" name="Title 1">
-            <a:extLst>
-              <a:ext uri="{FF2B5EF4-FFF2-40B4-BE49-F238E27FC236}">
-                <a16:creationId xmlns:a16="http://schemas.microsoft.com/office/drawing/2014/main" id="{F9EB4E71-0206-4055-9A7F-0712B920CEDB}"/>
-              </a:ext>
-            </a:extLst>
-          </p:cNvPr>
-          <p:cNvSpPr txBox="1">
-            <a:spLocks/>
-          </p:cNvSpPr>
-          <p:nvPr/>
-        </p:nvSpPr>
-        <p:spPr>
-          <a:xfrm>
-            <a:off x="3292250" y="1016012"/>
-            <a:ext cx="5644923" cy="732651"/>
-          </a:xfrm>
-          <a:prstGeom prst="rect">
-            <a:avLst/>
-          </a:prstGeom>
-          <a:solidFill>
-            <a:schemeClr val="bg1"/>
-          </a:solidFill>
-        </p:spPr>
-        <p:txBody>
-          <a:bodyPr vert="horz" lIns="91440" tIns="45720" rIns="91440" bIns="45720" rtlCol="0" anchor="ctr">
-            <a:normAutofit/>
-          </a:bodyPr>
-          <a:lstStyle>
-            <a:lvl1pPr algn="l" defTabSz="914400" rtl="0" eaLnBrk="1" latinLnBrk="0" hangingPunct="1">
-              <a:lnSpc>
-                <a:spcPct val="90000"/>
-              </a:lnSpc>
-              <a:spcBef>
-                <a:spcPct val="0"/>
-              </a:spcBef>
-              <a:buNone/>
-              <a:defRPr lang="en-US" sz="4000" i="0" kern="1200" cap="none" spc="0" baseline="0" dirty="0">
-                <a:solidFill>
-                  <a:schemeClr val="tx1">
-                    <a:lumMod val="85000"/>
-                    <a:lumOff val="15000"/>
-                  </a:schemeClr>
-                </a:solidFill>
-                <a:effectLst/>
-                <a:latin typeface="+mj-lt"/>
-                <a:ea typeface="+mn-ea"/>
-                <a:cs typeface="+mn-cs"/>
-              </a:defRPr>
-            </a:lvl1pPr>
-          </a:lstStyle>
-          <a:p>
-            <a:pPr algn="ctr"/>
-            <a:r>
-              <a:rPr lang="en-US" sz="2400" b="1" dirty="0"/>
-              <a:t>Tax Cuts and Jobs Act of 2017</a:t>
-            </a:r>
-          </a:p>
-        </p:txBody>
-      </p:sp>
-    </p:spTree>
-    <p:extLst>
-      <p:ext uri="{BB962C8B-B14F-4D97-AF65-F5344CB8AC3E}">
-        <p14:creationId xmlns:p14="http://schemas.microsoft.com/office/powerpoint/2010/main" val="3430536628"/>
+        <p14:creationId xmlns:p14="http://schemas.microsoft.com/office/powerpoint/2010/main" val="1381841346"/>
       </p:ext>
     </p:extLst>
   </p:cSld>
